--- a/microservice_analysis/slides.pptx
+++ b/microservice_analysis/slides.pptx
@@ -4,17 +4,9 @@
   <p:sldMasterIdLst>
     <p:sldMasterId id="2147483648" r:id="rId1"/>
   </p:sldMasterIdLst>
-  <p:notesMasterIdLst>
-    <p:NotesMasterId r:id="rId9"/>
-  </p:notesMasterIdLst>
   <p:sldIdLst>
     <p:sldId id="256" r:id="rId2"/>
     <p:sldId id="257" r:id="rId3"/>
-    <p:sldId id="258" r:id="rId4"/>
-    <p:sldId id="259" r:id="rId5"/>
-    <p:sldId id="260" r:id="rId6"/>
-    <p:sldId id="261" r:id="rId7"/>
-    <p:sldId id="262" r:id="rId8"/>
   </p:sldIdLst>
   <p:sldSz cx="9144000" cy="6858000" type="screen4x3"/>
   <p:notesSz cx="6858000" cy="9144000"/>
@@ -130,708 +122,6 @@
     </p:ext>
   </p:extLst>
 </p:presentation>
-</file>
-
-<file path=ppt/notesMasters/notesMaster1.xml><?xml version="1.0" encoding="utf-8"?>
-<p:notesMaster xmlns:a="http://schemas.openxmlformats.org/drawingml/2006/main" xmlns:r="http://schemas.openxmlformats.org/officeDocument/2006/relationships" xmlns:p="http://schemas.openxmlformats.org/presentationml/2006/main">
-  <p:cSld>
-    <p:bg>
-      <p:bgRef idx="1001">
-        <a:schemeClr val="bg1"/>
-      </p:bgRef>
-    </p:bg>
-    <p:spTree>
-      <p:nvGrpSpPr>
-        <p:cNvPr id="1" name=""/>
-        <p:cNvGrpSpPr/>
-        <p:nvPr/>
-      </p:nvGrpSpPr>
-      <p:grpSpPr>
-        <a:xfrm>
-          <a:off x="0" y="0"/>
-          <a:ext cx="0" cy="0"/>
-          <a:chOff x="0" y="0"/>
-          <a:chExt cx="0" cy="0"/>
-        </a:xfrm>
-      </p:grpSpPr>
-      <p:sp>
-        <p:nvSpPr>
-          <p:cNvPr id="2" name="Header Placeholder 1"/>
-          <p:cNvSpPr>
-            <a:spLocks noGrp="1"/>
-          </p:cNvSpPr>
-          <p:nvPr>
-            <p:ph type="hdr" sz="quarter"/>
-          </p:nvPr>
-        </p:nvSpPr>
-        <p:spPr>
-          <a:xfrm>
-            <a:off x="0" y="0"/>
-            <a:ext cx="2971800" cy="458788"/>
-          </a:xfrm>
-          <a:prstGeom prst="rect">
-            <a:avLst/>
-          </a:prstGeom>
-        </p:spPr>
-        <p:txBody>
-          <a:bodyPr vert="horz" lIns="91440" tIns="45720" rIns="91440" bIns="45720" rtlCol="0"/>
-          <a:lstStyle>
-            <a:lvl1pPr algn="l">
-              <a:defRPr sz="1200"/>
-            </a:lvl1pPr>
-          </a:lstStyle>
-          <a:p>
-            <a:endParaRPr lang="en-US"/>
-          </a:p>
-        </p:txBody>
-      </p:sp>
-      <p:sp>
-        <p:nvSpPr>
-          <p:cNvPr id="3" name="Date Placeholder 2"/>
-          <p:cNvSpPr>
-            <a:spLocks noGrp="1"/>
-          </p:cNvSpPr>
-          <p:nvPr>
-            <p:ph type="dt" idx="1"/>
-          </p:nvPr>
-        </p:nvSpPr>
-        <p:spPr>
-          <a:xfrm>
-            <a:off x="3884613" y="0"/>
-            <a:ext cx="2971800" cy="458788"/>
-          </a:xfrm>
-          <a:prstGeom prst="rect">
-            <a:avLst/>
-          </a:prstGeom>
-        </p:spPr>
-        <p:txBody>
-          <a:bodyPr vert="horz" lIns="91440" tIns="45720" rIns="91440" bIns="45720" rtlCol="0"/>
-          <a:lstStyle>
-            <a:lvl1pPr algn="r">
-              <a:defRPr sz="1200"/>
-            </a:lvl1pPr>
-          </a:lstStyle>
-          <a:p>
-            <a:fld id="{0F9C1CCF-B725-44A7-AA57-5E433BD85C9F}" type="datetimeFigureOut">
-              <a:rPr lang="en-US" smtClean="0"/>
-              <a:t>4/5/2019</a:t>
-            </a:fld>
-            <a:endParaRPr lang="en-US"/>
-          </a:p>
-        </p:txBody>
-      </p:sp>
-      <p:sp>
-        <p:nvSpPr>
-          <p:cNvPr id="4" name="Slide Image Placeholder 3"/>
-          <p:cNvSpPr>
-            <a:spLocks noGrp="1" noRot="1" noChangeAspect="1"/>
-          </p:cNvSpPr>
-          <p:nvPr>
-            <p:ph type="sldImg" idx="2"/>
-          </p:nvPr>
-        </p:nvSpPr>
-        <p:spPr>
-          <a:xfrm>
-            <a:off x="1371600" y="1143000"/>
-            <a:ext cx="4114800" cy="3086100"/>
-          </a:xfrm>
-          <a:prstGeom prst="rect">
-            <a:avLst/>
-          </a:prstGeom>
-          <a:noFill/>
-          <a:ln w="12700">
-            <a:solidFill>
-              <a:prstClr val="black"/>
-            </a:solidFill>
-          </a:ln>
-        </p:spPr>
-        <p:txBody>
-          <a:bodyPr vert="horz" lIns="91440" tIns="45720" rIns="91440" bIns="45720" rtlCol="0" anchor="ctr"/>
-          <a:lstStyle/>
-          <a:p>
-            <a:endParaRPr lang="en-US"/>
-          </a:p>
-        </p:txBody>
-      </p:sp>
-      <p:sp>
-        <p:nvSpPr>
-          <p:cNvPr id="5" name="Notes Placeholder 4"/>
-          <p:cNvSpPr>
-            <a:spLocks noGrp="1"/>
-          </p:cNvSpPr>
-          <p:nvPr>
-            <p:ph type="body" sz="quarter" idx="3"/>
-          </p:nvPr>
-        </p:nvSpPr>
-        <p:spPr>
-          <a:xfrm>
-            <a:off x="685800" y="4400550"/>
-            <a:ext cx="5486400" cy="3600450"/>
-          </a:xfrm>
-          <a:prstGeom prst="rect">
-            <a:avLst/>
-          </a:prstGeom>
-        </p:spPr>
-        <p:txBody>
-          <a:bodyPr vert="horz" lIns="91440" tIns="45720" rIns="91440" bIns="45720" rtlCol="0"/>
-          <a:lstStyle/>
-          <a:p>
-            <a:pPr lvl="0"/>
-            <a:r>
-              <a:rPr lang="en-US" smtClean="0"/>
-              <a:t>Click to edit Master text styles</a:t>
-            </a:r>
-          </a:p>
-          <a:p>
-            <a:pPr lvl="1"/>
-            <a:r>
-              <a:rPr lang="en-US" smtClean="0"/>
-              <a:t>Second level</a:t>
-            </a:r>
-          </a:p>
-          <a:p>
-            <a:pPr lvl="2"/>
-            <a:r>
-              <a:rPr lang="en-US" smtClean="0"/>
-              <a:t>Third level</a:t>
-            </a:r>
-          </a:p>
-          <a:p>
-            <a:pPr lvl="3"/>
-            <a:r>
-              <a:rPr lang="en-US" smtClean="0"/>
-              <a:t>Fourth level</a:t>
-            </a:r>
-          </a:p>
-          <a:p>
-            <a:pPr lvl="4"/>
-            <a:r>
-              <a:rPr lang="en-US" smtClean="0"/>
-              <a:t>Fifth level</a:t>
-            </a:r>
-            <a:endParaRPr lang="en-US"/>
-          </a:p>
-        </p:txBody>
-      </p:sp>
-      <p:sp>
-        <p:nvSpPr>
-          <p:cNvPr id="6" name="Footer Placeholder 5"/>
-          <p:cNvSpPr>
-            <a:spLocks noGrp="1"/>
-          </p:cNvSpPr>
-          <p:nvPr>
-            <p:ph type="ftr" sz="quarter" idx="4"/>
-          </p:nvPr>
-        </p:nvSpPr>
-        <p:spPr>
-          <a:xfrm>
-            <a:off x="0" y="8685213"/>
-            <a:ext cx="2971800" cy="458787"/>
-          </a:xfrm>
-          <a:prstGeom prst="rect">
-            <a:avLst/>
-          </a:prstGeom>
-        </p:spPr>
-        <p:txBody>
-          <a:bodyPr vert="horz" lIns="91440" tIns="45720" rIns="91440" bIns="45720" rtlCol="0" anchor="b"/>
-          <a:lstStyle>
-            <a:lvl1pPr algn="l">
-              <a:defRPr sz="1200"/>
-            </a:lvl1pPr>
-          </a:lstStyle>
-          <a:p>
-            <a:endParaRPr lang="en-US"/>
-          </a:p>
-        </p:txBody>
-      </p:sp>
-      <p:sp>
-        <p:nvSpPr>
-          <p:cNvPr id="7" name="Slide Number Placeholder 6"/>
-          <p:cNvSpPr>
-            <a:spLocks noGrp="1"/>
-          </p:cNvSpPr>
-          <p:nvPr>
-            <p:ph type="sldNum" sz="quarter" idx="5"/>
-          </p:nvPr>
-        </p:nvSpPr>
-        <p:spPr>
-          <a:xfrm>
-            <a:off x="3884613" y="8685213"/>
-            <a:ext cx="2971800" cy="458787"/>
-          </a:xfrm>
-          <a:prstGeom prst="rect">
-            <a:avLst/>
-          </a:prstGeom>
-        </p:spPr>
-        <p:txBody>
-          <a:bodyPr vert="horz" lIns="91440" tIns="45720" rIns="91440" bIns="45720" rtlCol="0" anchor="b"/>
-          <a:lstStyle>
-            <a:lvl1pPr algn="r">
-              <a:defRPr sz="1200"/>
-            </a:lvl1pPr>
-          </a:lstStyle>
-          <a:p>
-            <a:fld id="{18BDFEC3-8487-43E8-A154-7C12CBC1FFF2}" type="slidenum">
-              <a:rPr lang="en-US" smtClean="0"/>
-              <a:t>‹#›</a:t>
-            </a:fld>
-            <a:endParaRPr lang="en-US"/>
-          </a:p>
-        </p:txBody>
-      </p:sp>
-    </p:spTree>
-    <p:extLst>
-      <p:ext uri="{BB962C8B-B14F-4D97-AF65-F5344CB8AC3E}">
-        <p14:creationId xmlns:p14="http://schemas.microsoft.com/office/powerpoint/2010/main" val="3782709779"/>
-      </p:ext>
-    </p:extLst>
-  </p:cSld>
-  <p:clrMap bg1="lt1" tx1="dk1" bg2="lt2" tx2="dk2" accent1="accent1" accent2="accent2" accent3="accent3" accent4="accent4" accent5="accent5" accent6="accent6" hlink="hlink" folHlink="folHlink"/>
-  <p:notesStyle>
-    <a:lvl1pPr marL="0" algn="l" defTabSz="914400" rtl="0" eaLnBrk="1" latinLnBrk="0" hangingPunct="1">
-      <a:defRPr sz="1200" kern="1200">
-        <a:solidFill>
-          <a:schemeClr val="tx1"/>
-        </a:solidFill>
-        <a:latin typeface="+mn-lt"/>
-        <a:ea typeface="+mn-ea"/>
-        <a:cs typeface="+mn-cs"/>
-      </a:defRPr>
-    </a:lvl1pPr>
-    <a:lvl2pPr marL="457200" algn="l" defTabSz="914400" rtl="0" eaLnBrk="1" latinLnBrk="0" hangingPunct="1">
-      <a:defRPr sz="1200" kern="1200">
-        <a:solidFill>
-          <a:schemeClr val="tx1"/>
-        </a:solidFill>
-        <a:latin typeface="+mn-lt"/>
-        <a:ea typeface="+mn-ea"/>
-        <a:cs typeface="+mn-cs"/>
-      </a:defRPr>
-    </a:lvl2pPr>
-    <a:lvl3pPr marL="914400" algn="l" defTabSz="914400" rtl="0" eaLnBrk="1" latinLnBrk="0" hangingPunct="1">
-      <a:defRPr sz="1200" kern="1200">
-        <a:solidFill>
-          <a:schemeClr val="tx1"/>
-        </a:solidFill>
-        <a:latin typeface="+mn-lt"/>
-        <a:ea typeface="+mn-ea"/>
-        <a:cs typeface="+mn-cs"/>
-      </a:defRPr>
-    </a:lvl3pPr>
-    <a:lvl4pPr marL="1371600" algn="l" defTabSz="914400" rtl="0" eaLnBrk="1" latinLnBrk="0" hangingPunct="1">
-      <a:defRPr sz="1200" kern="1200">
-        <a:solidFill>
-          <a:schemeClr val="tx1"/>
-        </a:solidFill>
-        <a:latin typeface="+mn-lt"/>
-        <a:ea typeface="+mn-ea"/>
-        <a:cs typeface="+mn-cs"/>
-      </a:defRPr>
-    </a:lvl4pPr>
-    <a:lvl5pPr marL="1828800" algn="l" defTabSz="914400" rtl="0" eaLnBrk="1" latinLnBrk="0" hangingPunct="1">
-      <a:defRPr sz="1200" kern="1200">
-        <a:solidFill>
-          <a:schemeClr val="tx1"/>
-        </a:solidFill>
-        <a:latin typeface="+mn-lt"/>
-        <a:ea typeface="+mn-ea"/>
-        <a:cs typeface="+mn-cs"/>
-      </a:defRPr>
-    </a:lvl5pPr>
-    <a:lvl6pPr marL="2286000" algn="l" defTabSz="914400" rtl="0" eaLnBrk="1" latinLnBrk="0" hangingPunct="1">
-      <a:defRPr sz="1200" kern="1200">
-        <a:solidFill>
-          <a:schemeClr val="tx1"/>
-        </a:solidFill>
-        <a:latin typeface="+mn-lt"/>
-        <a:ea typeface="+mn-ea"/>
-        <a:cs typeface="+mn-cs"/>
-      </a:defRPr>
-    </a:lvl6pPr>
-    <a:lvl7pPr marL="2743200" algn="l" defTabSz="914400" rtl="0" eaLnBrk="1" latinLnBrk="0" hangingPunct="1">
-      <a:defRPr sz="1200" kern="1200">
-        <a:solidFill>
-          <a:schemeClr val="tx1"/>
-        </a:solidFill>
-        <a:latin typeface="+mn-lt"/>
-        <a:ea typeface="+mn-ea"/>
-        <a:cs typeface="+mn-cs"/>
-      </a:defRPr>
-    </a:lvl7pPr>
-    <a:lvl8pPr marL="3200400" algn="l" defTabSz="914400" rtl="0" eaLnBrk="1" latinLnBrk="0" hangingPunct="1">
-      <a:defRPr sz="1200" kern="1200">
-        <a:solidFill>
-          <a:schemeClr val="tx1"/>
-        </a:solidFill>
-        <a:latin typeface="+mn-lt"/>
-        <a:ea typeface="+mn-ea"/>
-        <a:cs typeface="+mn-cs"/>
-      </a:defRPr>
-    </a:lvl8pPr>
-    <a:lvl9pPr marL="3657600" algn="l" defTabSz="914400" rtl="0" eaLnBrk="1" latinLnBrk="0" hangingPunct="1">
-      <a:defRPr sz="1200" kern="1200">
-        <a:solidFill>
-          <a:schemeClr val="tx1"/>
-        </a:solidFill>
-        <a:latin typeface="+mn-lt"/>
-        <a:ea typeface="+mn-ea"/>
-        <a:cs typeface="+mn-cs"/>
-      </a:defRPr>
-    </a:lvl9pPr>
-  </p:notesStyle>
-</p:notesMaster>
-</file>
-
-<file path=ppt/notesSlides/notesSlide1.xml><?xml version="1.0" encoding="utf-8"?>
-<p:notes xmlns:a="http://schemas.openxmlformats.org/drawingml/2006/main" xmlns:r="http://schemas.openxmlformats.org/officeDocument/2006/relationships" xmlns:p="http://schemas.openxmlformats.org/presentationml/2006/main">
-  <p:cSld>
-    <p:spTree>
-      <p:nvGrpSpPr>
-        <p:cNvPr id="1" name=""/>
-        <p:cNvGrpSpPr/>
-        <p:nvPr/>
-      </p:nvGrpSpPr>
-      <p:grpSpPr>
-        <a:xfrm>
-          <a:off x="0" y="0"/>
-          <a:ext cx="0" cy="0"/>
-          <a:chOff x="0" y="0"/>
-          <a:chExt cx="0" cy="0"/>
-        </a:xfrm>
-      </p:grpSpPr>
-      <p:sp>
-        <p:nvSpPr>
-          <p:cNvPr id="2" name="Slide Image Placeholder 1"/>
-          <p:cNvSpPr>
-            <a:spLocks noGrp="1" noRot="1" noChangeAspect="1"/>
-          </p:cNvSpPr>
-          <p:nvPr>
-            <p:ph type="sldImg"/>
-          </p:nvPr>
-        </p:nvSpPr>
-        <p:spPr/>
-      </p:sp>
-      <p:sp>
-        <p:nvSpPr>
-          <p:cNvPr id="3" name="Notes Placeholder 2"/>
-          <p:cNvSpPr>
-            <a:spLocks noGrp="1"/>
-          </p:cNvSpPr>
-          <p:nvPr>
-            <p:ph type="body" idx="1"/>
-          </p:nvPr>
-        </p:nvSpPr>
-        <p:spPr/>
-        <p:txBody>
-          <a:bodyPr/>
-          <a:lstStyle/>
-          <a:p>
-            <a:pPr lvl="0" marL="0" indent="0">
-              <a:buNone/>
-            </a:pPr>
-            <a:r>
-              <a:rPr/>
-              <a:t>This</a:t>
-            </a:r>
-            <a:r>
-              <a:rPr/>
-              <a:t> </a:t>
-            </a:r>
-            <a:r>
-              <a:rPr/>
-              <a:t>is</a:t>
-            </a:r>
-            <a:r>
-              <a:rPr/>
-              <a:t> </a:t>
-            </a:r>
-            <a:r>
-              <a:rPr/>
-              <a:t>a</a:t>
-            </a:r>
-            <a:r>
-              <a:rPr/>
-              <a:t> </a:t>
-            </a:r>
-            <a:r>
-              <a:rPr/>
-              <a:t>speaker</a:t>
-            </a:r>
-            <a:r>
-              <a:rPr/>
-              <a:t> </a:t>
-            </a:r>
-            <a:r>
-              <a:rPr/>
-              <a:t>note.</a:t>
-            </a:r>
-          </a:p>
-          <a:p>
-            <a:pPr lvl="0" marL="0" indent="0">
-              <a:buNone/>
-            </a:pPr>
-          </a:p>
-          <a:p>
-            <a:pPr lvl="1"/>
-            <a:r>
-              <a:rPr/>
-              <a:t>Use</a:t>
-            </a:r>
-            <a:r>
-              <a:rPr/>
-              <a:t> </a:t>
-            </a:r>
-            <a:r>
-              <a:rPr/>
-              <a:t>basic</a:t>
-            </a:r>
-            <a:r>
-              <a:rPr/>
-              <a:t> </a:t>
-            </a:r>
-            <a:r>
-              <a:rPr/>
-              <a:t>Markdown</a:t>
-            </a:r>
-          </a:p>
-          <a:p>
-            <a:pPr lvl="0" marL="0" indent="0">
-              <a:buNone/>
-            </a:pPr>
-          </a:p>
-          <a:p>
-            <a:pPr lvl="1"/>
-            <a:r>
-              <a:rPr/>
-              <a:t>like</a:t>
-            </a:r>
-            <a:r>
-              <a:rPr/>
-              <a:t> </a:t>
-            </a:r>
-            <a:r>
-              <a:rPr/>
-              <a:t>this</a:t>
-            </a:r>
-            <a:r>
-              <a:rPr/>
-              <a:t> </a:t>
-            </a:r>
-            <a:r>
-              <a:rPr/>
-              <a:t>list</a:t>
-            </a:r>
-          </a:p>
-          <a:p>
-            <a:pPr lvl="0" marL="0" indent="0">
-              <a:buNone/>
-            </a:pPr>
-          </a:p>
-          <a:p>
-            <a:pPr lvl="1"/>
-            <a:r>
-              <a:rPr i="1"/>
-              <a:t>and</a:t>
-            </a:r>
-            <a:r>
-              <a:rPr i="1"/>
-              <a:t> </a:t>
-            </a:r>
-            <a:r>
-              <a:rPr i="1"/>
-              <a:t>inline</a:t>
-            </a:r>
-            <a:r>
-              <a:rPr i="1"/>
-              <a:t> </a:t>
-            </a:r>
-            <a:r>
-              <a:rPr i="1"/>
-              <a:t>formatting</a:t>
-            </a:r>
-          </a:p>
-        </p:txBody>
-      </p:sp>
-      <p:sp>
-        <p:nvSpPr>
-          <p:cNvPr id="4" name="Slide Number Placeholder 3"/>
-          <p:cNvSpPr>
-            <a:spLocks noGrp="1"/>
-          </p:cNvSpPr>
-          <p:nvPr>
-            <p:ph type="sldNum" sz="quarter" idx="10"/>
-          </p:nvPr>
-        </p:nvSpPr>
-        <p:spPr/>
-        <p:txBody>
-          <a:bodyPr/>
-          <a:lstStyle/>
-          <a:p>
-            <a:fld id="{18BDFEC3-8487-43E8-A154-7C12CBC1FFF2}" type="slidenum">
-              <a:rPr lang="en-US"/>
-              <a:t>5</a:t>
-            </a:fld>
-            <a:endParaRPr lang="en-US"/>
-          </a:p>
-        </p:txBody>
-      </p:sp>
-    </p:spTree>
-  </p:cSld>
-</p:notes>
-</file>
-
-<file path=ppt/notesSlides/notesSlide2.xml><?xml version="1.0" encoding="utf-8"?>
-<p:notes xmlns:a="http://schemas.openxmlformats.org/drawingml/2006/main" xmlns:r="http://schemas.openxmlformats.org/officeDocument/2006/relationships" xmlns:p="http://schemas.openxmlformats.org/presentationml/2006/main">
-  <p:cSld>
-    <p:spTree>
-      <p:nvGrpSpPr>
-        <p:cNvPr id="1" name=""/>
-        <p:cNvGrpSpPr/>
-        <p:nvPr/>
-      </p:nvGrpSpPr>
-      <p:grpSpPr>
-        <a:xfrm>
-          <a:off x="0" y="0"/>
-          <a:ext cx="0" cy="0"/>
-          <a:chOff x="0" y="0"/>
-          <a:chExt cx="0" cy="0"/>
-        </a:xfrm>
-      </p:grpSpPr>
-      <p:sp>
-        <p:nvSpPr>
-          <p:cNvPr id="2" name="Slide Image Placeholder 1"/>
-          <p:cNvSpPr>
-            <a:spLocks noGrp="1" noRot="1" noChangeAspect="1"/>
-          </p:cNvSpPr>
-          <p:nvPr>
-            <p:ph type="sldImg"/>
-          </p:nvPr>
-        </p:nvSpPr>
-        <p:spPr/>
-      </p:sp>
-      <p:sp>
-        <p:nvSpPr>
-          <p:cNvPr id="3" name="Notes Placeholder 2"/>
-          <p:cNvSpPr>
-            <a:spLocks noGrp="1"/>
-          </p:cNvSpPr>
-          <p:nvPr>
-            <p:ph type="body" idx="1"/>
-          </p:nvPr>
-        </p:nvSpPr>
-        <p:spPr/>
-        <p:txBody>
-          <a:bodyPr/>
-          <a:lstStyle/>
-          <a:p>
-            <a:pPr lvl="0" marL="0" indent="0">
-              <a:buNone/>
-            </a:pPr>
-            <a:r>
-              <a:rPr/>
-              <a:t>I</a:t>
-            </a:r>
-            <a:r>
-              <a:rPr/>
-              <a:t> </a:t>
-            </a:r>
-            <a:r>
-              <a:rPr/>
-              <a:t>am</a:t>
-            </a:r>
-            <a:r>
-              <a:rPr/>
-              <a:t> </a:t>
-            </a:r>
-            <a:r>
-              <a:rPr/>
-              <a:t>thinking</a:t>
-            </a:r>
-            <a:r>
-              <a:rPr/>
-              <a:t> </a:t>
-            </a:r>
-            <a:r>
-              <a:rPr/>
-              <a:t>that</a:t>
-            </a:r>
-            <a:r>
-              <a:rPr/>
-              <a:t> </a:t>
-            </a:r>
-            <a:r>
-              <a:rPr/>
-              <a:t>this</a:t>
-            </a:r>
-            <a:r>
-              <a:rPr/>
-              <a:t> </a:t>
-            </a:r>
-            <a:r>
-              <a:rPr/>
-              <a:t>will</a:t>
-            </a:r>
-            <a:r>
-              <a:rPr/>
-              <a:t> </a:t>
-            </a:r>
-            <a:r>
-              <a:rPr/>
-              <a:t>be</a:t>
-            </a:r>
-            <a:r>
-              <a:rPr/>
-              <a:t> </a:t>
-            </a:r>
-            <a:r>
-              <a:rPr/>
-              <a:t>in</a:t>
-            </a:r>
-            <a:r>
-              <a:rPr/>
-              <a:t> </a:t>
-            </a:r>
-            <a:r>
-              <a:rPr/>
-              <a:t>javascript</a:t>
-            </a:r>
-            <a:r>
-              <a:rPr/>
-              <a:t> </a:t>
-            </a:r>
-            <a:r>
-              <a:rPr/>
-              <a:t>format</a:t>
-            </a:r>
-          </a:p>
-        </p:txBody>
-      </p:sp>
-      <p:sp>
-        <p:nvSpPr>
-          <p:cNvPr id="4" name="Slide Number Placeholder 3"/>
-          <p:cNvSpPr>
-            <a:spLocks noGrp="1"/>
-          </p:cNvSpPr>
-          <p:nvPr>
-            <p:ph type="sldNum" sz="quarter" idx="10"/>
-          </p:nvPr>
-        </p:nvSpPr>
-        <p:spPr/>
-        <p:txBody>
-          <a:bodyPr/>
-          <a:lstStyle/>
-          <a:p>
-            <a:fld id="{18BDFEC3-8487-43E8-A154-7C12CBC1FFF2}" type="slidenum">
-              <a:rPr lang="en-US"/>
-              <a:t>6</a:t>
-            </a:fld>
-            <a:endParaRPr lang="en-US"/>
-          </a:p>
-        </p:txBody>
-      </p:sp>
-    </p:spTree>
-  </p:cSld>
-</p:notes>
 </file>
 
 <file path=ppt/slideLayouts/slideLayout1.xml><?xml version="1.0" encoding="utf-8"?>
@@ -3847,7 +3137,7 @@
             </a:pPr>
             <a:r>
               <a:rPr/>
-              <a:t>Title</a:t>
+              <a:t>Microservice</a:t>
             </a:r>
             <a:r>
               <a:rPr/>
@@ -3855,23 +3145,7 @@
             </a:r>
             <a:r>
               <a:rPr/>
-              <a:t>slide</a:t>
-            </a:r>
-            <a:r>
-              <a:rPr/>
-              <a:t> </a:t>
-            </a:r>
-            <a:r>
-              <a:rPr/>
-              <a:t>(Slide</a:t>
-            </a:r>
-            <a:r>
-              <a:rPr/>
-              <a:t> </a:t>
-            </a:r>
-            <a:r>
-              <a:rPr/>
-              <a:t>1)</a:t>
+              <a:t>(analysis)</a:t>
             </a:r>
           </a:p>
         </p:txBody>
@@ -3936,12 +3210,7 @@
             <p:ph type="title"/>
           </p:nvPr>
         </p:nvSpPr>
-        <p:spPr>
-          <a:xfrm>
-            <a:off x="722313" y="4406900"/>
-            <a:ext cx="7772400" cy="1362075"/>
-          </a:xfrm>
-        </p:spPr>
+        <p:spPr/>
         <p:txBody>
           <a:bodyPr/>
           <a:lstStyle/>
@@ -3951,596 +3220,44 @@
             </a:pPr>
             <a:r>
               <a:rPr/>
-              <a:t>Section</a:t>
-            </a:r>
+              <a:t>Agenda</a:t>
+            </a:r>
+          </a:p>
+        </p:txBody>
+      </p:sp>
+      <p:sp>
+        <p:nvSpPr>
+          <p:cNvPr id="3" name="Content Placeholder 2"/>
+          <p:cNvSpPr>
+            <a:spLocks noGrp="1"/>
+          </p:cNvSpPr>
+          <p:nvPr>
+            <p:ph idx="1"/>
+          </p:nvPr>
+        </p:nvSpPr>
+        <p:spPr/>
+        <p:txBody>
+          <a:bodyPr/>
+          <a:lstStyle/>
+          <a:p>
+            <a:pPr lvl="1"/>
             <a:r>
               <a:rPr/>
-              <a:t> </a:t>
-            </a:r>
+              <a:t>Introduce the Challenge/Activity</a:t>
+            </a:r>
+          </a:p>
+          <a:p>
+            <a:pPr lvl="1"/>
             <a:r>
               <a:rPr/>
-              <a:t>header</a:t>
-            </a:r>
+              <a:t>Theory to support learning outcomes and the Activity</a:t>
+            </a:r>
+          </a:p>
+          <a:p>
+            <a:pPr lvl="1"/>
             <a:r>
               <a:rPr/>
-              <a:t> </a:t>
-            </a:r>
-            <a:r>
-              <a:rPr/>
-              <a:t>(Slide</a:t>
-            </a:r>
-            <a:r>
-              <a:rPr/>
-              <a:t> </a:t>
-            </a:r>
-            <a:r>
-              <a:rPr/>
-              <a:t>2)</a:t>
-            </a:r>
-          </a:p>
-        </p:txBody>
-      </p:sp>
-    </p:spTree>
-  </p:cSld>
-</p:sld>
-</file>
-
-<file path=ppt/slides/slide3.xml><?xml version="1.0" encoding="utf-8"?>
-<p:sld xmlns:a="http://schemas.openxmlformats.org/drawingml/2006/main" xmlns:r="http://schemas.openxmlformats.org/officeDocument/2006/relationships" xmlns:p="http://schemas.openxmlformats.org/presentationml/2006/main">
-  <p:cSld>
-    <p:spTree>
-      <p:nvGrpSpPr>
-        <p:cNvPr id="1" name=""/>
-        <p:cNvGrpSpPr/>
-        <p:nvPr/>
-      </p:nvGrpSpPr>
-      <p:grpSpPr>
-        <a:xfrm>
-          <a:off x="0" y="0"/>
-          <a:ext cx="0" cy="0"/>
-          <a:chOff x="0" y="0"/>
-          <a:chExt cx="0" cy="0"/>
-        </a:xfrm>
-      </p:grpSpPr>
-      <p:sp>
-        <p:nvSpPr>
-          <p:cNvPr id="2" name="Title 1"/>
-          <p:cNvSpPr>
-            <a:spLocks noGrp="1"/>
-          </p:cNvSpPr>
-          <p:nvPr>
-            <p:ph type="title"/>
-          </p:nvPr>
-        </p:nvSpPr>
-        <p:spPr>
-          <a:xfrm>
-            <a:off x="722313" y="4406900"/>
-            <a:ext cx="7772400" cy="1362075"/>
-          </a:xfrm>
-        </p:spPr>
-        <p:txBody>
-          <a:bodyPr/>
-          <a:lstStyle/>
-          <a:p>
-            <a:pPr lvl="0" marL="0" indent="0">
-              <a:buNone/>
-            </a:pPr>
-            <a:r>
-              <a:rPr/>
-              <a:t>Section</a:t>
-            </a:r>
-            <a:r>
-              <a:rPr/>
-              <a:t> </a:t>
-            </a:r>
-            <a:r>
-              <a:rPr/>
-              <a:t>header</a:t>
-            </a:r>
-            <a:r>
-              <a:rPr/>
-              <a:t> </a:t>
-            </a:r>
-            <a:r>
-              <a:rPr/>
-              <a:t>(Slide</a:t>
-            </a:r>
-            <a:r>
-              <a:rPr/>
-              <a:t> </a:t>
-            </a:r>
-            <a:r>
-              <a:rPr/>
-              <a:t>3)</a:t>
-            </a:r>
-          </a:p>
-        </p:txBody>
-      </p:sp>
-    </p:spTree>
-  </p:cSld>
-</p:sld>
-</file>
-
-<file path=ppt/slides/slide4.xml><?xml version="1.0" encoding="utf-8"?>
-<p:sld xmlns:a="http://schemas.openxmlformats.org/drawingml/2006/main" xmlns:r="http://schemas.openxmlformats.org/officeDocument/2006/relationships" xmlns:p="http://schemas.openxmlformats.org/presentationml/2006/main">
-  <p:cSld>
-    <p:spTree>
-      <p:nvGrpSpPr>
-        <p:cNvPr id="1" name=""/>
-        <p:cNvGrpSpPr/>
-        <p:nvPr/>
-      </p:nvGrpSpPr>
-      <p:grpSpPr>
-        <a:xfrm>
-          <a:off x="0" y="0"/>
-          <a:ext cx="0" cy="0"/>
-          <a:chOff x="0" y="0"/>
-          <a:chExt cx="0" cy="0"/>
-        </a:xfrm>
-      </p:grpSpPr>
-      <p:sp>
-        <p:nvSpPr>
-          <p:cNvPr id="2" name="Title 1"/>
-          <p:cNvSpPr>
-            <a:spLocks noGrp="1"/>
-          </p:cNvSpPr>
-          <p:nvPr>
-            <p:ph type="title"/>
-          </p:nvPr>
-        </p:nvSpPr>
-        <p:spPr/>
-        <p:txBody>
-          <a:bodyPr/>
-          <a:lstStyle/>
-          <a:p>
-            <a:pPr lvl="0" marL="0" indent="0">
-              <a:buNone/>
-            </a:pPr>
-            <a:r>
-              <a:rPr/>
-              <a:t>Slide</a:t>
-            </a:r>
-            <a:r>
-              <a:rPr/>
-              <a:t> </a:t>
-            </a:r>
-            <a:r>
-              <a:rPr/>
-              <a:t>Title</a:t>
-            </a:r>
-            <a:r>
-              <a:rPr/>
-              <a:t> </a:t>
-            </a:r>
-            <a:r>
-              <a:rPr/>
-              <a:t>(Slide</a:t>
-            </a:r>
-            <a:r>
-              <a:rPr/>
-              <a:t> </a:t>
-            </a:r>
-            <a:r>
-              <a:rPr/>
-              <a:t>4)</a:t>
-            </a:r>
-          </a:p>
-        </p:txBody>
-      </p:sp>
-      <p:sp>
-        <p:nvSpPr>
-          <p:cNvPr id="3" name="Content Placeholder 2"/>
-          <p:cNvSpPr>
-            <a:spLocks noGrp="1"/>
-          </p:cNvSpPr>
-          <p:nvPr>
-            <p:ph idx="1"/>
-          </p:nvPr>
-        </p:nvSpPr>
-        <p:spPr/>
-        <p:txBody>
-          <a:bodyPr/>
-          <a:lstStyle/>
-          <a:p>
-            <a:pPr lvl="0" marL="0" indent="0">
-              <a:buNone/>
-            </a:pPr>
-            <a:r>
-              <a:rPr/>
-              <a:t>Slide Content (by default this content sets the slide level to three)</a:t>
-            </a:r>
-          </a:p>
-          <a:p>
-            <a:pPr lvl="0" marL="0" indent="0">
-              <a:spcBef>
-                <a:spcPts val="3000"/>
-              </a:spcBef>
-              <a:buNone/>
-            </a:pPr>
-            <a:r>
-              <a:rPr b="1"/>
-              <a:t>Slide content header (Slide 4)</a:t>
-            </a:r>
-          </a:p>
-          <a:p>
-            <a:pPr lvl="0" marL="0" indent="0">
-              <a:spcBef>
-                <a:spcPts val="3000"/>
-              </a:spcBef>
-              <a:buNone/>
-            </a:pPr>
-            <a:r>
-              <a:rPr b="1"/>
-              <a:t>Slide content header (Slide 4)</a:t>
-            </a:r>
-          </a:p>
-        </p:txBody>
-      </p:sp>
-    </p:spTree>
-  </p:cSld>
-</p:sld>
-</file>
-
-<file path=ppt/slides/slide5.xml><?xml version="1.0" encoding="utf-8"?>
-<p:sld xmlns:a="http://schemas.openxmlformats.org/drawingml/2006/main" xmlns:r="http://schemas.openxmlformats.org/officeDocument/2006/relationships" xmlns:p="http://schemas.openxmlformats.org/presentationml/2006/main">
-  <p:cSld>
-    <p:spTree>
-      <p:nvGrpSpPr>
-        <p:cNvPr id="1" name=""/>
-        <p:cNvGrpSpPr/>
-        <p:nvPr/>
-      </p:nvGrpSpPr>
-      <p:grpSpPr>
-        <a:xfrm>
-          <a:off x="0" y="0"/>
-          <a:ext cx="0" cy="0"/>
-          <a:chOff x="0" y="0"/>
-          <a:chExt cx="0" cy="0"/>
-        </a:xfrm>
-      </p:grpSpPr>
-      <p:sp>
-        <p:nvSpPr>
-          <p:cNvPr id="2" name="Title 1"/>
-          <p:cNvSpPr>
-            <a:spLocks noGrp="1"/>
-          </p:cNvSpPr>
-          <p:nvPr>
-            <p:ph type="title"/>
-          </p:nvPr>
-        </p:nvSpPr>
-        <p:spPr/>
-        <p:txBody>
-          <a:bodyPr/>
-          <a:lstStyle/>
-          <a:p>
-            <a:pPr lvl="0" marL="0" indent="0">
-              <a:buNone/>
-            </a:pPr>
-            <a:r>
-              <a:rPr/>
-              <a:t>Slide</a:t>
-            </a:r>
-            <a:r>
-              <a:rPr/>
-              <a:t> </a:t>
-            </a:r>
-            <a:r>
-              <a:rPr/>
-              <a:t>Title</a:t>
-            </a:r>
-            <a:r>
-              <a:rPr/>
-              <a:t> </a:t>
-            </a:r>
-            <a:r>
-              <a:rPr/>
-              <a:t>(Slide</a:t>
-            </a:r>
-            <a:r>
-              <a:rPr/>
-              <a:t> </a:t>
-            </a:r>
-            <a:r>
-              <a:rPr/>
-              <a:t>5)</a:t>
-            </a:r>
-          </a:p>
-        </p:txBody>
-      </p:sp>
-      <p:sp>
-        <p:nvSpPr>
-          <p:cNvPr id="3" name="Content Placeholder 2"/>
-          <p:cNvSpPr>
-            <a:spLocks noGrp="1"/>
-          </p:cNvSpPr>
-          <p:nvPr>
-            <p:ph idx="1"/>
-          </p:nvPr>
-        </p:nvSpPr>
-        <p:spPr/>
-        <p:txBody>
-          <a:bodyPr/>
-          <a:lstStyle/>
-          <a:p>
-            <a:pPr lvl="1"/>
-            <a:r>
-              <a:rPr/>
-              <a:t>list item 1</a:t>
-            </a:r>
-          </a:p>
-          <a:p>
-            <a:pPr lvl="1"/>
-            <a:r>
-              <a:rPr/>
-              <a:t>list item 2</a:t>
-            </a:r>
-          </a:p>
-          <a:p>
-            <a:pPr lvl="0" marL="0" indent="0">
-              <a:spcBef>
-                <a:spcPts val="3000"/>
-              </a:spcBef>
-              <a:buNone/>
-            </a:pPr>
-            <a:r>
-              <a:rPr b="1"/>
-              <a:t>List 2</a:t>
-            </a:r>
-          </a:p>
-          <a:p>
-            <a:pPr lvl="1"/>
-            <a:r>
-              <a:rPr/>
-              <a:t>list item 1</a:t>
-            </a:r>
-          </a:p>
-          <a:p>
-            <a:pPr lvl="1"/>
-            <a:r>
-              <a:rPr/>
-              <a:t>list item 2</a:t>
-            </a:r>
-          </a:p>
-        </p:txBody>
-      </p:sp>
-    </p:spTree>
-  </p:cSld>
-</p:sld>
-</file>
-
-<file path=ppt/slides/slide6.xml><?xml version="1.0" encoding="utf-8"?>
-<p:sld xmlns:a="http://schemas.openxmlformats.org/drawingml/2006/main" xmlns:r="http://schemas.openxmlformats.org/officeDocument/2006/relationships" xmlns:p="http://schemas.openxmlformats.org/presentationml/2006/main">
-  <p:cSld>
-    <p:spTree>
-      <p:nvGrpSpPr>
-        <p:cNvPr id="1" name=""/>
-        <p:cNvGrpSpPr/>
-        <p:nvPr/>
-      </p:nvGrpSpPr>
-      <p:grpSpPr>
-        <a:xfrm>
-          <a:off x="0" y="0"/>
-          <a:ext cx="0" cy="0"/>
-          <a:chOff x="0" y="0"/>
-          <a:chExt cx="0" cy="0"/>
-        </a:xfrm>
-      </p:grpSpPr>
-      <p:sp>
-        <p:nvSpPr>
-          <p:cNvPr id="2" name="Title 1"/>
-          <p:cNvSpPr>
-            <a:spLocks noGrp="1"/>
-          </p:cNvSpPr>
-          <p:nvPr>
-            <p:ph type="title"/>
-          </p:nvPr>
-        </p:nvSpPr>
-        <p:spPr/>
-        <p:txBody>
-          <a:bodyPr/>
-          <a:lstStyle/>
-          <a:p>
-            <a:pPr lvl="0" marL="0" indent="0">
-              <a:buNone/>
-            </a:pPr>
-            <a:r>
-              <a:rPr/>
-              <a:t>Code</a:t>
-            </a:r>
-            <a:r>
-              <a:rPr/>
-              <a:t> </a:t>
-            </a:r>
-            <a:r>
-              <a:rPr/>
-              <a:t>here</a:t>
-            </a:r>
-          </a:p>
-        </p:txBody>
-      </p:sp>
-      <p:sp>
-        <p:nvSpPr>
-          <p:cNvPr id="3" name="Content Placeholder 2"/>
-          <p:cNvSpPr>
-            <a:spLocks noGrp="1"/>
-          </p:cNvSpPr>
-          <p:nvPr>
-            <p:ph idx="1"/>
-          </p:nvPr>
-        </p:nvSpPr>
-        <p:spPr/>
-        <p:txBody>
-          <a:bodyPr/>
-          <a:lstStyle/>
-          <a:p>
-            <a:pPr lvl="0" indent="0">
-              <a:buNone/>
-            </a:pPr>
-            <a:br/>
-            <a:r>
-              <a:rPr i="1">
-                <a:solidFill>
-                  <a:srgbClr val="60A0B0"/>
-                </a:solidFill>
-                <a:latin typeface="Courier"/>
-              </a:rPr>
-              <a:t>// This is javascript code</a:t>
-            </a:r>
-            <a:br/>
-            <a:br/>
-            <a:r>
-              <a:rPr>
-                <a:latin typeface="Courier"/>
-              </a:rPr>
-              <a:t>console</a:t>
-            </a:r>
-            <a:r>
-              <a:rPr>
-                <a:solidFill>
-                  <a:srgbClr val="666666"/>
-                </a:solidFill>
-                <a:latin typeface="Courier"/>
-              </a:rPr>
-              <a:t>.</a:t>
-            </a:r>
-            <a:r>
-              <a:rPr>
-                <a:solidFill>
-                  <a:srgbClr val="06287E"/>
-                </a:solidFill>
-                <a:latin typeface="Courier"/>
-              </a:rPr>
-              <a:t>log</a:t>
-            </a:r>
-            <a:r>
-              <a:rPr>
-                <a:latin typeface="Courier"/>
-              </a:rPr>
-              <a:t>(</a:t>
-            </a:r>
-            <a:r>
-              <a:rPr>
-                <a:solidFill>
-                  <a:srgbClr val="4070A0"/>
-                </a:solidFill>
-                <a:latin typeface="Courier"/>
-              </a:rPr>
-              <a:t>`${</a:t>
-            </a:r>
-            <a:r>
-              <a:rPr>
-                <a:latin typeface="Courier"/>
-              </a:rPr>
-              <a:t>name</a:t>
-            </a:r>
-            <a:r>
-              <a:rPr>
-                <a:solidFill>
-                  <a:srgbClr val="4070A0"/>
-                </a:solidFill>
-                <a:latin typeface="Courier"/>
-              </a:rPr>
-              <a:t>} was here`</a:t>
-            </a:r>
-            <a:r>
-              <a:rPr>
-                <a:latin typeface="Courier"/>
-              </a:rPr>
-              <a:t>)</a:t>
-            </a:r>
-            <a:r>
-              <a:rPr>
-                <a:solidFill>
-                  <a:srgbClr val="666666"/>
-                </a:solidFill>
-                <a:latin typeface="Courier"/>
-              </a:rPr>
-              <a:t>;</a:t>
-            </a:r>
-          </a:p>
-        </p:txBody>
-      </p:sp>
-    </p:spTree>
-  </p:cSld>
-</p:sld>
-</file>
-
-<file path=ppt/slides/slide7.xml><?xml version="1.0" encoding="utf-8"?>
-<p:sld xmlns:a="http://schemas.openxmlformats.org/drawingml/2006/main" xmlns:r="http://schemas.openxmlformats.org/officeDocument/2006/relationships" xmlns:p="http://schemas.openxmlformats.org/presentationml/2006/main">
-  <p:cSld>
-    <p:spTree>
-      <p:nvGrpSpPr>
-        <p:cNvPr id="1" name=""/>
-        <p:cNvGrpSpPr/>
-        <p:nvPr/>
-      </p:nvGrpSpPr>
-      <p:grpSpPr>
-        <a:xfrm>
-          <a:off x="0" y="0"/>
-          <a:ext cx="0" cy="0"/>
-          <a:chOff x="0" y="0"/>
-          <a:chExt cx="0" cy="0"/>
-        </a:xfrm>
-      </p:grpSpPr>
-      <p:sp>
-        <p:nvSpPr>
-          <p:cNvPr id="2" name="Title 1"/>
-          <p:cNvSpPr>
-            <a:spLocks noGrp="1"/>
-          </p:cNvSpPr>
-          <p:nvPr>
-            <p:ph type="title"/>
-          </p:nvPr>
-        </p:nvSpPr>
-        <p:spPr/>
-        <p:txBody>
-          <a:bodyPr/>
-          <a:lstStyle/>
-          <a:p>
-            <a:pPr lvl="0" marL="0" indent="0">
-              <a:buNone/>
-            </a:pPr>
-            <a:r>
-              <a:rPr/>
-              <a:t>Another</a:t>
-            </a:r>
-            <a:r>
-              <a:rPr/>
-              <a:t> </a:t>
-            </a:r>
-            <a:r>
-              <a:rPr/>
-              <a:t>Slide</a:t>
-            </a:r>
-          </a:p>
-        </p:txBody>
-      </p:sp>
-      <p:sp>
-        <p:nvSpPr>
-          <p:cNvPr id="3" name="Content Placeholder 2"/>
-          <p:cNvSpPr>
-            <a:spLocks noGrp="1"/>
-          </p:cNvSpPr>
-          <p:nvPr>
-            <p:ph idx="1"/>
-          </p:nvPr>
-        </p:nvSpPr>
-        <p:spPr/>
-        <p:txBody>
-          <a:bodyPr/>
-          <a:lstStyle/>
-          <a:p>
-            <a:pPr lvl="1"/>
-            <a:r>
-              <a:rPr/>
-              <a:t>I don’t think this should work???</a:t>
-            </a:r>
-          </a:p>
-          <a:p>
-            <a:pPr lvl="1"/>
-            <a:r>
-              <a:rPr/>
-              <a:t>lets see</a:t>
+              <a:t>Initial demo of activity</a:t>
             </a:r>
           </a:p>
         </p:txBody>
@@ -4868,265 +3585,4 @@
   </a:objectDefaults>
   <a:extraClrSchemeLst/>
 </a:theme>
-</file>
-
-<file path=ppt/theme/theme2.xml><?xml version="1.0" encoding="utf-8"?>
-<a:theme xmlns:a="http://schemas.openxmlformats.org/drawingml/2006/main" name="Office Theme">
-  <a:themeElements>
-    <a:clrScheme name="Office">
-      <a:dk1>
-        <a:sysClr val="windowText" lastClr="000000"/>
-      </a:dk1>
-      <a:lt1>
-        <a:sysClr val="window" lastClr="FFFFFF"/>
-      </a:lt1>
-      <a:dk2>
-        <a:srgbClr val="44546A"/>
-      </a:dk2>
-      <a:lt2>
-        <a:srgbClr val="E7E6E6"/>
-      </a:lt2>
-      <a:accent1>
-        <a:srgbClr val="5B9BD5"/>
-      </a:accent1>
-      <a:accent2>
-        <a:srgbClr val="ED7D31"/>
-      </a:accent2>
-      <a:accent3>
-        <a:srgbClr val="A5A5A5"/>
-      </a:accent3>
-      <a:accent4>
-        <a:srgbClr val="FFC000"/>
-      </a:accent4>
-      <a:accent5>
-        <a:srgbClr val="4472C4"/>
-      </a:accent5>
-      <a:accent6>
-        <a:srgbClr val="70AD47"/>
-      </a:accent6>
-      <a:hlink>
-        <a:srgbClr val="0563C1"/>
-      </a:hlink>
-      <a:folHlink>
-        <a:srgbClr val="954F72"/>
-      </a:folHlink>
-    </a:clrScheme>
-    <a:fontScheme name="Office">
-      <a:majorFont>
-        <a:latin typeface="Calibri Light" panose="020F0302020204030204"/>
-        <a:ea typeface=""/>
-        <a:cs typeface=""/>
-        <a:font script="Jpan" typeface="ＭＳ Ｐゴシック"/>
-        <a:font script="Hang" typeface="맑은 고딕"/>
-        <a:font script="Hans" typeface="宋体"/>
-        <a:font script="Hant" typeface="新細明體"/>
-        <a:font script="Arab" typeface="Times New Roman"/>
-        <a:font script="Hebr" typeface="Times New Roman"/>
-        <a:font script="Thai" typeface="Angsana New"/>
-        <a:font script="Ethi" typeface="Nyala"/>
-        <a:font script="Beng" typeface="Vrinda"/>
-        <a:font script="Gujr" typeface="Shruti"/>
-        <a:font script="Khmr" typeface="MoolBoran"/>
-        <a:font script="Knda" typeface="Tunga"/>
-        <a:font script="Guru" typeface="Raavi"/>
-        <a:font script="Cans" typeface="Euphemia"/>
-        <a:font script="Cher" typeface="Plantagenet Cherokee"/>
-        <a:font script="Yiii" typeface="Microsoft Yi Baiti"/>
-        <a:font script="Tibt" typeface="Microsoft Himalaya"/>
-        <a:font script="Thaa" typeface="MV Boli"/>
-        <a:font script="Deva" typeface="Mangal"/>
-        <a:font script="Telu" typeface="Gautami"/>
-        <a:font script="Taml" typeface="Latha"/>
-        <a:font script="Syrc" typeface="Estrangelo Edessa"/>
-        <a:font script="Orya" typeface="Kalinga"/>
-        <a:font script="Mlym" typeface="Kartika"/>
-        <a:font script="Laoo" typeface="DokChampa"/>
-        <a:font script="Sinh" typeface="Iskoola Pota"/>
-        <a:font script="Mong" typeface="Mongolian Baiti"/>
-        <a:font script="Viet" typeface="Times New Roman"/>
-        <a:font script="Uigh" typeface="Microsoft Uighur"/>
-        <a:font script="Geor" typeface="Sylfaen"/>
-      </a:majorFont>
-      <a:minorFont>
-        <a:latin typeface="Calibri" panose="020F0502020204030204"/>
-        <a:ea typeface=""/>
-        <a:cs typeface=""/>
-        <a:font script="Jpan" typeface="ＭＳ Ｐゴシック"/>
-        <a:font script="Hang" typeface="맑은 고딕"/>
-        <a:font script="Hans" typeface="宋体"/>
-        <a:font script="Hant" typeface="新細明體"/>
-        <a:font script="Arab" typeface="Arial"/>
-        <a:font script="Hebr" typeface="Arial"/>
-        <a:font script="Thai" typeface="Cordia New"/>
-        <a:font script="Ethi" typeface="Nyala"/>
-        <a:font script="Beng" typeface="Vrinda"/>
-        <a:font script="Gujr" typeface="Shruti"/>
-        <a:font script="Khmr" typeface="DaunPenh"/>
-        <a:font script="Knda" typeface="Tunga"/>
-        <a:font script="Guru" typeface="Raavi"/>
-        <a:font script="Cans" typeface="Euphemia"/>
-        <a:font script="Cher" typeface="Plantagenet Cherokee"/>
-        <a:font script="Yiii" typeface="Microsoft Yi Baiti"/>
-        <a:font script="Tibt" typeface="Microsoft Himalaya"/>
-        <a:font script="Thaa" typeface="MV Boli"/>
-        <a:font script="Deva" typeface="Mangal"/>
-        <a:font script="Telu" typeface="Gautami"/>
-        <a:font script="Taml" typeface="Latha"/>
-        <a:font script="Syrc" typeface="Estrangelo Edessa"/>
-        <a:font script="Orya" typeface="Kalinga"/>
-        <a:font script="Mlym" typeface="Kartika"/>
-        <a:font script="Laoo" typeface="DokChampa"/>
-        <a:font script="Sinh" typeface="Iskoola Pota"/>
-        <a:font script="Mong" typeface="Mongolian Baiti"/>
-        <a:font script="Viet" typeface="Arial"/>
-        <a:font script="Uigh" typeface="Microsoft Uighur"/>
-        <a:font script="Geor" typeface="Sylfaen"/>
-      </a:minorFont>
-    </a:fontScheme>
-    <a:fmtScheme name="Office">
-      <a:fillStyleLst>
-        <a:solidFill>
-          <a:schemeClr val="phClr"/>
-        </a:solidFill>
-        <a:gradFill rotWithShape="1">
-          <a:gsLst>
-            <a:gs pos="0">
-              <a:schemeClr val="phClr">
-                <a:lumMod val="110000"/>
-                <a:satMod val="105000"/>
-                <a:tint val="67000"/>
-              </a:schemeClr>
-            </a:gs>
-            <a:gs pos="50000">
-              <a:schemeClr val="phClr">
-                <a:lumMod val="105000"/>
-                <a:satMod val="103000"/>
-                <a:tint val="73000"/>
-              </a:schemeClr>
-            </a:gs>
-            <a:gs pos="100000">
-              <a:schemeClr val="phClr">
-                <a:lumMod val="105000"/>
-                <a:satMod val="109000"/>
-                <a:tint val="81000"/>
-              </a:schemeClr>
-            </a:gs>
-          </a:gsLst>
-          <a:lin ang="5400000" scaled="0"/>
-        </a:gradFill>
-        <a:gradFill rotWithShape="1">
-          <a:gsLst>
-            <a:gs pos="0">
-              <a:schemeClr val="phClr">
-                <a:satMod val="103000"/>
-                <a:lumMod val="102000"/>
-                <a:tint val="94000"/>
-              </a:schemeClr>
-            </a:gs>
-            <a:gs pos="50000">
-              <a:schemeClr val="phClr">
-                <a:satMod val="110000"/>
-                <a:lumMod val="100000"/>
-                <a:shade val="100000"/>
-              </a:schemeClr>
-            </a:gs>
-            <a:gs pos="100000">
-              <a:schemeClr val="phClr">
-                <a:lumMod val="99000"/>
-                <a:satMod val="120000"/>
-                <a:shade val="78000"/>
-              </a:schemeClr>
-            </a:gs>
-          </a:gsLst>
-          <a:lin ang="5400000" scaled="0"/>
-        </a:gradFill>
-      </a:fillStyleLst>
-      <a:lnStyleLst>
-        <a:ln w="6350" cap="flat" cmpd="sng" algn="ctr">
-          <a:solidFill>
-            <a:schemeClr val="phClr"/>
-          </a:solidFill>
-          <a:prstDash val="solid"/>
-          <a:miter lim="800000"/>
-        </a:ln>
-        <a:ln w="12700" cap="flat" cmpd="sng" algn="ctr">
-          <a:solidFill>
-            <a:schemeClr val="phClr"/>
-          </a:solidFill>
-          <a:prstDash val="solid"/>
-          <a:miter lim="800000"/>
-        </a:ln>
-        <a:ln w="19050" cap="flat" cmpd="sng" algn="ctr">
-          <a:solidFill>
-            <a:schemeClr val="phClr"/>
-          </a:solidFill>
-          <a:prstDash val="solid"/>
-          <a:miter lim="800000"/>
-        </a:ln>
-      </a:lnStyleLst>
-      <a:effectStyleLst>
-        <a:effectStyle>
-          <a:effectLst/>
-        </a:effectStyle>
-        <a:effectStyle>
-          <a:effectLst/>
-        </a:effectStyle>
-        <a:effectStyle>
-          <a:effectLst>
-            <a:outerShdw blurRad="57150" dist="19050" dir="5400000" algn="ctr" rotWithShape="0">
-              <a:srgbClr val="000000">
-                <a:alpha val="63000"/>
-              </a:srgbClr>
-            </a:outerShdw>
-          </a:effectLst>
-        </a:effectStyle>
-      </a:effectStyleLst>
-      <a:bgFillStyleLst>
-        <a:solidFill>
-          <a:schemeClr val="phClr"/>
-        </a:solidFill>
-        <a:solidFill>
-          <a:schemeClr val="phClr">
-            <a:tint val="95000"/>
-            <a:satMod val="170000"/>
-          </a:schemeClr>
-        </a:solidFill>
-        <a:gradFill rotWithShape="1">
-          <a:gsLst>
-            <a:gs pos="0">
-              <a:schemeClr val="phClr">
-                <a:tint val="93000"/>
-                <a:satMod val="150000"/>
-                <a:shade val="98000"/>
-                <a:lumMod val="102000"/>
-              </a:schemeClr>
-            </a:gs>
-            <a:gs pos="50000">
-              <a:schemeClr val="phClr">
-                <a:tint val="98000"/>
-                <a:satMod val="130000"/>
-                <a:shade val="90000"/>
-                <a:lumMod val="103000"/>
-              </a:schemeClr>
-            </a:gs>
-            <a:gs pos="100000">
-              <a:schemeClr val="phClr">
-                <a:shade val="63000"/>
-                <a:satMod val="120000"/>
-              </a:schemeClr>
-            </a:gs>
-          </a:gsLst>
-          <a:lin ang="5400000" scaled="0"/>
-        </a:gradFill>
-      </a:bgFillStyleLst>
-    </a:fmtScheme>
-  </a:themeElements>
-  <a:objectDefaults/>
-  <a:extraClrSchemeLst/>
-  <a:extLst>
-    <a:ext uri="{05A4C25C-085E-4340-85A3-A5531E510DB2}">
-      <thm15:themeFamily xmlns:thm15="http://schemas.microsoft.com/office/thememl/2012/main" name="Office Theme" id="{62F939B6-93AF-4DB8-9C6B-D6C7DFDC589F}" vid="{4A3C46E8-61CC-4603-A589-7422A47A8E4A}"/>
-    </a:ext>
-  </a:extLst>
-</a:theme>
 </file>
--- a/microservice_analysis/slides.pptx
+++ b/microservice_analysis/slides.pptx
@@ -7,6 +7,16 @@
   <p:sldIdLst>
     <p:sldId id="256" r:id="rId2"/>
     <p:sldId id="257" r:id="rId3"/>
+    <p:sldId id="258" r:id="rId4"/>
+    <p:sldId id="259" r:id="rId5"/>
+    <p:sldId id="260" r:id="rId6"/>
+    <p:sldId id="261" r:id="rId7"/>
+    <p:sldId id="262" r:id="rId8"/>
+    <p:sldId id="263" r:id="rId9"/>
+    <p:sldId id="264" r:id="rId10"/>
+    <p:sldId id="265" r:id="rId11"/>
+    <p:sldId id="266" r:id="rId12"/>
+    <p:sldId id="267" r:id="rId13"/>
   </p:sldIdLst>
   <p:sldSz cx="9144000" cy="6858000" type="screen4x3"/>
   <p:notesSz cx="6858000" cy="9144000"/>
@@ -3183,6 +3193,306 @@
 </p:sld>
 </file>
 
+<file path=ppt/slides/slide10.xml><?xml version="1.0" encoding="utf-8"?>
+<p:sld xmlns:a="http://schemas.openxmlformats.org/drawingml/2006/main" xmlns:r="http://schemas.openxmlformats.org/officeDocument/2006/relationships" xmlns:p="http://schemas.openxmlformats.org/presentationml/2006/main">
+  <p:cSld>
+    <p:spTree>
+      <p:nvGrpSpPr>
+        <p:cNvPr id="1" name=""/>
+        <p:cNvGrpSpPr/>
+        <p:nvPr/>
+      </p:nvGrpSpPr>
+      <p:grpSpPr>
+        <a:xfrm>
+          <a:off x="0" y="0"/>
+          <a:ext cx="0" cy="0"/>
+          <a:chOff x="0" y="0"/>
+          <a:chExt cx="0" cy="0"/>
+        </a:xfrm>
+      </p:grpSpPr>
+      <p:sp>
+        <p:nvSpPr>
+          <p:cNvPr id="2" name="Title 1"/>
+          <p:cNvSpPr>
+            <a:spLocks noGrp="1"/>
+          </p:cNvSpPr>
+          <p:nvPr>
+            <p:ph type="title"/>
+          </p:nvPr>
+        </p:nvSpPr>
+        <p:spPr/>
+        <p:txBody>
+          <a:bodyPr/>
+          <a:lstStyle/>
+          <a:p>
+            <a:pPr lvl="0" marL="0" indent="0">
+              <a:buNone/>
+            </a:pPr>
+            <a:r>
+              <a:rPr/>
+              <a:t>This</a:t>
+            </a:r>
+            <a:r>
+              <a:rPr/>
+              <a:t> </a:t>
+            </a:r>
+            <a:r>
+              <a:rPr/>
+              <a:t>approach</a:t>
+            </a:r>
+            <a:r>
+              <a:rPr/>
+              <a:t> </a:t>
+            </a:r>
+            <a:r>
+              <a:rPr/>
+              <a:t>is</a:t>
+            </a:r>
+            <a:r>
+              <a:rPr/>
+              <a:t> </a:t>
+            </a:r>
+            <a:r>
+              <a:rPr/>
+              <a:t>supported</a:t>
+            </a:r>
+          </a:p>
+        </p:txBody>
+      </p:sp>
+      <p:sp>
+        <p:nvSpPr>
+          <p:cNvPr id="3" name="Content Placeholder 2"/>
+          <p:cNvSpPr>
+            <a:spLocks noGrp="1"/>
+          </p:cNvSpPr>
+          <p:nvPr>
+            <p:ph idx="1"/>
+          </p:nvPr>
+        </p:nvSpPr>
+        <p:spPr/>
+        <p:txBody>
+          <a:bodyPr/>
+          <a:lstStyle/>
+          <a:p>
+            <a:pPr lvl="1"/>
+            <a:r>
+              <a:rPr/>
+              <a:t>by flask or fastapi in python</a:t>
+            </a:r>
+          </a:p>
+          <a:p>
+            <a:pPr lvl="1"/>
+            <a:r>
+              <a:rPr/>
+              <a:t>hono in ts/js</a:t>
+            </a:r>
+          </a:p>
+          <a:p>
+            <a:pPr lvl="1"/>
+            <a:r>
+              <a:rPr/>
+              <a:t>spark framework in Java</a:t>
+            </a:r>
+          </a:p>
+          <a:p>
+            <a:pPr lvl="1"/>
+            <a:r>
+              <a:rPr/>
+              <a:t>Carter in dotnet</a:t>
+            </a:r>
+          </a:p>
+        </p:txBody>
+      </p:sp>
+    </p:spTree>
+  </p:cSld>
+</p:sld>
+</file>
+
+<file path=ppt/slides/slide11.xml><?xml version="1.0" encoding="utf-8"?>
+<p:sld xmlns:a="http://schemas.openxmlformats.org/drawingml/2006/main" xmlns:r="http://schemas.openxmlformats.org/officeDocument/2006/relationships" xmlns:p="http://schemas.openxmlformats.org/presentationml/2006/main">
+  <p:cSld>
+    <p:spTree>
+      <p:nvGrpSpPr>
+        <p:cNvPr id="1" name=""/>
+        <p:cNvGrpSpPr/>
+        <p:nvPr/>
+      </p:nvGrpSpPr>
+      <p:grpSpPr>
+        <a:xfrm>
+          <a:off x="0" y="0"/>
+          <a:ext cx="0" cy="0"/>
+          <a:chOff x="0" y="0"/>
+          <a:chExt cx="0" cy="0"/>
+        </a:xfrm>
+      </p:grpSpPr>
+      <p:sp>
+        <p:nvSpPr>
+          <p:cNvPr id="2" name="Title 1"/>
+          <p:cNvSpPr>
+            <a:spLocks noGrp="1"/>
+          </p:cNvSpPr>
+          <p:nvPr>
+            <p:ph type="title"/>
+          </p:nvPr>
+        </p:nvSpPr>
+        <p:spPr/>
+        <p:txBody>
+          <a:bodyPr/>
+          <a:lstStyle/>
+          <a:p>
+            <a:pPr lvl="0" marL="0" indent="0">
+              <a:buNone/>
+            </a:pPr>
+            <a:r>
+              <a:rPr/>
+              <a:t>On</a:t>
+            </a:r>
+            <a:r>
+              <a:rPr/>
+              <a:t> </a:t>
+            </a:r>
+            <a:r>
+              <a:rPr/>
+              <a:t>Infrastructure</a:t>
+            </a:r>
+            <a:r>
+              <a:rPr/>
+              <a:t> </a:t>
+            </a:r>
+            <a:r>
+              <a:rPr/>
+              <a:t>like</a:t>
+            </a:r>
+          </a:p>
+        </p:txBody>
+      </p:sp>
+      <p:sp>
+        <p:nvSpPr>
+          <p:cNvPr id="3" name="Content Placeholder 2"/>
+          <p:cNvSpPr>
+            <a:spLocks noGrp="1"/>
+          </p:cNvSpPr>
+          <p:nvPr>
+            <p:ph idx="1"/>
+          </p:nvPr>
+        </p:nvSpPr>
+        <p:spPr/>
+        <p:txBody>
+          <a:bodyPr/>
+          <a:lstStyle/>
+          <a:p>
+            <a:pPr lvl="1"/>
+            <a:r>
+              <a:rPr/>
+              <a:t>AWS Lambda</a:t>
+            </a:r>
+          </a:p>
+          <a:p>
+            <a:pPr lvl="1"/>
+            <a:r>
+              <a:rPr/>
+              <a:t>knative</a:t>
+            </a:r>
+          </a:p>
+          <a:p>
+            <a:pPr lvl="1"/>
+            <a:r>
+              <a:rPr/>
+              <a:t>cloudflare functions</a:t>
+            </a:r>
+          </a:p>
+          <a:p>
+            <a:pPr lvl="1"/>
+            <a:r>
+              <a:rPr/>
+              <a:t>Azure functions</a:t>
+            </a:r>
+          </a:p>
+        </p:txBody>
+      </p:sp>
+    </p:spTree>
+  </p:cSld>
+</p:sld>
+</file>
+
+<file path=ppt/slides/slide12.xml><?xml version="1.0" encoding="utf-8"?>
+<p:sld xmlns:a="http://schemas.openxmlformats.org/drawingml/2006/main" xmlns:r="http://schemas.openxmlformats.org/officeDocument/2006/relationships" xmlns:p="http://schemas.openxmlformats.org/presentationml/2006/main">
+  <p:cSld>
+    <p:spTree>
+      <p:nvGrpSpPr>
+        <p:cNvPr id="1" name=""/>
+        <p:cNvGrpSpPr/>
+        <p:nvPr/>
+      </p:nvGrpSpPr>
+      <p:grpSpPr>
+        <a:xfrm>
+          <a:off x="0" y="0"/>
+          <a:ext cx="0" cy="0"/>
+          <a:chOff x="0" y="0"/>
+          <a:chExt cx="0" cy="0"/>
+        </a:xfrm>
+      </p:grpSpPr>
+      <p:sp>
+        <p:nvSpPr>
+          <p:cNvPr id="2" name="Title 1"/>
+          <p:cNvSpPr>
+            <a:spLocks noGrp="1"/>
+          </p:cNvSpPr>
+          <p:nvPr>
+            <p:ph type="title"/>
+          </p:nvPr>
+        </p:nvSpPr>
+        <p:spPr/>
+        <p:txBody>
+          <a:bodyPr/>
+          <a:lstStyle/>
+          <a:p>
+            <a:pPr lvl="0" marL="0" indent="0">
+              <a:buNone/>
+            </a:pPr>
+            <a:r>
+              <a:rPr/>
+              <a:t>Next</a:t>
+            </a:r>
+            <a:r>
+              <a:rPr/>
+              <a:t> </a:t>
+            </a:r>
+            <a:r>
+              <a:rPr/>
+              <a:t>week</a:t>
+            </a:r>
+          </a:p>
+        </p:txBody>
+      </p:sp>
+      <p:sp>
+        <p:nvSpPr>
+          <p:cNvPr id="3" name="Content Placeholder 2"/>
+          <p:cNvSpPr>
+            <a:spLocks noGrp="1"/>
+          </p:cNvSpPr>
+          <p:nvPr>
+            <p:ph idx="1"/>
+          </p:nvPr>
+        </p:nvSpPr>
+        <p:spPr/>
+        <p:txBody>
+          <a:bodyPr/>
+          <a:lstStyle/>
+          <a:p>
+            <a:pPr lvl="1"/>
+            <a:r>
+              <a:rPr/>
+              <a:t>We will start with Microservices</a:t>
+            </a:r>
+          </a:p>
+        </p:txBody>
+      </p:sp>
+    </p:spTree>
+  </p:cSld>
+</p:sld>
+</file>
+
 <file path=ppt/slides/slide2.xml><?xml version="1.0" encoding="utf-8"?>
 <p:sld xmlns:a="http://schemas.openxmlformats.org/drawingml/2006/main" xmlns:r="http://schemas.openxmlformats.org/officeDocument/2006/relationships" xmlns:p="http://schemas.openxmlformats.org/presentationml/2006/main">
   <p:cSld>
@@ -3258,6 +3568,965 @@
             <a:r>
               <a:rPr/>
               <a:t>Initial demo of activity</a:t>
+            </a:r>
+          </a:p>
+        </p:txBody>
+      </p:sp>
+    </p:spTree>
+  </p:cSld>
+</p:sld>
+</file>
+
+<file path=ppt/slides/slide3.xml><?xml version="1.0" encoding="utf-8"?>
+<p:sld xmlns:a="http://schemas.openxmlformats.org/drawingml/2006/main" xmlns:r="http://schemas.openxmlformats.org/officeDocument/2006/relationships" xmlns:p="http://schemas.openxmlformats.org/presentationml/2006/main">
+  <p:cSld>
+    <p:spTree>
+      <p:nvGrpSpPr>
+        <p:cNvPr id="1" name=""/>
+        <p:cNvGrpSpPr/>
+        <p:nvPr/>
+      </p:nvGrpSpPr>
+      <p:grpSpPr>
+        <a:xfrm>
+          <a:off x="0" y="0"/>
+          <a:ext cx="0" cy="0"/>
+          <a:chOff x="0" y="0"/>
+          <a:chExt cx="0" cy="0"/>
+        </a:xfrm>
+      </p:grpSpPr>
+      <p:sp>
+        <p:nvSpPr>
+          <p:cNvPr id="2" name="Title 1"/>
+          <p:cNvSpPr>
+            <a:spLocks noGrp="1"/>
+          </p:cNvSpPr>
+          <p:nvPr>
+            <p:ph type="title"/>
+          </p:nvPr>
+        </p:nvSpPr>
+        <p:spPr/>
+        <p:txBody>
+          <a:bodyPr/>
+          <a:lstStyle/>
+          <a:p>
+            <a:pPr lvl="0" marL="0" indent="0">
+              <a:buNone/>
+            </a:pPr>
+            <a:r>
+              <a:rPr/>
+              <a:t>Microservice</a:t>
+            </a:r>
+            <a:r>
+              <a:rPr/>
+              <a:t> </a:t>
+            </a:r>
+            <a:r>
+              <a:rPr/>
+              <a:t>white</a:t>
+            </a:r>
+            <a:r>
+              <a:rPr/>
+              <a:t> </a:t>
+            </a:r>
+            <a:r>
+              <a:rPr/>
+              <a:t>box</a:t>
+            </a:r>
+            <a:r>
+              <a:rPr/>
+              <a:t> </a:t>
+            </a:r>
+            <a:r>
+              <a:rPr/>
+              <a:t>Challenge</a:t>
+            </a:r>
+          </a:p>
+        </p:txBody>
+      </p:sp>
+      <p:sp>
+        <p:nvSpPr>
+          <p:cNvPr id="3" name="Content Placeholder 2"/>
+          <p:cNvSpPr>
+            <a:spLocks noGrp="1"/>
+          </p:cNvSpPr>
+          <p:nvPr>
+            <p:ph idx="1"/>
+          </p:nvPr>
+        </p:nvSpPr>
+        <p:spPr/>
+        <p:txBody>
+          <a:bodyPr/>
+          <a:lstStyle/>
+          <a:p>
+            <a:pPr lvl="1"/>
+            <a:r>
+              <a:rPr/>
+              <a:t>Create a codespace from this </a:t>
+            </a:r>
+            <a:r>
+              <a:rPr>
+                <a:hlinkClick r:id="rId2"/>
+              </a:rPr>
+              <a:t>github template</a:t>
+            </a:r>
+            <a:r>
+              <a:rPr/>
+              <a:t>.</a:t>
+            </a:r>
+          </a:p>
+          <a:p>
+            <a:pPr lvl="1"/>
+            <a:r>
+              <a:rPr/>
+              <a:t>follow the instructions in the README.md</a:t>
+            </a:r>
+          </a:p>
+          <a:p>
+            <a:pPr lvl="1"/>
+            <a:r>
+              <a:rPr/>
+              <a:t>make sure to add metrics and a dashboard</a:t>
+            </a:r>
+          </a:p>
+        </p:txBody>
+      </p:sp>
+    </p:spTree>
+  </p:cSld>
+</p:sld>
+</file>
+
+<file path=ppt/slides/slide4.xml><?xml version="1.0" encoding="utf-8"?>
+<p:sld xmlns:a="http://schemas.openxmlformats.org/drawingml/2006/main" xmlns:r="http://schemas.openxmlformats.org/officeDocument/2006/relationships" xmlns:p="http://schemas.openxmlformats.org/presentationml/2006/main">
+  <p:cSld>
+    <p:spTree>
+      <p:nvGrpSpPr>
+        <p:cNvPr id="1" name=""/>
+        <p:cNvGrpSpPr/>
+        <p:nvPr/>
+      </p:nvGrpSpPr>
+      <p:grpSpPr>
+        <a:xfrm>
+          <a:off x="0" y="0"/>
+          <a:ext cx="0" cy="0"/>
+          <a:chOff x="0" y="0"/>
+          <a:chExt cx="0" cy="0"/>
+        </a:xfrm>
+      </p:grpSpPr>
+      <p:sp>
+        <p:nvSpPr>
+          <p:cNvPr id="2" name="Title 1"/>
+          <p:cNvSpPr>
+            <a:spLocks noGrp="1"/>
+          </p:cNvSpPr>
+          <p:nvPr>
+            <p:ph type="title"/>
+          </p:nvPr>
+        </p:nvSpPr>
+        <p:spPr/>
+        <p:txBody>
+          <a:bodyPr/>
+          <a:lstStyle/>
+          <a:p>
+            <a:pPr lvl="0" marL="0" indent="0">
+              <a:buNone/>
+            </a:pPr>
+            <a:r>
+              <a:rPr/>
+              <a:t>First</a:t>
+            </a:r>
+            <a:r>
+              <a:rPr/>
+              <a:t> </a:t>
+            </a:r>
+            <a:r>
+              <a:rPr/>
+              <a:t>things</a:t>
+            </a:r>
+            <a:r>
+              <a:rPr/>
+              <a:t> </a:t>
+            </a:r>
+            <a:r>
+              <a:rPr/>
+              <a:t>First</a:t>
+            </a:r>
+          </a:p>
+        </p:txBody>
+      </p:sp>
+      <p:sp>
+        <p:nvSpPr>
+          <p:cNvPr id="3" name="Content Placeholder 2"/>
+          <p:cNvSpPr>
+            <a:spLocks noGrp="1"/>
+          </p:cNvSpPr>
+          <p:nvPr>
+            <p:ph idx="1"/>
+          </p:nvPr>
+        </p:nvSpPr>
+        <p:spPr/>
+        <p:txBody>
+          <a:bodyPr/>
+          <a:lstStyle/>
+          <a:p>
+            <a:pPr lvl="0" marL="0" indent="0">
+              <a:buNone/>
+            </a:pPr>
+            <a:r>
+              <a:rPr i="1"/>
+              <a:t>I should have covered long ago</a:t>
+            </a:r>
+          </a:p>
+          <a:p>
+            <a:pPr lvl="0" indent="0">
+              <a:buNone/>
+            </a:pPr>
+            <a:r>
+              <a:rPr>
+                <a:latin typeface="Courier"/>
+              </a:rPr>
+              <a:t>logger.info(</a:t>
+            </a:r>
+            <a:r>
+              <a:rPr>
+                <a:solidFill>
+                  <a:srgbClr val="BB6688"/>
+                </a:solidFill>
+                <a:latin typeface="Courier"/>
+              </a:rPr>
+              <a:t>f"</a:t>
+            </a:r>
+            <a:r>
+              <a:rPr>
+                <a:solidFill>
+                  <a:srgbClr val="4070A0"/>
+                </a:solidFill>
+                <a:latin typeface="Courier"/>
+              </a:rPr>
+              <a:t>{</a:t>
+            </a:r>
+            <a:r>
+              <a:rPr>
+                <a:solidFill>
+                  <a:srgbClr val="19177C"/>
+                </a:solidFill>
+                <a:latin typeface="Courier"/>
+              </a:rPr>
+              <a:t>__name__</a:t>
+            </a:r>
+            <a:r>
+              <a:rPr>
+                <a:solidFill>
+                  <a:srgbClr val="4070A0"/>
+                </a:solidFill>
+                <a:latin typeface="Courier"/>
+              </a:rPr>
+              <a:t>}</a:t>
+            </a:r>
+            <a:r>
+              <a:rPr>
+                <a:solidFill>
+                  <a:srgbClr val="BB6688"/>
+                </a:solidFill>
+                <a:latin typeface="Courier"/>
+              </a:rPr>
+              <a:t> started"</a:t>
+            </a:r>
+            <a:r>
+              <a:rPr>
+                <a:latin typeface="Courier"/>
+              </a:rPr>
+              <a:t>)</a:t>
+            </a:r>
+          </a:p>
+          <a:p>
+            <a:pPr lvl="0" marL="0" indent="0">
+              <a:buNone/>
+            </a:pPr>
+            <a:r>
+              <a:rPr/>
+              <a:t>This produces a log line, </a:t>
+            </a:r>
+            <a:r>
+              <a:rPr>
+                <a:latin typeface="Courier"/>
+              </a:rPr>
+              <a:t>main started</a:t>
+            </a:r>
+            <a:r>
+              <a:rPr/>
+              <a:t>. Very important for preserving your sanity on what you are looking at.</a:t>
+            </a:r>
+          </a:p>
+        </p:txBody>
+      </p:sp>
+    </p:spTree>
+  </p:cSld>
+</p:sld>
+</file>
+
+<file path=ppt/slides/slide5.xml><?xml version="1.0" encoding="utf-8"?>
+<p:sld xmlns:a="http://schemas.openxmlformats.org/drawingml/2006/main" xmlns:r="http://schemas.openxmlformats.org/officeDocument/2006/relationships" xmlns:p="http://schemas.openxmlformats.org/presentationml/2006/main">
+  <p:cSld>
+    <p:spTree>
+      <p:nvGrpSpPr>
+        <p:cNvPr id="1" name=""/>
+        <p:cNvGrpSpPr/>
+        <p:nvPr/>
+      </p:nvGrpSpPr>
+      <p:grpSpPr>
+        <a:xfrm>
+          <a:off x="0" y="0"/>
+          <a:ext cx="0" cy="0"/>
+          <a:chOff x="0" y="0"/>
+          <a:chExt cx="0" cy="0"/>
+        </a:xfrm>
+      </p:grpSpPr>
+      <p:sp>
+        <p:nvSpPr>
+          <p:cNvPr id="2" name="Title 1"/>
+          <p:cNvSpPr>
+            <a:spLocks noGrp="1"/>
+          </p:cNvSpPr>
+          <p:nvPr>
+            <p:ph type="title"/>
+          </p:nvPr>
+        </p:nvSpPr>
+        <p:spPr/>
+        <p:txBody>
+          <a:bodyPr/>
+          <a:lstStyle/>
+          <a:p>
+            <a:pPr lvl="0" marL="0" indent="0">
+              <a:buNone/>
+            </a:pPr>
+            <a:r>
+              <a:rPr/>
+              <a:t>Then</a:t>
+            </a:r>
+            <a:r>
+              <a:rPr/>
+              <a:t> </a:t>
+            </a:r>
+            <a:r>
+              <a:rPr/>
+              <a:t>add</a:t>
+            </a:r>
+            <a:r>
+              <a:rPr/>
+              <a:t> </a:t>
+            </a:r>
+            <a:r>
+              <a:rPr/>
+              <a:t>the</a:t>
+            </a:r>
+            <a:r>
+              <a:rPr/>
+              <a:t> </a:t>
+            </a:r>
+            <a:r>
+              <a:rPr/>
+              <a:t>commit</a:t>
+            </a:r>
+            <a:r>
+              <a:rPr/>
+              <a:t> </a:t>
+            </a:r>
+            <a:r>
+              <a:rPr/>
+              <a:t>hash</a:t>
+            </a:r>
+          </a:p>
+        </p:txBody>
+      </p:sp>
+      <p:sp>
+        <p:nvSpPr>
+          <p:cNvPr id="3" name="Content Placeholder 2"/>
+          <p:cNvSpPr>
+            <a:spLocks noGrp="1"/>
+          </p:cNvSpPr>
+          <p:nvPr>
+            <p:ph idx="1"/>
+          </p:nvPr>
+        </p:nvSpPr>
+        <p:spPr/>
+        <p:txBody>
+          <a:bodyPr/>
+          <a:lstStyle/>
+          <a:p>
+            <a:pPr lvl="1"/>
+            <a:r>
+              <a:rPr/>
+              <a:t>or other version information in the startup</a:t>
+            </a:r>
+          </a:p>
+          <a:p>
+            <a:pPr lvl="0" indent="0">
+              <a:buNone/>
+            </a:pPr>
+            <a:r>
+              <a:rPr>
+                <a:latin typeface="Courier"/>
+              </a:rPr>
+              <a:t>OTEL_RESOURCE_ATTRIBUTES=service.name=fastapiApp,service.version=&lt;commit hash&gt;</a:t>
+            </a:r>
+          </a:p>
+          <a:p>
+            <a:pPr lvl="1"/>
+            <a:r>
+              <a:rPr/>
+              <a:t>saves sanity when degugging</a:t>
+            </a:r>
+          </a:p>
+        </p:txBody>
+      </p:sp>
+    </p:spTree>
+  </p:cSld>
+</p:sld>
+</file>
+
+<file path=ppt/slides/slide6.xml><?xml version="1.0" encoding="utf-8"?>
+<p:sld xmlns:a="http://schemas.openxmlformats.org/drawingml/2006/main" xmlns:r="http://schemas.openxmlformats.org/officeDocument/2006/relationships" xmlns:p="http://schemas.openxmlformats.org/presentationml/2006/main">
+  <p:cSld>
+    <p:spTree>
+      <p:nvGrpSpPr>
+        <p:cNvPr id="1" name=""/>
+        <p:cNvGrpSpPr/>
+        <p:nvPr/>
+      </p:nvGrpSpPr>
+      <p:grpSpPr>
+        <a:xfrm>
+          <a:off x="0" y="0"/>
+          <a:ext cx="0" cy="0"/>
+          <a:chOff x="0" y="0"/>
+          <a:chExt cx="0" cy="0"/>
+        </a:xfrm>
+      </p:grpSpPr>
+      <p:sp>
+        <p:nvSpPr>
+          <p:cNvPr id="2" name="Title 1"/>
+          <p:cNvSpPr>
+            <a:spLocks noGrp="1"/>
+          </p:cNvSpPr>
+          <p:nvPr>
+            <p:ph type="title"/>
+          </p:nvPr>
+        </p:nvSpPr>
+        <p:spPr/>
+        <p:txBody>
+          <a:bodyPr/>
+          <a:lstStyle/>
+          <a:p>
+            <a:pPr lvl="0" marL="0" indent="0">
+              <a:buNone/>
+            </a:pPr>
+            <a:r>
+              <a:rPr/>
+              <a:t>Get</a:t>
+            </a:r>
+            <a:r>
+              <a:rPr/>
+              <a:t> </a:t>
+            </a:r>
+            <a:r>
+              <a:rPr/>
+              <a:t>the</a:t>
+            </a:r>
+            <a:r>
+              <a:rPr/>
+              <a:t> </a:t>
+            </a:r>
+            <a:r>
+              <a:rPr/>
+              <a:t>commit</a:t>
+            </a:r>
+            <a:r>
+              <a:rPr/>
+              <a:t> </a:t>
+            </a:r>
+            <a:r>
+              <a:rPr/>
+              <a:t>hash</a:t>
+            </a:r>
+            <a:r>
+              <a:rPr/>
+              <a:t> </a:t>
+            </a:r>
+            <a:r>
+              <a:rPr/>
+              <a:t>by</a:t>
+            </a:r>
+            <a:r>
+              <a:rPr/>
+              <a:t> </a:t>
+            </a:r>
+            <a:r>
+              <a:rPr/>
+              <a:t>right</a:t>
+            </a:r>
+            <a:r>
+              <a:rPr/>
+              <a:t> </a:t>
+            </a:r>
+            <a:r>
+              <a:rPr/>
+              <a:t>clicking</a:t>
+            </a:r>
+          </a:p>
+        </p:txBody>
+      </p:sp>
+      <p:pic>
+        <p:nvPicPr>
+          <p:cNvPr descr="images/CommitHash.PNG" id="0" name="Picture 1"/>
+          <p:cNvPicPr>
+            <a:picLocks noGrp="1" noChangeAspect="1"/>
+          </p:cNvPicPr>
+          <p:nvPr/>
+        </p:nvPicPr>
+        <p:blipFill>
+          <a:blip r:embed="rId2"/>
+          <a:stretch>
+            <a:fillRect/>
+          </a:stretch>
+        </p:blipFill>
+        <p:spPr bwMode="auto">
+          <a:xfrm>
+            <a:off x="3213100" y="1600200"/>
+            <a:ext cx="2705100" cy="4013200"/>
+          </a:xfrm>
+          <a:prstGeom prst="rect">
+            <a:avLst/>
+          </a:prstGeom>
+          <a:noFill/>
+          <a:ln w="9525">
+            <a:noFill/>
+            <a:headEnd/>
+            <a:tailEnd/>
+          </a:ln>
+        </p:spPr>
+      </p:pic>
+      <p:sp>
+        <p:nvSpPr>
+          <p:cNvPr id="1" name="TextBox 3"/>
+          <p:cNvSpPr txBox="1"/>
+          <p:nvPr/>
+        </p:nvSpPr>
+        <p:spPr>
+          <a:xfrm>
+            <a:off x="457200" y="5613400"/>
+            <a:ext cx="8229600" cy="508000"/>
+          </a:xfrm>
+          <a:prstGeom prst="rect">
+            <a:avLst/>
+          </a:prstGeom>
+          <a:noFill/>
+        </p:spPr>
+        <p:txBody>
+          <a:bodyPr/>
+          <a:lstStyle/>
+          <a:p>
+            <a:pPr lvl="0" marL="0" indent="0" algn="ctr">
+              <a:buNone/>
+            </a:pPr>
+            <a:r>
+              <a:rPr/>
+              <a:t>Commit</a:t>
+            </a:r>
+            <a:r>
+              <a:rPr/>
+              <a:t> </a:t>
+            </a:r>
+            <a:r>
+              <a:rPr/>
+              <a:t>Hash</a:t>
+            </a:r>
+          </a:p>
+        </p:txBody>
+      </p:sp>
+    </p:spTree>
+  </p:cSld>
+</p:sld>
+</file>
+
+<file path=ppt/slides/slide7.xml><?xml version="1.0" encoding="utf-8"?>
+<p:sld xmlns:a="http://schemas.openxmlformats.org/drawingml/2006/main" xmlns:r="http://schemas.openxmlformats.org/officeDocument/2006/relationships" xmlns:p="http://schemas.openxmlformats.org/presentationml/2006/main">
+  <p:cSld>
+    <p:spTree>
+      <p:nvGrpSpPr>
+        <p:cNvPr id="1" name=""/>
+        <p:cNvGrpSpPr/>
+        <p:nvPr/>
+      </p:nvGrpSpPr>
+      <p:grpSpPr>
+        <a:xfrm>
+          <a:off x="0" y="0"/>
+          <a:ext cx="0" cy="0"/>
+          <a:chOff x="0" y="0"/>
+          <a:chExt cx="0" cy="0"/>
+        </a:xfrm>
+      </p:grpSpPr>
+      <p:sp>
+        <p:nvSpPr>
+          <p:cNvPr id="2" name="Title 1"/>
+          <p:cNvSpPr>
+            <a:spLocks noGrp="1"/>
+          </p:cNvSpPr>
+          <p:nvPr>
+            <p:ph type="title"/>
+          </p:nvPr>
+        </p:nvSpPr>
+        <p:spPr/>
+        <p:txBody>
+          <a:bodyPr/>
+          <a:lstStyle/>
+          <a:p>
+            <a:pPr lvl="0" marL="0" indent="0">
+              <a:buNone/>
+            </a:pPr>
+            <a:r>
+              <a:rPr/>
+              <a:t>Please</a:t>
+            </a:r>
+            <a:r>
+              <a:rPr/>
+              <a:t> </a:t>
+            </a:r>
+            <a:r>
+              <a:rPr/>
+              <a:t>follow</a:t>
+            </a:r>
+            <a:r>
+              <a:rPr/>
+              <a:t> </a:t>
+            </a:r>
+            <a:r>
+              <a:rPr/>
+              <a:t>this</a:t>
+            </a:r>
+            <a:r>
+              <a:rPr/>
+              <a:t> </a:t>
+            </a:r>
+            <a:r>
+              <a:rPr/>
+              <a:t>article</a:t>
+            </a:r>
+            <a:r>
+              <a:rPr/>
+              <a:t> </a:t>
+            </a:r>
+            <a:r>
+              <a:rPr/>
+              <a:t>to</a:t>
+            </a:r>
+            <a:r>
+              <a:rPr/>
+              <a:t> </a:t>
+            </a:r>
+            <a:r>
+              <a:rPr/>
+              <a:t>practice</a:t>
+            </a:r>
+            <a:r>
+              <a:rPr/>
+              <a:t> </a:t>
+            </a:r>
+            <a:r>
+              <a:rPr/>
+              <a:t>with</a:t>
+            </a:r>
+            <a:r>
+              <a:rPr/>
+              <a:t> </a:t>
+            </a:r>
+            <a:r>
+              <a:rPr/>
+              <a:t>analysis</a:t>
+            </a:r>
+          </a:p>
+        </p:txBody>
+      </p:sp>
+      <p:pic>
+        <p:nvPicPr>
+          <p:cNvPr descr="images/opentelemetry-fastapi-cover.webp" id="0" name="Picture 1">
+            <a:hlinkClick r:id="rId3"/>
+          </p:cNvPr>
+          <p:cNvPicPr>
+            <a:picLocks noGrp="1" noChangeAspect="1"/>
+          </p:cNvPicPr>
+          <p:nvPr/>
+        </p:nvPicPr>
+        <p:blipFill>
+          <a:blip r:embed="rId2"/>
+          <a:stretch>
+            <a:fillRect/>
+          </a:stretch>
+        </p:blipFill>
+        <p:spPr bwMode="auto">
+          <a:xfrm>
+            <a:off x="1562100" y="1600200"/>
+            <a:ext cx="6019800" cy="4013200"/>
+          </a:xfrm>
+          <a:prstGeom prst="rect">
+            <a:avLst/>
+          </a:prstGeom>
+          <a:noFill/>
+          <a:ln w="9525">
+            <a:noFill/>
+            <a:headEnd/>
+            <a:tailEnd/>
+          </a:ln>
+        </p:spPr>
+      </p:pic>
+      <p:sp>
+        <p:nvSpPr>
+          <p:cNvPr id="1" name="TextBox 3"/>
+          <p:cNvSpPr txBox="1"/>
+          <p:nvPr/>
+        </p:nvSpPr>
+        <p:spPr>
+          <a:xfrm>
+            <a:off x="457200" y="5613400"/>
+            <a:ext cx="8229600" cy="508000"/>
+          </a:xfrm>
+          <a:prstGeom prst="rect">
+            <a:avLst/>
+          </a:prstGeom>
+          <a:noFill/>
+        </p:spPr>
+        <p:txBody>
+          <a:bodyPr/>
+          <a:lstStyle/>
+          <a:p>
+            <a:pPr lvl="0" marL="0" indent="0" algn="ctr">
+              <a:buNone/>
+            </a:pPr>
+            <a:r>
+              <a:rPr/>
+              <a:t>Excellent</a:t>
+            </a:r>
+            <a:r>
+              <a:rPr/>
+              <a:t> </a:t>
+            </a:r>
+            <a:r>
+              <a:rPr/>
+              <a:t>article</a:t>
+            </a:r>
+          </a:p>
+        </p:txBody>
+      </p:sp>
+    </p:spTree>
+  </p:cSld>
+</p:sld>
+</file>
+
+<file path=ppt/slides/slide8.xml><?xml version="1.0" encoding="utf-8"?>
+<p:sld xmlns:a="http://schemas.openxmlformats.org/drawingml/2006/main" xmlns:r="http://schemas.openxmlformats.org/officeDocument/2006/relationships" xmlns:p="http://schemas.openxmlformats.org/presentationml/2006/main">
+  <p:cSld>
+    <p:spTree>
+      <p:nvGrpSpPr>
+        <p:cNvPr id="1" name=""/>
+        <p:cNvGrpSpPr/>
+        <p:nvPr/>
+      </p:nvGrpSpPr>
+      <p:grpSpPr>
+        <a:xfrm>
+          <a:off x="0" y="0"/>
+          <a:ext cx="0" cy="0"/>
+          <a:chOff x="0" y="0"/>
+          <a:chExt cx="0" cy="0"/>
+        </a:xfrm>
+      </p:grpSpPr>
+      <p:sp>
+        <p:nvSpPr>
+          <p:cNvPr id="2" name="Title 1"/>
+          <p:cNvSpPr>
+            <a:spLocks noGrp="1"/>
+          </p:cNvSpPr>
+          <p:nvPr>
+            <p:ph type="title"/>
+          </p:nvPr>
+        </p:nvSpPr>
+        <p:spPr/>
+        <p:txBody>
+          <a:bodyPr/>
+          <a:lstStyle/>
+          <a:p>
+            <a:pPr lvl="0" marL="0" indent="0">
+              <a:buNone/>
+            </a:pPr>
+            <a:r>
+              <a:rPr/>
+              <a:t>Look</a:t>
+            </a:r>
+            <a:r>
+              <a:rPr/>
+              <a:t> </a:t>
+            </a:r>
+            <a:r>
+              <a:rPr/>
+              <a:t>for</a:t>
+            </a:r>
+          </a:p>
+        </p:txBody>
+      </p:sp>
+      <p:sp>
+        <p:nvSpPr>
+          <p:cNvPr id="3" name="Content Placeholder 2"/>
+          <p:cNvSpPr>
+            <a:spLocks noGrp="1"/>
+          </p:cNvSpPr>
+          <p:nvPr>
+            <p:ph idx="1"/>
+          </p:nvPr>
+        </p:nvSpPr>
+        <p:spPr/>
+        <p:txBody>
+          <a:bodyPr/>
+          <a:lstStyle/>
+          <a:p>
+            <a:pPr lvl="1"/>
+            <a:r>
+              <a:rPr/>
+              <a:t>Clicking on a trendline in the metric view to go to trace or log</a:t>
+            </a:r>
+          </a:p>
+          <a:p>
+            <a:pPr lvl="1"/>
+            <a:r>
+              <a:rPr/>
+              <a:t>adding a metric per the last lab and creating a dashboard to see it</a:t>
+            </a:r>
+          </a:p>
+        </p:txBody>
+      </p:sp>
+    </p:spTree>
+  </p:cSld>
+</p:sld>
+</file>
+
+<file path=ppt/slides/slide9.xml><?xml version="1.0" encoding="utf-8"?>
+<p:sld xmlns:a="http://schemas.openxmlformats.org/drawingml/2006/main" xmlns:r="http://schemas.openxmlformats.org/officeDocument/2006/relationships" xmlns:p="http://schemas.openxmlformats.org/presentationml/2006/main">
+  <p:cSld>
+    <p:spTree>
+      <p:nvGrpSpPr>
+        <p:cNvPr id="1" name=""/>
+        <p:cNvGrpSpPr/>
+        <p:nvPr/>
+      </p:nvGrpSpPr>
+      <p:grpSpPr>
+        <a:xfrm>
+          <a:off x="0" y="0"/>
+          <a:ext cx="0" cy="0"/>
+          <a:chOff x="0" y="0"/>
+          <a:chExt cx="0" cy="0"/>
+        </a:xfrm>
+      </p:grpSpPr>
+      <p:sp>
+        <p:nvSpPr>
+          <p:cNvPr id="2" name="Title 1"/>
+          <p:cNvSpPr>
+            <a:spLocks noGrp="1"/>
+          </p:cNvSpPr>
+          <p:nvPr>
+            <p:ph type="title"/>
+          </p:nvPr>
+        </p:nvSpPr>
+        <p:spPr/>
+        <p:txBody>
+          <a:bodyPr/>
+          <a:lstStyle/>
+          <a:p>
+            <a:pPr lvl="0" marL="0" indent="0">
+              <a:buNone/>
+            </a:pPr>
+            <a:r>
+              <a:rPr/>
+              <a:t>I</a:t>
+            </a:r>
+            <a:r>
+              <a:rPr/>
+              <a:t> </a:t>
+            </a:r>
+            <a:r>
+              <a:rPr/>
+              <a:t>changed</a:t>
+            </a:r>
+            <a:r>
+              <a:rPr/>
+              <a:t> </a:t>
+            </a:r>
+            <a:r>
+              <a:rPr/>
+              <a:t>my</a:t>
+            </a:r>
+            <a:r>
+              <a:rPr/>
+              <a:t> </a:t>
+            </a:r>
+            <a:r>
+              <a:rPr/>
+              <a:t>view</a:t>
+            </a:r>
+            <a:r>
+              <a:rPr/>
+              <a:t> </a:t>
+            </a:r>
+            <a:r>
+              <a:rPr/>
+              <a:t>a</a:t>
+            </a:r>
+            <a:r>
+              <a:rPr/>
+              <a:t> </a:t>
+            </a:r>
+            <a:r>
+              <a:rPr/>
+              <a:t>bit</a:t>
+            </a:r>
+          </a:p>
+        </p:txBody>
+      </p:sp>
+      <p:sp>
+        <p:nvSpPr>
+          <p:cNvPr id="3" name="Content Placeholder 2"/>
+          <p:cNvSpPr>
+            <a:spLocks noGrp="1"/>
+          </p:cNvSpPr>
+          <p:nvPr>
+            <p:ph idx="1"/>
+          </p:nvPr>
+        </p:nvSpPr>
+        <p:spPr/>
+        <p:txBody>
+          <a:bodyPr/>
+          <a:lstStyle/>
+          <a:p>
+            <a:pPr lvl="1"/>
+            <a:r>
+              <a:rPr/>
+              <a:t>I needed to develop a Microservice framework for another course</a:t>
+            </a:r>
+          </a:p>
+          <a:p>
+            <a:pPr lvl="1"/>
+            <a:r>
+              <a:rPr/>
+              <a:t>Last week, I was thinking of a Microservice as a function</a:t>
+            </a:r>
+          </a:p>
+          <a:p>
+            <a:pPr lvl="1"/>
+            <a:r>
+              <a:rPr/>
+              <a:t>this week I am thinking of a Microservice as a collection of endpoints</a:t>
+            </a:r>
+          </a:p>
+          <a:p>
+            <a:pPr lvl="1"/>
+            <a:r>
+              <a:rPr/>
+              <a:t>produced by an autonomous team</a:t>
             </a:r>
           </a:p>
         </p:txBody>

--- a/microservice_analysis/slides.pptx
+++ b/microservice_analysis/slides.pptx
@@ -3483,7 +3483,7 @@
             <a:pPr lvl="1"/>
             <a:r>
               <a:rPr/>
-              <a:t>We will start with Microservices</a:t>
+              <a:t>We will start with Microfrontends</a:t>
             </a:r>
           </a:p>
         </p:txBody>

--- a/microservice_analysis/slides.pptx
+++ b/microservice_analysis/slides.pptx
@@ -1,6 +1,6 @@
 
 <file path=ppt/presentation.xml><?xml version="1.0" encoding="utf-8"?>
-<p:presentation xmlns:a="http://schemas.openxmlformats.org/drawingml/2006/main" xmlns:r="http://schemas.openxmlformats.org/officeDocument/2006/relationships" xmlns:p="http://schemas.openxmlformats.org/presentationml/2006/main" saveSubsetFonts="1" autoCompressPictures="0">
+<p:presentation xmlns:a="http://schemas.openxmlformats.org/drawingml/2006/main" xmlns:p="http://schemas.openxmlformats.org/presentationml/2006/main" xmlns:r="http://schemas.openxmlformats.org/officeDocument/2006/relationships" autoCompressPictures="0" saveSubsetFonts="1">
   <p:sldMasterIdLst>
     <p:sldMasterId id="2147483648" r:id="rId1"/>
   </p:sldMasterIdLst>
@@ -18,14 +18,14 @@
     <p:sldId id="266" r:id="rId12"/>
     <p:sldId id="267" r:id="rId13"/>
   </p:sldIdLst>
-  <p:sldSz cx="9144000" cy="6858000" type="screen4x3"/>
+  <p:sldSz cx="9144000" cy="5143500" type="screen16x9"/>
   <p:notesSz cx="6858000" cy="9144000"/>
   <p:defaultTextStyle>
     <a:defPPr>
       <a:defRPr lang="en-US"/>
     </a:defPPr>
-    <a:lvl1pPr marL="0" algn="l" defTabSz="457200" rtl="0" eaLnBrk="1" latinLnBrk="0" hangingPunct="1">
-      <a:defRPr sz="1800" kern="1200">
+    <a:lvl1pPr algn="l" defTabSz="457200" eaLnBrk="1" hangingPunct="1" latinLnBrk="0" marL="0" rtl="0">
+      <a:defRPr kern="1200" sz="1800">
         <a:solidFill>
           <a:schemeClr val="tx1"/>
         </a:solidFill>
@@ -34,8 +34,8 @@
         <a:cs typeface="+mn-cs"/>
       </a:defRPr>
     </a:lvl1pPr>
-    <a:lvl2pPr marL="457200" algn="l" defTabSz="457200" rtl="0" eaLnBrk="1" latinLnBrk="0" hangingPunct="1">
-      <a:defRPr sz="1800" kern="1200">
+    <a:lvl2pPr algn="l" defTabSz="457200" eaLnBrk="1" hangingPunct="1" latinLnBrk="0" marL="457200" rtl="0">
+      <a:defRPr kern="1200" sz="1800">
         <a:solidFill>
           <a:schemeClr val="tx1"/>
         </a:solidFill>
@@ -44,8 +44,8 @@
         <a:cs typeface="+mn-cs"/>
       </a:defRPr>
     </a:lvl2pPr>
-    <a:lvl3pPr marL="914400" algn="l" defTabSz="457200" rtl="0" eaLnBrk="1" latinLnBrk="0" hangingPunct="1">
-      <a:defRPr sz="1800" kern="1200">
+    <a:lvl3pPr algn="l" defTabSz="457200" eaLnBrk="1" hangingPunct="1" latinLnBrk="0" marL="914400" rtl="0">
+      <a:defRPr kern="1200" sz="1800">
         <a:solidFill>
           <a:schemeClr val="tx1"/>
         </a:solidFill>
@@ -54,8 +54,8 @@
         <a:cs typeface="+mn-cs"/>
       </a:defRPr>
     </a:lvl3pPr>
-    <a:lvl4pPr marL="1371600" algn="l" defTabSz="457200" rtl="0" eaLnBrk="1" latinLnBrk="0" hangingPunct="1">
-      <a:defRPr sz="1800" kern="1200">
+    <a:lvl4pPr algn="l" defTabSz="457200" eaLnBrk="1" hangingPunct="1" latinLnBrk="0" marL="1371600" rtl="0">
+      <a:defRPr kern="1200" sz="1800">
         <a:solidFill>
           <a:schemeClr val="tx1"/>
         </a:solidFill>
@@ -64,8 +64,8 @@
         <a:cs typeface="+mn-cs"/>
       </a:defRPr>
     </a:lvl4pPr>
-    <a:lvl5pPr marL="1828800" algn="l" defTabSz="457200" rtl="0" eaLnBrk="1" latinLnBrk="0" hangingPunct="1">
-      <a:defRPr sz="1800" kern="1200">
+    <a:lvl5pPr algn="l" defTabSz="457200" eaLnBrk="1" hangingPunct="1" latinLnBrk="0" marL="1828800" rtl="0">
+      <a:defRPr kern="1200" sz="1800">
         <a:solidFill>
           <a:schemeClr val="tx1"/>
         </a:solidFill>
@@ -74,8 +74,8 @@
         <a:cs typeface="+mn-cs"/>
       </a:defRPr>
     </a:lvl5pPr>
-    <a:lvl6pPr marL="2286000" algn="l" defTabSz="457200" rtl="0" eaLnBrk="1" latinLnBrk="0" hangingPunct="1">
-      <a:defRPr sz="1800" kern="1200">
+    <a:lvl6pPr algn="l" defTabSz="457200" eaLnBrk="1" hangingPunct="1" latinLnBrk="0" marL="2286000" rtl="0">
+      <a:defRPr kern="1200" sz="1800">
         <a:solidFill>
           <a:schemeClr val="tx1"/>
         </a:solidFill>
@@ -84,8 +84,8 @@
         <a:cs typeface="+mn-cs"/>
       </a:defRPr>
     </a:lvl6pPr>
-    <a:lvl7pPr marL="2743200" algn="l" defTabSz="457200" rtl="0" eaLnBrk="1" latinLnBrk="0" hangingPunct="1">
-      <a:defRPr sz="1800" kern="1200">
+    <a:lvl7pPr algn="l" defTabSz="457200" eaLnBrk="1" hangingPunct="1" latinLnBrk="0" marL="2743200" rtl="0">
+      <a:defRPr kern="1200" sz="1800">
         <a:solidFill>
           <a:schemeClr val="tx1"/>
         </a:solidFill>
@@ -94,8 +94,8 @@
         <a:cs typeface="+mn-cs"/>
       </a:defRPr>
     </a:lvl7pPr>
-    <a:lvl8pPr marL="3200400" algn="l" defTabSz="457200" rtl="0" eaLnBrk="1" latinLnBrk="0" hangingPunct="1">
-      <a:defRPr sz="1800" kern="1200">
+    <a:lvl8pPr algn="l" defTabSz="457200" eaLnBrk="1" hangingPunct="1" latinLnBrk="0" marL="3200400" rtl="0">
+      <a:defRPr kern="1200" sz="1800">
         <a:solidFill>
           <a:schemeClr val="tx1"/>
         </a:solidFill>
@@ -104,8 +104,8 @@
         <a:cs typeface="+mn-cs"/>
       </a:defRPr>
     </a:lvl8pPr>
-    <a:lvl9pPr marL="3657600" algn="l" defTabSz="457200" rtl="0" eaLnBrk="1" latinLnBrk="0" hangingPunct="1">
-      <a:defRPr sz="1800" kern="1200">
+    <a:lvl9pPr algn="l" defTabSz="457200" eaLnBrk="1" hangingPunct="1" latinLnBrk="0" marL="3657600" rtl="0">
+      <a:defRPr kern="1200" sz="1800">
         <a:solidFill>
           <a:schemeClr val="tx1"/>
         </a:solidFill>
@@ -118,12 +118,12 @@
   <p:extLst>
     <p:ext uri="{EFAFB233-063F-42B5-8137-9DF3F51BA10A}">
       <p15:sldGuideLst xmlns:p15="http://schemas.microsoft.com/office/powerpoint/2012/main">
-        <p15:guide id="1" orient="horz" pos="2160">
+        <p15:guide id="1" orient="horz" pos="1620" userDrawn="1">
           <p15:clr>
             <a:srgbClr val="A4A3A4"/>
           </p15:clr>
         </p15:guide>
-        <p15:guide id="2" pos="2880">
+        <p15:guide id="2" pos="2880" userDrawn="1">
           <p15:clr>
             <a:srgbClr val="A4A3A4"/>
           </p15:clr>
@@ -163,8 +163,8 @@
         </p:nvSpPr>
         <p:spPr>
           <a:xfrm>
-            <a:off x="685800" y="2130425"/>
-            <a:ext cx="7772400" cy="1470025"/>
+            <a:off x="685800" y="1597819"/>
+            <a:ext cx="7772400" cy="1102519"/>
           </a:xfrm>
         </p:spPr>
         <p:txBody>
@@ -172,10 +172,9 @@
           <a:lstStyle/>
           <a:p>
             <a:r>
-              <a:rPr lang="en-US" smtClean="0"/>
+              <a:rPr lang="en-US"/>
               <a:t>Click to edit Master title style</a:t>
             </a:r>
-            <a:endParaRPr lang="en-US"/>
           </a:p>
         </p:txBody>
       </p:sp>
@@ -191,8 +190,8 @@
         </p:nvSpPr>
         <p:spPr>
           <a:xfrm>
-            <a:off x="1371600" y="3886200"/>
-            <a:ext cx="6400800" cy="1752600"/>
+            <a:off x="1371600" y="2914650"/>
+            <a:ext cx="6400800" cy="1314450"/>
           </a:xfrm>
         </p:spPr>
         <p:txBody>
@@ -208,7 +207,7 @@
                 </a:solidFill>
               </a:defRPr>
             </a:lvl1pPr>
-            <a:lvl2pPr marL="457200" indent="0" algn="ctr">
+            <a:lvl2pPr marL="342900" indent="0" algn="ctr">
               <a:buNone/>
               <a:defRPr>
                 <a:solidFill>
@@ -218,7 +217,7 @@
                 </a:solidFill>
               </a:defRPr>
             </a:lvl2pPr>
-            <a:lvl3pPr marL="914400" indent="0" algn="ctr">
+            <a:lvl3pPr marL="685800" indent="0" algn="ctr">
               <a:buNone/>
               <a:defRPr>
                 <a:solidFill>
@@ -228,7 +227,7 @@
                 </a:solidFill>
               </a:defRPr>
             </a:lvl3pPr>
-            <a:lvl4pPr marL="1371600" indent="0" algn="ctr">
+            <a:lvl4pPr marL="1028700" indent="0" algn="ctr">
               <a:buNone/>
               <a:defRPr>
                 <a:solidFill>
@@ -238,7 +237,7 @@
                 </a:solidFill>
               </a:defRPr>
             </a:lvl4pPr>
-            <a:lvl5pPr marL="1828800" indent="0" algn="ctr">
+            <a:lvl5pPr marL="1371600" indent="0" algn="ctr">
               <a:buNone/>
               <a:defRPr>
                 <a:solidFill>
@@ -248,7 +247,7 @@
                 </a:solidFill>
               </a:defRPr>
             </a:lvl5pPr>
-            <a:lvl6pPr marL="2286000" indent="0" algn="ctr">
+            <a:lvl6pPr marL="1714500" indent="0" algn="ctr">
               <a:buNone/>
               <a:defRPr>
                 <a:solidFill>
@@ -258,7 +257,7 @@
                 </a:solidFill>
               </a:defRPr>
             </a:lvl6pPr>
-            <a:lvl7pPr marL="2743200" indent="0" algn="ctr">
+            <a:lvl7pPr marL="2057400" indent="0" algn="ctr">
               <a:buNone/>
               <a:defRPr>
                 <a:solidFill>
@@ -268,7 +267,7 @@
                 </a:solidFill>
               </a:defRPr>
             </a:lvl7pPr>
-            <a:lvl8pPr marL="3200400" indent="0" algn="ctr">
+            <a:lvl8pPr marL="2400300" indent="0" algn="ctr">
               <a:buNone/>
               <a:defRPr>
                 <a:solidFill>
@@ -278,7 +277,7 @@
                 </a:solidFill>
               </a:defRPr>
             </a:lvl8pPr>
-            <a:lvl9pPr marL="3657600" indent="0" algn="ctr">
+            <a:lvl9pPr marL="2743200" indent="0" algn="ctr">
               <a:buNone/>
               <a:defRPr>
                 <a:solidFill>
@@ -291,10 +290,9 @@
           </a:lstStyle>
           <a:p>
             <a:r>
-              <a:rPr lang="en-US" smtClean="0"/>
+              <a:rPr lang="en-US"/>
               <a:t>Click to edit Master subtitle style</a:t>
             </a:r>
-            <a:endParaRPr lang="en-US"/>
           </a:p>
         </p:txBody>
       </p:sp>
@@ -315,7 +313,7 @@
           <a:p>
             <a:fld id="{241EB5C9-1307-BA42-ABA2-0BC069CD8E7F}" type="datetimeFigureOut">
               <a:rPr lang="en-US" smtClean="0"/>
-              <a:t>4/5/2019</a:t>
+              <a:t>1/2/22</a:t>
             </a:fld>
             <a:endParaRPr lang="en-US"/>
           </a:p>
@@ -409,10 +407,9 @@
           <a:lstStyle/>
           <a:p>
             <a:r>
-              <a:rPr lang="en-US" smtClean="0"/>
+              <a:rPr lang="en-US"/>
               <a:t>Click to edit Master title style</a:t>
             </a:r>
-            <a:endParaRPr lang="en-US"/>
           </a:p>
         </p:txBody>
       </p:sp>
@@ -433,38 +430,37 @@
           <a:p>
             <a:pPr lvl="0"/>
             <a:r>
-              <a:rPr lang="en-US" smtClean="0"/>
+              <a:rPr lang="en-US"/>
               <a:t>Click to edit Master text styles</a:t>
             </a:r>
           </a:p>
           <a:p>
             <a:pPr lvl="1"/>
             <a:r>
-              <a:rPr lang="en-US" smtClean="0"/>
+              <a:rPr lang="en-US"/>
               <a:t>Second level</a:t>
             </a:r>
           </a:p>
           <a:p>
             <a:pPr lvl="2"/>
             <a:r>
-              <a:rPr lang="en-US" smtClean="0"/>
+              <a:rPr lang="en-US"/>
               <a:t>Third level</a:t>
             </a:r>
           </a:p>
           <a:p>
             <a:pPr lvl="3"/>
             <a:r>
-              <a:rPr lang="en-US" smtClean="0"/>
+              <a:rPr lang="en-US"/>
               <a:t>Fourth level</a:t>
             </a:r>
           </a:p>
           <a:p>
             <a:pPr lvl="4"/>
             <a:r>
-              <a:rPr lang="en-US" smtClean="0"/>
+              <a:rPr lang="en-US"/>
               <a:t>Fifth level</a:t>
             </a:r>
-            <a:endParaRPr lang="en-US"/>
           </a:p>
         </p:txBody>
       </p:sp>
@@ -485,7 +481,7 @@
           <a:p>
             <a:fld id="{241EB5C9-1307-BA42-ABA2-0BC069CD8E7F}" type="datetimeFigureOut">
               <a:rPr lang="en-US" smtClean="0"/>
-              <a:t>4/5/2019</a:t>
+              <a:t>1/2/22</a:t>
             </a:fld>
             <a:endParaRPr lang="en-US"/>
           </a:p>
@@ -575,8 +571,8 @@
         </p:nvSpPr>
         <p:spPr>
           <a:xfrm>
-            <a:off x="6629400" y="274638"/>
-            <a:ext cx="2057400" cy="5851525"/>
+            <a:off x="6629400" y="205979"/>
+            <a:ext cx="2057400" cy="4388644"/>
           </a:xfrm>
         </p:spPr>
         <p:txBody>
@@ -584,10 +580,9 @@
           <a:lstStyle/>
           <a:p>
             <a:r>
-              <a:rPr lang="en-US" smtClean="0"/>
+              <a:rPr lang="en-US"/>
               <a:t>Click to edit Master title style</a:t>
             </a:r>
-            <a:endParaRPr lang="en-US"/>
           </a:p>
         </p:txBody>
       </p:sp>
@@ -603,8 +598,8 @@
         </p:nvSpPr>
         <p:spPr>
           <a:xfrm>
-            <a:off x="457200" y="274638"/>
-            <a:ext cx="6019800" cy="5851525"/>
+            <a:off x="457200" y="205979"/>
+            <a:ext cx="6019800" cy="4388644"/>
           </a:xfrm>
         </p:spPr>
         <p:txBody>
@@ -613,38 +608,37 @@
           <a:p>
             <a:pPr lvl="0"/>
             <a:r>
-              <a:rPr lang="en-US" smtClean="0"/>
+              <a:rPr lang="en-US"/>
               <a:t>Click to edit Master text styles</a:t>
             </a:r>
           </a:p>
           <a:p>
             <a:pPr lvl="1"/>
             <a:r>
-              <a:rPr lang="en-US" smtClean="0"/>
+              <a:rPr lang="en-US"/>
               <a:t>Second level</a:t>
             </a:r>
           </a:p>
           <a:p>
             <a:pPr lvl="2"/>
             <a:r>
-              <a:rPr lang="en-US" smtClean="0"/>
+              <a:rPr lang="en-US"/>
               <a:t>Third level</a:t>
             </a:r>
           </a:p>
           <a:p>
             <a:pPr lvl="3"/>
             <a:r>
-              <a:rPr lang="en-US" smtClean="0"/>
+              <a:rPr lang="en-US"/>
               <a:t>Fourth level</a:t>
             </a:r>
           </a:p>
           <a:p>
             <a:pPr lvl="4"/>
             <a:r>
-              <a:rPr lang="en-US" smtClean="0"/>
+              <a:rPr lang="en-US"/>
               <a:t>Fifth level</a:t>
             </a:r>
-            <a:endParaRPr lang="en-US"/>
           </a:p>
         </p:txBody>
       </p:sp>
@@ -665,7 +659,7 @@
           <a:p>
             <a:fld id="{241EB5C9-1307-BA42-ABA2-0BC069CD8E7F}" type="datetimeFigureOut">
               <a:rPr lang="en-US" smtClean="0"/>
-              <a:t>4/5/2019</a:t>
+              <a:t>1/2/22</a:t>
             </a:fld>
             <a:endParaRPr lang="en-US"/>
           </a:p>
@@ -759,10 +753,9 @@
           <a:lstStyle/>
           <a:p>
             <a:r>
-              <a:rPr lang="en-US" smtClean="0"/>
+              <a:rPr lang="en-US"/>
               <a:t>Click to edit Master title style</a:t>
             </a:r>
-            <a:endParaRPr lang="en-US"/>
           </a:p>
         </p:txBody>
       </p:sp>
@@ -783,38 +776,37 @@
           <a:p>
             <a:pPr lvl="0"/>
             <a:r>
-              <a:rPr lang="en-US" smtClean="0"/>
+              <a:rPr lang="en-US"/>
               <a:t>Click to edit Master text styles</a:t>
             </a:r>
           </a:p>
           <a:p>
             <a:pPr lvl="1"/>
             <a:r>
-              <a:rPr lang="en-US" smtClean="0"/>
+              <a:rPr lang="en-US"/>
               <a:t>Second level</a:t>
             </a:r>
           </a:p>
           <a:p>
             <a:pPr lvl="2"/>
             <a:r>
-              <a:rPr lang="en-US" smtClean="0"/>
+              <a:rPr lang="en-US"/>
               <a:t>Third level</a:t>
             </a:r>
           </a:p>
           <a:p>
             <a:pPr lvl="3"/>
             <a:r>
-              <a:rPr lang="en-US" smtClean="0"/>
+              <a:rPr lang="en-US"/>
               <a:t>Fourth level</a:t>
             </a:r>
           </a:p>
           <a:p>
             <a:pPr lvl="4"/>
             <a:r>
-              <a:rPr lang="en-US" smtClean="0"/>
+              <a:rPr lang="en-US"/>
               <a:t>Fifth level</a:t>
             </a:r>
-            <a:endParaRPr lang="en-US"/>
           </a:p>
         </p:txBody>
       </p:sp>
@@ -835,7 +827,7 @@
           <a:p>
             <a:fld id="{241EB5C9-1307-BA42-ABA2-0BC069CD8E7F}" type="datetimeFigureOut">
               <a:rPr lang="en-US" smtClean="0"/>
-              <a:t>4/5/2019</a:t>
+              <a:t>1/2/22</a:t>
             </a:fld>
             <a:endParaRPr lang="en-US"/>
           </a:p>
@@ -925,23 +917,22 @@
         </p:nvSpPr>
         <p:spPr>
           <a:xfrm>
-            <a:off x="722313" y="4406900"/>
-            <a:ext cx="7772400" cy="1362075"/>
+            <a:off x="722313" y="3305176"/>
+            <a:ext cx="7772400" cy="1021556"/>
           </a:xfrm>
         </p:spPr>
         <p:txBody>
           <a:bodyPr anchor="t"/>
           <a:lstStyle>
             <a:lvl1pPr algn="l">
-              <a:defRPr sz="4000" b="1" cap="all"/>
+              <a:defRPr sz="3000" b="1" cap="all"/>
             </a:lvl1pPr>
           </a:lstStyle>
           <a:p>
             <a:r>
-              <a:rPr lang="en-US" smtClean="0"/>
+              <a:rPr lang="en-US"/>
               <a:t>Click to edit Master title style</a:t>
             </a:r>
-            <a:endParaRPr lang="en-US"/>
           </a:p>
         </p:txBody>
       </p:sp>
@@ -957,8 +948,8 @@
         </p:nvSpPr>
         <p:spPr>
           <a:xfrm>
-            <a:off x="722313" y="2906713"/>
-            <a:ext cx="7772400" cy="1500187"/>
+            <a:off x="722313" y="2180035"/>
+            <a:ext cx="7772400" cy="1125140"/>
           </a:xfrm>
         </p:spPr>
         <p:txBody>
@@ -966,7 +957,7 @@
           <a:lstStyle>
             <a:lvl1pPr marL="0" indent="0">
               <a:buNone/>
-              <a:defRPr sz="2000">
+              <a:defRPr sz="1500">
                 <a:solidFill>
                   <a:schemeClr val="tx1">
                     <a:tint val="75000"/>
@@ -974,9 +965,9 @@
                 </a:solidFill>
               </a:defRPr>
             </a:lvl1pPr>
-            <a:lvl2pPr marL="457200" indent="0">
-              <a:buNone/>
-              <a:defRPr sz="1800">
+            <a:lvl2pPr marL="342900" indent="0">
+              <a:buNone/>
+              <a:defRPr sz="1350">
                 <a:solidFill>
                   <a:schemeClr val="tx1">
                     <a:tint val="75000"/>
@@ -984,9 +975,9 @@
                 </a:solidFill>
               </a:defRPr>
             </a:lvl2pPr>
-            <a:lvl3pPr marL="914400" indent="0">
-              <a:buNone/>
-              <a:defRPr sz="1600">
+            <a:lvl3pPr marL="685800" indent="0">
+              <a:buNone/>
+              <a:defRPr sz="1200">
                 <a:solidFill>
                   <a:schemeClr val="tx1">
                     <a:tint val="75000"/>
@@ -994,9 +985,9 @@
                 </a:solidFill>
               </a:defRPr>
             </a:lvl3pPr>
-            <a:lvl4pPr marL="1371600" indent="0">
-              <a:buNone/>
-              <a:defRPr sz="1400">
+            <a:lvl4pPr marL="1028700" indent="0">
+              <a:buNone/>
+              <a:defRPr sz="1050">
                 <a:solidFill>
                   <a:schemeClr val="tx1">
                     <a:tint val="75000"/>
@@ -1004,9 +995,9 @@
                 </a:solidFill>
               </a:defRPr>
             </a:lvl4pPr>
-            <a:lvl5pPr marL="1828800" indent="0">
-              <a:buNone/>
-              <a:defRPr sz="1400">
+            <a:lvl5pPr marL="1371600" indent="0">
+              <a:buNone/>
+              <a:defRPr sz="1050">
                 <a:solidFill>
                   <a:schemeClr val="tx1">
                     <a:tint val="75000"/>
@@ -1014,9 +1005,9 @@
                 </a:solidFill>
               </a:defRPr>
             </a:lvl5pPr>
-            <a:lvl6pPr marL="2286000" indent="0">
-              <a:buNone/>
-              <a:defRPr sz="1400">
+            <a:lvl6pPr marL="1714500" indent="0">
+              <a:buNone/>
+              <a:defRPr sz="1050">
                 <a:solidFill>
                   <a:schemeClr val="tx1">
                     <a:tint val="75000"/>
@@ -1024,9 +1015,9 @@
                 </a:solidFill>
               </a:defRPr>
             </a:lvl6pPr>
-            <a:lvl7pPr marL="2743200" indent="0">
-              <a:buNone/>
-              <a:defRPr sz="1400">
+            <a:lvl7pPr marL="2057400" indent="0">
+              <a:buNone/>
+              <a:defRPr sz="1050">
                 <a:solidFill>
                   <a:schemeClr val="tx1">
                     <a:tint val="75000"/>
@@ -1034,9 +1025,9 @@
                 </a:solidFill>
               </a:defRPr>
             </a:lvl7pPr>
-            <a:lvl8pPr marL="3200400" indent="0">
-              <a:buNone/>
-              <a:defRPr sz="1400">
+            <a:lvl8pPr marL="2400300" indent="0">
+              <a:buNone/>
+              <a:defRPr sz="1050">
                 <a:solidFill>
                   <a:schemeClr val="tx1">
                     <a:tint val="75000"/>
@@ -1044,9 +1035,9 @@
                 </a:solidFill>
               </a:defRPr>
             </a:lvl8pPr>
-            <a:lvl9pPr marL="3657600" indent="0">
-              <a:buNone/>
-              <a:defRPr sz="1400">
+            <a:lvl9pPr marL="2743200" indent="0">
+              <a:buNone/>
+              <a:defRPr sz="1050">
                 <a:solidFill>
                   <a:schemeClr val="tx1">
                     <a:tint val="75000"/>
@@ -1058,7 +1049,7 @@
           <a:p>
             <a:pPr lvl="0"/>
             <a:r>
-              <a:rPr lang="en-US" smtClean="0"/>
+              <a:rPr lang="en-US"/>
               <a:t>Click to edit Master text styles</a:t>
             </a:r>
           </a:p>
@@ -1081,7 +1072,7 @@
           <a:p>
             <a:fld id="{241EB5C9-1307-BA42-ABA2-0BC069CD8E7F}" type="datetimeFigureOut">
               <a:rPr lang="en-US" smtClean="0"/>
-              <a:t>4/5/2019</a:t>
+              <a:t>1/2/22</a:t>
             </a:fld>
             <a:endParaRPr lang="en-US"/>
           </a:p>
@@ -1175,10 +1166,9 @@
           <a:lstStyle/>
           <a:p>
             <a:r>
-              <a:rPr lang="en-US" smtClean="0"/>
+              <a:rPr lang="en-US"/>
               <a:t>Click to edit Master title style</a:t>
             </a:r>
-            <a:endParaRPr lang="en-US"/>
           </a:p>
         </p:txBody>
       </p:sp>
@@ -1194,76 +1184,75 @@
         </p:nvSpPr>
         <p:spPr>
           <a:xfrm>
-            <a:off x="457200" y="1600200"/>
-            <a:ext cx="4038600" cy="4525963"/>
+            <a:off x="457200" y="1200151"/>
+            <a:ext cx="4038600" cy="3394472"/>
           </a:xfrm>
         </p:spPr>
         <p:txBody>
           <a:bodyPr/>
           <a:lstStyle>
             <a:lvl1pPr>
-              <a:defRPr sz="2800"/>
+              <a:defRPr sz="2100"/>
             </a:lvl1pPr>
             <a:lvl2pPr>
-              <a:defRPr sz="2400"/>
+              <a:defRPr sz="1800"/>
             </a:lvl2pPr>
             <a:lvl3pPr>
-              <a:defRPr sz="2000"/>
+              <a:defRPr sz="1500"/>
             </a:lvl3pPr>
             <a:lvl4pPr>
-              <a:defRPr sz="1800"/>
+              <a:defRPr sz="1350"/>
             </a:lvl4pPr>
             <a:lvl5pPr>
-              <a:defRPr sz="1800"/>
+              <a:defRPr sz="1350"/>
             </a:lvl5pPr>
             <a:lvl6pPr>
-              <a:defRPr sz="1800"/>
+              <a:defRPr sz="1350"/>
             </a:lvl6pPr>
             <a:lvl7pPr>
-              <a:defRPr sz="1800"/>
+              <a:defRPr sz="1350"/>
             </a:lvl7pPr>
             <a:lvl8pPr>
-              <a:defRPr sz="1800"/>
+              <a:defRPr sz="1350"/>
             </a:lvl8pPr>
             <a:lvl9pPr>
-              <a:defRPr sz="1800"/>
+              <a:defRPr sz="1350"/>
             </a:lvl9pPr>
           </a:lstStyle>
           <a:p>
             <a:pPr lvl="0"/>
             <a:r>
-              <a:rPr lang="en-US" smtClean="0"/>
+              <a:rPr lang="en-US"/>
               <a:t>Click to edit Master text styles</a:t>
             </a:r>
           </a:p>
           <a:p>
             <a:pPr lvl="1"/>
             <a:r>
-              <a:rPr lang="en-US" smtClean="0"/>
+              <a:rPr lang="en-US"/>
               <a:t>Second level</a:t>
             </a:r>
           </a:p>
           <a:p>
             <a:pPr lvl="2"/>
             <a:r>
-              <a:rPr lang="en-US" smtClean="0"/>
+              <a:rPr lang="en-US"/>
               <a:t>Third level</a:t>
             </a:r>
           </a:p>
           <a:p>
             <a:pPr lvl="3"/>
             <a:r>
-              <a:rPr lang="en-US" smtClean="0"/>
+              <a:rPr lang="en-US"/>
               <a:t>Fourth level</a:t>
             </a:r>
           </a:p>
           <a:p>
             <a:pPr lvl="4"/>
             <a:r>
-              <a:rPr lang="en-US" smtClean="0"/>
+              <a:rPr lang="en-US"/>
               <a:t>Fifth level</a:t>
             </a:r>
-            <a:endParaRPr lang="en-US"/>
           </a:p>
         </p:txBody>
       </p:sp>
@@ -1279,76 +1268,75 @@
         </p:nvSpPr>
         <p:spPr>
           <a:xfrm>
-            <a:off x="4648200" y="1600200"/>
-            <a:ext cx="4038600" cy="4525963"/>
+            <a:off x="4648200" y="1200151"/>
+            <a:ext cx="4038600" cy="3394472"/>
           </a:xfrm>
         </p:spPr>
         <p:txBody>
           <a:bodyPr/>
           <a:lstStyle>
             <a:lvl1pPr>
-              <a:defRPr sz="2800"/>
+              <a:defRPr sz="2100"/>
             </a:lvl1pPr>
             <a:lvl2pPr>
-              <a:defRPr sz="2400"/>
+              <a:defRPr sz="1800"/>
             </a:lvl2pPr>
             <a:lvl3pPr>
-              <a:defRPr sz="2000"/>
+              <a:defRPr sz="1500"/>
             </a:lvl3pPr>
             <a:lvl4pPr>
-              <a:defRPr sz="1800"/>
+              <a:defRPr sz="1350"/>
             </a:lvl4pPr>
             <a:lvl5pPr>
-              <a:defRPr sz="1800"/>
+              <a:defRPr sz="1350"/>
             </a:lvl5pPr>
             <a:lvl6pPr>
-              <a:defRPr sz="1800"/>
+              <a:defRPr sz="1350"/>
             </a:lvl6pPr>
             <a:lvl7pPr>
-              <a:defRPr sz="1800"/>
+              <a:defRPr sz="1350"/>
             </a:lvl7pPr>
             <a:lvl8pPr>
-              <a:defRPr sz="1800"/>
+              <a:defRPr sz="1350"/>
             </a:lvl8pPr>
             <a:lvl9pPr>
-              <a:defRPr sz="1800"/>
+              <a:defRPr sz="1350"/>
             </a:lvl9pPr>
           </a:lstStyle>
           <a:p>
             <a:pPr lvl="0"/>
             <a:r>
-              <a:rPr lang="en-US" smtClean="0"/>
+              <a:rPr lang="en-US"/>
               <a:t>Click to edit Master text styles</a:t>
             </a:r>
           </a:p>
           <a:p>
             <a:pPr lvl="1"/>
             <a:r>
-              <a:rPr lang="en-US" smtClean="0"/>
+              <a:rPr lang="en-US"/>
               <a:t>Second level</a:t>
             </a:r>
           </a:p>
           <a:p>
             <a:pPr lvl="2"/>
             <a:r>
-              <a:rPr lang="en-US" smtClean="0"/>
+              <a:rPr lang="en-US"/>
               <a:t>Third level</a:t>
             </a:r>
           </a:p>
           <a:p>
             <a:pPr lvl="3"/>
             <a:r>
-              <a:rPr lang="en-US" smtClean="0"/>
+              <a:rPr lang="en-US"/>
               <a:t>Fourth level</a:t>
             </a:r>
           </a:p>
           <a:p>
             <a:pPr lvl="4"/>
             <a:r>
-              <a:rPr lang="en-US" smtClean="0"/>
+              <a:rPr lang="en-US"/>
               <a:t>Fifth level</a:t>
             </a:r>
-            <a:endParaRPr lang="en-US"/>
           </a:p>
         </p:txBody>
       </p:sp>
@@ -1369,7 +1357,7 @@
           <a:p>
             <a:fld id="{241EB5C9-1307-BA42-ABA2-0BC069CD8E7F}" type="datetimeFigureOut">
               <a:rPr lang="en-US" smtClean="0"/>
-              <a:t>4/5/2019</a:t>
+              <a:t>1/2/22</a:t>
             </a:fld>
             <a:endParaRPr lang="en-US"/>
           </a:p>
@@ -1467,10 +1455,9 @@
           </a:lstStyle>
           <a:p>
             <a:r>
-              <a:rPr lang="en-US" smtClean="0"/>
+              <a:rPr lang="en-US"/>
               <a:t>Click to edit Master title style</a:t>
             </a:r>
-            <a:endParaRPr lang="en-US"/>
           </a:p>
         </p:txBody>
       </p:sp>
@@ -1486,8 +1473,8 @@
         </p:nvSpPr>
         <p:spPr>
           <a:xfrm>
-            <a:off x="457200" y="1535113"/>
-            <a:ext cx="4040188" cy="639762"/>
+            <a:off x="457200" y="1151335"/>
+            <a:ext cx="4040188" cy="479822"/>
           </a:xfrm>
         </p:spPr>
         <p:txBody>
@@ -1495,45 +1482,45 @@
           <a:lstStyle>
             <a:lvl1pPr marL="0" indent="0">
               <a:buNone/>
-              <a:defRPr sz="2400" b="1"/>
+              <a:defRPr sz="1800" b="1"/>
             </a:lvl1pPr>
-            <a:lvl2pPr marL="457200" indent="0">
-              <a:buNone/>
-              <a:defRPr sz="2000" b="1"/>
+            <a:lvl2pPr marL="342900" indent="0">
+              <a:buNone/>
+              <a:defRPr sz="1500" b="1"/>
             </a:lvl2pPr>
-            <a:lvl3pPr marL="914400" indent="0">
-              <a:buNone/>
-              <a:defRPr sz="1800" b="1"/>
+            <a:lvl3pPr marL="685800" indent="0">
+              <a:buNone/>
+              <a:defRPr sz="1350" b="1"/>
             </a:lvl3pPr>
-            <a:lvl4pPr marL="1371600" indent="0">
-              <a:buNone/>
-              <a:defRPr sz="1600" b="1"/>
+            <a:lvl4pPr marL="1028700" indent="0">
+              <a:buNone/>
+              <a:defRPr sz="1200" b="1"/>
             </a:lvl4pPr>
-            <a:lvl5pPr marL="1828800" indent="0">
-              <a:buNone/>
-              <a:defRPr sz="1600" b="1"/>
+            <a:lvl5pPr marL="1371600" indent="0">
+              <a:buNone/>
+              <a:defRPr sz="1200" b="1"/>
             </a:lvl5pPr>
-            <a:lvl6pPr marL="2286000" indent="0">
-              <a:buNone/>
-              <a:defRPr sz="1600" b="1"/>
+            <a:lvl6pPr marL="1714500" indent="0">
+              <a:buNone/>
+              <a:defRPr sz="1200" b="1"/>
             </a:lvl6pPr>
-            <a:lvl7pPr marL="2743200" indent="0">
-              <a:buNone/>
-              <a:defRPr sz="1600" b="1"/>
+            <a:lvl7pPr marL="2057400" indent="0">
+              <a:buNone/>
+              <a:defRPr sz="1200" b="1"/>
             </a:lvl7pPr>
-            <a:lvl8pPr marL="3200400" indent="0">
-              <a:buNone/>
-              <a:defRPr sz="1600" b="1"/>
+            <a:lvl8pPr marL="2400300" indent="0">
+              <a:buNone/>
+              <a:defRPr sz="1200" b="1"/>
             </a:lvl8pPr>
-            <a:lvl9pPr marL="3657600" indent="0">
-              <a:buNone/>
-              <a:defRPr sz="1600" b="1"/>
+            <a:lvl9pPr marL="2743200" indent="0">
+              <a:buNone/>
+              <a:defRPr sz="1200" b="1"/>
             </a:lvl9pPr>
           </a:lstStyle>
           <a:p>
             <a:pPr lvl="0"/>
             <a:r>
-              <a:rPr lang="en-US" smtClean="0"/>
+              <a:rPr lang="en-US"/>
               <a:t>Click to edit Master text styles</a:t>
             </a:r>
           </a:p>
@@ -1551,76 +1538,75 @@
         </p:nvSpPr>
         <p:spPr>
           <a:xfrm>
-            <a:off x="457200" y="2174875"/>
-            <a:ext cx="4040188" cy="3951288"/>
+            <a:off x="457200" y="1631156"/>
+            <a:ext cx="4040188" cy="2963466"/>
           </a:xfrm>
         </p:spPr>
         <p:txBody>
           <a:bodyPr/>
           <a:lstStyle>
             <a:lvl1pPr>
-              <a:defRPr sz="2400"/>
+              <a:defRPr sz="1800"/>
             </a:lvl1pPr>
             <a:lvl2pPr>
-              <a:defRPr sz="2000"/>
+              <a:defRPr sz="1500"/>
             </a:lvl2pPr>
             <a:lvl3pPr>
-              <a:defRPr sz="1800"/>
+              <a:defRPr sz="1350"/>
             </a:lvl3pPr>
             <a:lvl4pPr>
-              <a:defRPr sz="1600"/>
+              <a:defRPr sz="1200"/>
             </a:lvl4pPr>
             <a:lvl5pPr>
-              <a:defRPr sz="1600"/>
+              <a:defRPr sz="1200"/>
             </a:lvl5pPr>
             <a:lvl6pPr>
-              <a:defRPr sz="1600"/>
+              <a:defRPr sz="1200"/>
             </a:lvl6pPr>
             <a:lvl7pPr>
-              <a:defRPr sz="1600"/>
+              <a:defRPr sz="1200"/>
             </a:lvl7pPr>
             <a:lvl8pPr>
-              <a:defRPr sz="1600"/>
+              <a:defRPr sz="1200"/>
             </a:lvl8pPr>
             <a:lvl9pPr>
-              <a:defRPr sz="1600"/>
+              <a:defRPr sz="1200"/>
             </a:lvl9pPr>
           </a:lstStyle>
           <a:p>
             <a:pPr lvl="0"/>
             <a:r>
-              <a:rPr lang="en-US" smtClean="0"/>
+              <a:rPr lang="en-US"/>
               <a:t>Click to edit Master text styles</a:t>
             </a:r>
           </a:p>
           <a:p>
             <a:pPr lvl="1"/>
             <a:r>
-              <a:rPr lang="en-US" smtClean="0"/>
+              <a:rPr lang="en-US"/>
               <a:t>Second level</a:t>
             </a:r>
           </a:p>
           <a:p>
             <a:pPr lvl="2"/>
             <a:r>
-              <a:rPr lang="en-US" smtClean="0"/>
+              <a:rPr lang="en-US"/>
               <a:t>Third level</a:t>
             </a:r>
           </a:p>
           <a:p>
             <a:pPr lvl="3"/>
             <a:r>
-              <a:rPr lang="en-US" smtClean="0"/>
+              <a:rPr lang="en-US"/>
               <a:t>Fourth level</a:t>
             </a:r>
           </a:p>
           <a:p>
             <a:pPr lvl="4"/>
             <a:r>
-              <a:rPr lang="en-US" smtClean="0"/>
+              <a:rPr lang="en-US"/>
               <a:t>Fifth level</a:t>
             </a:r>
-            <a:endParaRPr lang="en-US"/>
           </a:p>
         </p:txBody>
       </p:sp>
@@ -1636,8 +1622,8 @@
         </p:nvSpPr>
         <p:spPr>
           <a:xfrm>
-            <a:off x="4645025" y="1535113"/>
-            <a:ext cx="4041775" cy="639762"/>
+            <a:off x="4645026" y="1151335"/>
+            <a:ext cx="4041775" cy="479822"/>
           </a:xfrm>
         </p:spPr>
         <p:txBody>
@@ -1645,45 +1631,45 @@
           <a:lstStyle>
             <a:lvl1pPr marL="0" indent="0">
               <a:buNone/>
-              <a:defRPr sz="2400" b="1"/>
+              <a:defRPr sz="1800" b="1"/>
             </a:lvl1pPr>
-            <a:lvl2pPr marL="457200" indent="0">
-              <a:buNone/>
-              <a:defRPr sz="2000" b="1"/>
+            <a:lvl2pPr marL="342900" indent="0">
+              <a:buNone/>
+              <a:defRPr sz="1500" b="1"/>
             </a:lvl2pPr>
-            <a:lvl3pPr marL="914400" indent="0">
-              <a:buNone/>
-              <a:defRPr sz="1800" b="1"/>
+            <a:lvl3pPr marL="685800" indent="0">
+              <a:buNone/>
+              <a:defRPr sz="1350" b="1"/>
             </a:lvl3pPr>
-            <a:lvl4pPr marL="1371600" indent="0">
-              <a:buNone/>
-              <a:defRPr sz="1600" b="1"/>
+            <a:lvl4pPr marL="1028700" indent="0">
+              <a:buNone/>
+              <a:defRPr sz="1200" b="1"/>
             </a:lvl4pPr>
-            <a:lvl5pPr marL="1828800" indent="0">
-              <a:buNone/>
-              <a:defRPr sz="1600" b="1"/>
+            <a:lvl5pPr marL="1371600" indent="0">
+              <a:buNone/>
+              <a:defRPr sz="1200" b="1"/>
             </a:lvl5pPr>
-            <a:lvl6pPr marL="2286000" indent="0">
-              <a:buNone/>
-              <a:defRPr sz="1600" b="1"/>
+            <a:lvl6pPr marL="1714500" indent="0">
+              <a:buNone/>
+              <a:defRPr sz="1200" b="1"/>
             </a:lvl6pPr>
-            <a:lvl7pPr marL="2743200" indent="0">
-              <a:buNone/>
-              <a:defRPr sz="1600" b="1"/>
+            <a:lvl7pPr marL="2057400" indent="0">
+              <a:buNone/>
+              <a:defRPr sz="1200" b="1"/>
             </a:lvl7pPr>
-            <a:lvl8pPr marL="3200400" indent="0">
-              <a:buNone/>
-              <a:defRPr sz="1600" b="1"/>
+            <a:lvl8pPr marL="2400300" indent="0">
+              <a:buNone/>
+              <a:defRPr sz="1200" b="1"/>
             </a:lvl8pPr>
-            <a:lvl9pPr marL="3657600" indent="0">
-              <a:buNone/>
-              <a:defRPr sz="1600" b="1"/>
+            <a:lvl9pPr marL="2743200" indent="0">
+              <a:buNone/>
+              <a:defRPr sz="1200" b="1"/>
             </a:lvl9pPr>
           </a:lstStyle>
           <a:p>
             <a:pPr lvl="0"/>
             <a:r>
-              <a:rPr lang="en-US" smtClean="0"/>
+              <a:rPr lang="en-US"/>
               <a:t>Click to edit Master text styles</a:t>
             </a:r>
           </a:p>
@@ -1701,76 +1687,75 @@
         </p:nvSpPr>
         <p:spPr>
           <a:xfrm>
-            <a:off x="4645025" y="2174875"/>
-            <a:ext cx="4041775" cy="3951288"/>
+            <a:off x="4645026" y="1631156"/>
+            <a:ext cx="4041775" cy="2963466"/>
           </a:xfrm>
         </p:spPr>
         <p:txBody>
           <a:bodyPr/>
           <a:lstStyle>
             <a:lvl1pPr>
-              <a:defRPr sz="2400"/>
+              <a:defRPr sz="1800"/>
             </a:lvl1pPr>
             <a:lvl2pPr>
-              <a:defRPr sz="2000"/>
+              <a:defRPr sz="1500"/>
             </a:lvl2pPr>
             <a:lvl3pPr>
-              <a:defRPr sz="1800"/>
+              <a:defRPr sz="1350"/>
             </a:lvl3pPr>
             <a:lvl4pPr>
-              <a:defRPr sz="1600"/>
+              <a:defRPr sz="1200"/>
             </a:lvl4pPr>
             <a:lvl5pPr>
-              <a:defRPr sz="1600"/>
+              <a:defRPr sz="1200"/>
             </a:lvl5pPr>
             <a:lvl6pPr>
-              <a:defRPr sz="1600"/>
+              <a:defRPr sz="1200"/>
             </a:lvl6pPr>
             <a:lvl7pPr>
-              <a:defRPr sz="1600"/>
+              <a:defRPr sz="1200"/>
             </a:lvl7pPr>
             <a:lvl8pPr>
-              <a:defRPr sz="1600"/>
+              <a:defRPr sz="1200"/>
             </a:lvl8pPr>
             <a:lvl9pPr>
-              <a:defRPr sz="1600"/>
+              <a:defRPr sz="1200"/>
             </a:lvl9pPr>
           </a:lstStyle>
           <a:p>
             <a:pPr lvl="0"/>
             <a:r>
-              <a:rPr lang="en-US" smtClean="0"/>
+              <a:rPr lang="en-US"/>
               <a:t>Click to edit Master text styles</a:t>
             </a:r>
           </a:p>
           <a:p>
             <a:pPr lvl="1"/>
             <a:r>
-              <a:rPr lang="en-US" smtClean="0"/>
+              <a:rPr lang="en-US"/>
               <a:t>Second level</a:t>
             </a:r>
           </a:p>
           <a:p>
             <a:pPr lvl="2"/>
             <a:r>
-              <a:rPr lang="en-US" smtClean="0"/>
+              <a:rPr lang="en-US"/>
               <a:t>Third level</a:t>
             </a:r>
           </a:p>
           <a:p>
             <a:pPr lvl="3"/>
             <a:r>
-              <a:rPr lang="en-US" smtClean="0"/>
+              <a:rPr lang="en-US"/>
               <a:t>Fourth level</a:t>
             </a:r>
           </a:p>
           <a:p>
             <a:pPr lvl="4"/>
             <a:r>
-              <a:rPr lang="en-US" smtClean="0"/>
+              <a:rPr lang="en-US"/>
               <a:t>Fifth level</a:t>
             </a:r>
-            <a:endParaRPr lang="en-US"/>
           </a:p>
         </p:txBody>
       </p:sp>
@@ -1791,7 +1776,7 @@
           <a:p>
             <a:fld id="{241EB5C9-1307-BA42-ABA2-0BC069CD8E7F}" type="datetimeFigureOut">
               <a:rPr lang="en-US" smtClean="0"/>
-              <a:t>4/5/2019</a:t>
+              <a:t>1/2/22</a:t>
             </a:fld>
             <a:endParaRPr lang="en-US"/>
           </a:p>
@@ -1885,10 +1870,9 @@
           <a:lstStyle/>
           <a:p>
             <a:r>
-              <a:rPr lang="en-US" smtClean="0"/>
+              <a:rPr lang="en-US"/>
               <a:t>Click to edit Master title style</a:t>
             </a:r>
-            <a:endParaRPr lang="en-US"/>
           </a:p>
         </p:txBody>
       </p:sp>
@@ -1909,7 +1893,7 @@
           <a:p>
             <a:fld id="{241EB5C9-1307-BA42-ABA2-0BC069CD8E7F}" type="datetimeFigureOut">
               <a:rPr lang="en-US" smtClean="0"/>
-              <a:t>4/5/2019</a:t>
+              <a:t>1/2/22</a:t>
             </a:fld>
             <a:endParaRPr lang="en-US"/>
           </a:p>
@@ -2004,7 +1988,7 @@
           <a:p>
             <a:fld id="{241EB5C9-1307-BA42-ABA2-0BC069CD8E7F}" type="datetimeFigureOut">
               <a:rPr lang="en-US" smtClean="0"/>
-              <a:t>4/5/2019</a:t>
+              <a:t>1/2/22</a:t>
             </a:fld>
             <a:endParaRPr lang="en-US"/>
           </a:p>
@@ -2094,23 +2078,22 @@
         </p:nvSpPr>
         <p:spPr>
           <a:xfrm>
-            <a:off x="457200" y="273050"/>
-            <a:ext cx="3008313" cy="1162050"/>
+            <a:off x="457201" y="204787"/>
+            <a:ext cx="3008313" cy="871538"/>
           </a:xfrm>
         </p:spPr>
         <p:txBody>
           <a:bodyPr anchor="b"/>
           <a:lstStyle>
             <a:lvl1pPr algn="l">
-              <a:defRPr sz="2000" b="1"/>
+              <a:defRPr sz="1500" b="1"/>
             </a:lvl1pPr>
           </a:lstStyle>
           <a:p>
             <a:r>
-              <a:rPr lang="en-US" smtClean="0"/>
+              <a:rPr lang="en-US"/>
               <a:t>Click to edit Master title style</a:t>
             </a:r>
-            <a:endParaRPr lang="en-US"/>
           </a:p>
         </p:txBody>
       </p:sp>
@@ -2126,76 +2109,75 @@
         </p:nvSpPr>
         <p:spPr>
           <a:xfrm>
-            <a:off x="3575050" y="273050"/>
-            <a:ext cx="5111750" cy="5853113"/>
+            <a:off x="3575050" y="204788"/>
+            <a:ext cx="5111750" cy="4389835"/>
           </a:xfrm>
         </p:spPr>
         <p:txBody>
           <a:bodyPr/>
           <a:lstStyle>
             <a:lvl1pPr>
-              <a:defRPr sz="3200"/>
+              <a:defRPr sz="2400"/>
             </a:lvl1pPr>
             <a:lvl2pPr>
-              <a:defRPr sz="2800"/>
+              <a:defRPr sz="2100"/>
             </a:lvl2pPr>
             <a:lvl3pPr>
-              <a:defRPr sz="2400"/>
+              <a:defRPr sz="1800"/>
             </a:lvl3pPr>
             <a:lvl4pPr>
-              <a:defRPr sz="2000"/>
+              <a:defRPr sz="1500"/>
             </a:lvl4pPr>
             <a:lvl5pPr>
-              <a:defRPr sz="2000"/>
+              <a:defRPr sz="1500"/>
             </a:lvl5pPr>
             <a:lvl6pPr>
-              <a:defRPr sz="2000"/>
+              <a:defRPr sz="1500"/>
             </a:lvl6pPr>
             <a:lvl7pPr>
-              <a:defRPr sz="2000"/>
+              <a:defRPr sz="1500"/>
             </a:lvl7pPr>
             <a:lvl8pPr>
-              <a:defRPr sz="2000"/>
+              <a:defRPr sz="1500"/>
             </a:lvl8pPr>
             <a:lvl9pPr>
-              <a:defRPr sz="2000"/>
+              <a:defRPr sz="1500"/>
             </a:lvl9pPr>
           </a:lstStyle>
           <a:p>
             <a:pPr lvl="0"/>
             <a:r>
-              <a:rPr lang="en-US" smtClean="0"/>
+              <a:rPr lang="en-US"/>
               <a:t>Click to edit Master text styles</a:t>
             </a:r>
           </a:p>
           <a:p>
             <a:pPr lvl="1"/>
             <a:r>
-              <a:rPr lang="en-US" smtClean="0"/>
+              <a:rPr lang="en-US"/>
               <a:t>Second level</a:t>
             </a:r>
           </a:p>
           <a:p>
             <a:pPr lvl="2"/>
             <a:r>
-              <a:rPr lang="en-US" smtClean="0"/>
+              <a:rPr lang="en-US"/>
               <a:t>Third level</a:t>
             </a:r>
           </a:p>
           <a:p>
             <a:pPr lvl="3"/>
             <a:r>
-              <a:rPr lang="en-US" smtClean="0"/>
+              <a:rPr lang="en-US"/>
               <a:t>Fourth level</a:t>
             </a:r>
           </a:p>
           <a:p>
             <a:pPr lvl="4"/>
             <a:r>
-              <a:rPr lang="en-US" smtClean="0"/>
+              <a:rPr lang="en-US"/>
               <a:t>Fifth level</a:t>
             </a:r>
-            <a:endParaRPr lang="en-US"/>
           </a:p>
         </p:txBody>
       </p:sp>
@@ -2211,8 +2193,8 @@
         </p:nvSpPr>
         <p:spPr>
           <a:xfrm>
-            <a:off x="457200" y="1435100"/>
-            <a:ext cx="3008313" cy="4691063"/>
+            <a:off x="457201" y="1076326"/>
+            <a:ext cx="3008313" cy="3518297"/>
           </a:xfrm>
         </p:spPr>
         <p:txBody>
@@ -2220,45 +2202,45 @@
           <a:lstStyle>
             <a:lvl1pPr marL="0" indent="0">
               <a:buNone/>
-              <a:defRPr sz="1400"/>
+              <a:defRPr sz="1050"/>
             </a:lvl1pPr>
-            <a:lvl2pPr marL="457200" indent="0">
-              <a:buNone/>
-              <a:defRPr sz="1200"/>
+            <a:lvl2pPr marL="342900" indent="0">
+              <a:buNone/>
+              <a:defRPr sz="900"/>
             </a:lvl2pPr>
-            <a:lvl3pPr marL="914400" indent="0">
-              <a:buNone/>
-              <a:defRPr sz="1000"/>
+            <a:lvl3pPr marL="685800" indent="0">
+              <a:buNone/>
+              <a:defRPr sz="750"/>
             </a:lvl3pPr>
-            <a:lvl4pPr marL="1371600" indent="0">
-              <a:buNone/>
-              <a:defRPr sz="900"/>
+            <a:lvl4pPr marL="1028700" indent="0">
+              <a:buNone/>
+              <a:defRPr sz="675"/>
             </a:lvl4pPr>
-            <a:lvl5pPr marL="1828800" indent="0">
-              <a:buNone/>
-              <a:defRPr sz="900"/>
+            <a:lvl5pPr marL="1371600" indent="0">
+              <a:buNone/>
+              <a:defRPr sz="675"/>
             </a:lvl5pPr>
-            <a:lvl6pPr marL="2286000" indent="0">
-              <a:buNone/>
-              <a:defRPr sz="900"/>
+            <a:lvl6pPr marL="1714500" indent="0">
+              <a:buNone/>
+              <a:defRPr sz="675"/>
             </a:lvl6pPr>
-            <a:lvl7pPr marL="2743200" indent="0">
-              <a:buNone/>
-              <a:defRPr sz="900"/>
+            <a:lvl7pPr marL="2057400" indent="0">
+              <a:buNone/>
+              <a:defRPr sz="675"/>
             </a:lvl7pPr>
-            <a:lvl8pPr marL="3200400" indent="0">
-              <a:buNone/>
-              <a:defRPr sz="900"/>
+            <a:lvl8pPr marL="2400300" indent="0">
+              <a:buNone/>
+              <a:defRPr sz="675"/>
             </a:lvl8pPr>
-            <a:lvl9pPr marL="3657600" indent="0">
-              <a:buNone/>
-              <a:defRPr sz="900"/>
+            <a:lvl9pPr marL="2743200" indent="0">
+              <a:buNone/>
+              <a:defRPr sz="675"/>
             </a:lvl9pPr>
           </a:lstStyle>
           <a:p>
             <a:pPr lvl="0"/>
             <a:r>
-              <a:rPr lang="en-US" smtClean="0"/>
+              <a:rPr lang="en-US"/>
               <a:t>Click to edit Master text styles</a:t>
             </a:r>
           </a:p>
@@ -2281,7 +2263,7 @@
           <a:p>
             <a:fld id="{241EB5C9-1307-BA42-ABA2-0BC069CD8E7F}" type="datetimeFigureOut">
               <a:rPr lang="en-US" smtClean="0"/>
-              <a:t>4/5/2019</a:t>
+              <a:t>1/2/22</a:t>
             </a:fld>
             <a:endParaRPr lang="en-US"/>
           </a:p>
@@ -2371,23 +2353,22 @@
         </p:nvSpPr>
         <p:spPr>
           <a:xfrm>
-            <a:off x="1792288" y="4800600"/>
-            <a:ext cx="5486400" cy="566738"/>
+            <a:off x="1792288" y="3600450"/>
+            <a:ext cx="5486400" cy="425054"/>
           </a:xfrm>
         </p:spPr>
         <p:txBody>
           <a:bodyPr anchor="b"/>
           <a:lstStyle>
             <a:lvl1pPr algn="l">
-              <a:defRPr sz="2000" b="1"/>
+              <a:defRPr sz="1500" b="1"/>
             </a:lvl1pPr>
           </a:lstStyle>
           <a:p>
             <a:r>
-              <a:rPr lang="en-US" smtClean="0"/>
+              <a:rPr lang="en-US"/>
               <a:t>Click to edit Master title style</a:t>
             </a:r>
-            <a:endParaRPr lang="en-US"/>
           </a:p>
         </p:txBody>
       </p:sp>
@@ -2403,8 +2384,8 @@
         </p:nvSpPr>
         <p:spPr>
           <a:xfrm>
-            <a:off x="1792288" y="612775"/>
-            <a:ext cx="5486400" cy="4114800"/>
+            <a:off x="1792288" y="459581"/>
+            <a:ext cx="5486400" cy="3086100"/>
           </a:xfrm>
         </p:spPr>
         <p:txBody>
@@ -2412,39 +2393,39 @@
           <a:lstStyle>
             <a:lvl1pPr marL="0" indent="0">
               <a:buNone/>
-              <a:defRPr sz="3200"/>
+              <a:defRPr sz="2400"/>
             </a:lvl1pPr>
-            <a:lvl2pPr marL="457200" indent="0">
-              <a:buNone/>
-              <a:defRPr sz="2800"/>
+            <a:lvl2pPr marL="342900" indent="0">
+              <a:buNone/>
+              <a:defRPr sz="2100"/>
             </a:lvl2pPr>
-            <a:lvl3pPr marL="914400" indent="0">
-              <a:buNone/>
-              <a:defRPr sz="2400"/>
+            <a:lvl3pPr marL="685800" indent="0">
+              <a:buNone/>
+              <a:defRPr sz="1800"/>
             </a:lvl3pPr>
-            <a:lvl4pPr marL="1371600" indent="0">
-              <a:buNone/>
-              <a:defRPr sz="2000"/>
+            <a:lvl4pPr marL="1028700" indent="0">
+              <a:buNone/>
+              <a:defRPr sz="1500"/>
             </a:lvl4pPr>
-            <a:lvl5pPr marL="1828800" indent="0">
-              <a:buNone/>
-              <a:defRPr sz="2000"/>
+            <a:lvl5pPr marL="1371600" indent="0">
+              <a:buNone/>
+              <a:defRPr sz="1500"/>
             </a:lvl5pPr>
-            <a:lvl6pPr marL="2286000" indent="0">
-              <a:buNone/>
-              <a:defRPr sz="2000"/>
+            <a:lvl6pPr marL="1714500" indent="0">
+              <a:buNone/>
+              <a:defRPr sz="1500"/>
             </a:lvl6pPr>
-            <a:lvl7pPr marL="2743200" indent="0">
-              <a:buNone/>
-              <a:defRPr sz="2000"/>
+            <a:lvl7pPr marL="2057400" indent="0">
+              <a:buNone/>
+              <a:defRPr sz="1500"/>
             </a:lvl7pPr>
-            <a:lvl8pPr marL="3200400" indent="0">
-              <a:buNone/>
-              <a:defRPr sz="2000"/>
+            <a:lvl8pPr marL="2400300" indent="0">
+              <a:buNone/>
+              <a:defRPr sz="1500"/>
             </a:lvl8pPr>
-            <a:lvl9pPr marL="3657600" indent="0">
-              <a:buNone/>
-              <a:defRPr sz="2000"/>
+            <a:lvl9pPr marL="2743200" indent="0">
+              <a:buNone/>
+              <a:defRPr sz="1500"/>
             </a:lvl9pPr>
           </a:lstStyle>
           <a:p>
@@ -2464,8 +2445,8 @@
         </p:nvSpPr>
         <p:spPr>
           <a:xfrm>
-            <a:off x="1792288" y="5367338"/>
-            <a:ext cx="5486400" cy="804862"/>
+            <a:off x="1792288" y="4025503"/>
+            <a:ext cx="5486400" cy="603647"/>
           </a:xfrm>
         </p:spPr>
         <p:txBody>
@@ -2473,45 +2454,45 @@
           <a:lstStyle>
             <a:lvl1pPr marL="0" indent="0">
               <a:buNone/>
-              <a:defRPr sz="1400"/>
+              <a:defRPr sz="1050"/>
             </a:lvl1pPr>
-            <a:lvl2pPr marL="457200" indent="0">
-              <a:buNone/>
-              <a:defRPr sz="1200"/>
+            <a:lvl2pPr marL="342900" indent="0">
+              <a:buNone/>
+              <a:defRPr sz="900"/>
             </a:lvl2pPr>
-            <a:lvl3pPr marL="914400" indent="0">
-              <a:buNone/>
-              <a:defRPr sz="1000"/>
+            <a:lvl3pPr marL="685800" indent="0">
+              <a:buNone/>
+              <a:defRPr sz="750"/>
             </a:lvl3pPr>
-            <a:lvl4pPr marL="1371600" indent="0">
-              <a:buNone/>
-              <a:defRPr sz="900"/>
+            <a:lvl4pPr marL="1028700" indent="0">
+              <a:buNone/>
+              <a:defRPr sz="675"/>
             </a:lvl4pPr>
-            <a:lvl5pPr marL="1828800" indent="0">
-              <a:buNone/>
-              <a:defRPr sz="900"/>
+            <a:lvl5pPr marL="1371600" indent="0">
+              <a:buNone/>
+              <a:defRPr sz="675"/>
             </a:lvl5pPr>
-            <a:lvl6pPr marL="2286000" indent="0">
-              <a:buNone/>
-              <a:defRPr sz="900"/>
+            <a:lvl6pPr marL="1714500" indent="0">
+              <a:buNone/>
+              <a:defRPr sz="675"/>
             </a:lvl6pPr>
-            <a:lvl7pPr marL="2743200" indent="0">
-              <a:buNone/>
-              <a:defRPr sz="900"/>
+            <a:lvl7pPr marL="2057400" indent="0">
+              <a:buNone/>
+              <a:defRPr sz="675"/>
             </a:lvl7pPr>
-            <a:lvl8pPr marL="3200400" indent="0">
-              <a:buNone/>
-              <a:defRPr sz="900"/>
+            <a:lvl8pPr marL="2400300" indent="0">
+              <a:buNone/>
+              <a:defRPr sz="675"/>
             </a:lvl8pPr>
-            <a:lvl9pPr marL="3657600" indent="0">
-              <a:buNone/>
-              <a:defRPr sz="900"/>
+            <a:lvl9pPr marL="2743200" indent="0">
+              <a:buNone/>
+              <a:defRPr sz="675"/>
             </a:lvl9pPr>
           </a:lstStyle>
           <a:p>
             <a:pPr lvl="0"/>
             <a:r>
-              <a:rPr lang="en-US" smtClean="0"/>
+              <a:rPr lang="en-US"/>
               <a:t>Click to edit Master text styles</a:t>
             </a:r>
           </a:p>
@@ -2534,7 +2515,7 @@
           <a:p>
             <a:fld id="{241EB5C9-1307-BA42-ABA2-0BC069CD8E7F}" type="datetimeFigureOut">
               <a:rPr lang="en-US" smtClean="0"/>
-              <a:t>4/5/2019</a:t>
+              <a:t>1/2/22</a:t>
             </a:fld>
             <a:endParaRPr lang="en-US"/>
           </a:p>
@@ -2596,7 +2577,7 @@
 </file>
 
 <file path=ppt/slideMasters/slideMaster1.xml><?xml version="1.0" encoding="utf-8"?>
-<p:sldMaster xmlns:a="http://schemas.openxmlformats.org/drawingml/2006/main" xmlns:r="http://schemas.openxmlformats.org/officeDocument/2006/relationships" xmlns:p="http://schemas.openxmlformats.org/presentationml/2006/main">
+<p:sldMaster xmlns:a="http://schemas.openxmlformats.org/drawingml/2006/main" xmlns:p="http://schemas.openxmlformats.org/presentationml/2006/main" xmlns:r="http://schemas.openxmlformats.org/officeDocument/2006/relationships">
   <p:cSld>
     <p:bg>
       <p:bgRef idx="1001">
@@ -2629,24 +2610,23 @@
         </p:nvSpPr>
         <p:spPr>
           <a:xfrm>
-            <a:off x="457200" y="274638"/>
-            <a:ext cx="8229600" cy="1143000"/>
+            <a:off x="457200" y="205979"/>
+            <a:ext cx="8229600" cy="857250"/>
           </a:xfrm>
           <a:prstGeom prst="rect">
             <a:avLst/>
           </a:prstGeom>
         </p:spPr>
         <p:txBody>
-          <a:bodyPr vert="horz" lIns="91440" tIns="45720" rIns="91440" bIns="45720" rtlCol="0" anchor="ctr">
+          <a:bodyPr anchor="ctr" bIns="45720" lIns="91440" rIns="91440" rtlCol="0" tIns="45720" vert="horz">
             <a:normAutofit/>
           </a:bodyPr>
           <a:lstStyle/>
           <a:p>
             <a:r>
-              <a:rPr lang="en-US" smtClean="0"/>
+              <a:rPr lang="en-US"/>
               <a:t>Click to edit Master title style</a:t>
             </a:r>
-            <a:endParaRPr lang="en-US"/>
           </a:p>
         </p:txBody>
       </p:sp>
@@ -2657,58 +2637,57 @@
             <a:spLocks noGrp="1"/>
           </p:cNvSpPr>
           <p:nvPr>
-            <p:ph type="body" idx="1"/>
+            <p:ph idx="1" type="body"/>
           </p:nvPr>
         </p:nvSpPr>
         <p:spPr>
           <a:xfrm>
-            <a:off x="457200" y="1600200"/>
-            <a:ext cx="8229600" cy="4525963"/>
+            <a:off x="457200" y="1200151"/>
+            <a:ext cx="8229600" cy="3394472"/>
           </a:xfrm>
           <a:prstGeom prst="rect">
             <a:avLst/>
           </a:prstGeom>
         </p:spPr>
         <p:txBody>
-          <a:bodyPr vert="horz" lIns="91440" tIns="45720" rIns="91440" bIns="45720" rtlCol="0">
+          <a:bodyPr bIns="45720" lIns="91440" rIns="91440" rtlCol="0" tIns="45720" vert="horz">
             <a:normAutofit/>
           </a:bodyPr>
           <a:lstStyle/>
           <a:p>
             <a:pPr lvl="0"/>
             <a:r>
-              <a:rPr lang="en-US" smtClean="0"/>
+              <a:rPr lang="en-US"/>
               <a:t>Click to edit Master text styles</a:t>
             </a:r>
           </a:p>
           <a:p>
             <a:pPr lvl="1"/>
             <a:r>
-              <a:rPr lang="en-US" smtClean="0"/>
+              <a:rPr lang="en-US"/>
               <a:t>Second level</a:t>
             </a:r>
           </a:p>
           <a:p>
             <a:pPr lvl="2"/>
             <a:r>
-              <a:rPr lang="en-US" smtClean="0"/>
+              <a:rPr lang="en-US"/>
               <a:t>Third level</a:t>
             </a:r>
           </a:p>
           <a:p>
             <a:pPr lvl="3"/>
             <a:r>
-              <a:rPr lang="en-US" smtClean="0"/>
+              <a:rPr lang="en-US"/>
               <a:t>Fourth level</a:t>
             </a:r>
           </a:p>
           <a:p>
             <a:pPr lvl="4"/>
             <a:r>
-              <a:rPr lang="en-US" smtClean="0"/>
+              <a:rPr lang="en-US"/>
               <a:t>Fifth level</a:t>
             </a:r>
-            <a:endParaRPr lang="en-US"/>
           </a:p>
         </p:txBody>
       </p:sp>
@@ -2719,23 +2698,23 @@
             <a:spLocks noGrp="1"/>
           </p:cNvSpPr>
           <p:nvPr>
-            <p:ph type="dt" sz="half" idx="2"/>
+            <p:ph idx="2" sz="half" type="dt"/>
           </p:nvPr>
         </p:nvSpPr>
         <p:spPr>
           <a:xfrm>
-            <a:off x="457200" y="6356350"/>
-            <a:ext cx="2133600" cy="365125"/>
+            <a:off x="457200" y="4767263"/>
+            <a:ext cx="2133600" cy="273844"/>
           </a:xfrm>
           <a:prstGeom prst="rect">
             <a:avLst/>
           </a:prstGeom>
         </p:spPr>
         <p:txBody>
-          <a:bodyPr vert="horz" lIns="91440" tIns="45720" rIns="91440" bIns="45720" rtlCol="0" anchor="ctr"/>
+          <a:bodyPr anchor="ctr" bIns="45720" lIns="91440" rIns="91440" rtlCol="0" tIns="45720" vert="horz"/>
           <a:lstStyle>
             <a:lvl1pPr algn="l">
-              <a:defRPr sz="1200">
+              <a:defRPr sz="900">
                 <a:solidFill>
                   <a:schemeClr val="tx1">
                     <a:tint val="75000"/>
@@ -2747,7 +2726,7 @@
           <a:p>
             <a:fld id="{241EB5C9-1307-BA42-ABA2-0BC069CD8E7F}" type="datetimeFigureOut">
               <a:rPr lang="en-US" smtClean="0"/>
-              <a:t>4/5/2019</a:t>
+              <a:t>1/2/22</a:t>
             </a:fld>
             <a:endParaRPr lang="en-US"/>
           </a:p>
@@ -2760,23 +2739,23 @@
             <a:spLocks noGrp="1"/>
           </p:cNvSpPr>
           <p:nvPr>
-            <p:ph type="ftr" sz="quarter" idx="3"/>
+            <p:ph idx="3" sz="quarter" type="ftr"/>
           </p:nvPr>
         </p:nvSpPr>
         <p:spPr>
           <a:xfrm>
-            <a:off x="3124200" y="6356350"/>
-            <a:ext cx="2895600" cy="365125"/>
+            <a:off x="3124200" y="4767263"/>
+            <a:ext cx="2895600" cy="273844"/>
           </a:xfrm>
           <a:prstGeom prst="rect">
             <a:avLst/>
           </a:prstGeom>
         </p:spPr>
         <p:txBody>
-          <a:bodyPr vert="horz" lIns="91440" tIns="45720" rIns="91440" bIns="45720" rtlCol="0" anchor="ctr"/>
+          <a:bodyPr anchor="ctr" bIns="45720" lIns="91440" rIns="91440" rtlCol="0" tIns="45720" vert="horz"/>
           <a:lstStyle>
             <a:lvl1pPr algn="ctr">
-              <a:defRPr sz="1200">
+              <a:defRPr sz="900">
                 <a:solidFill>
                   <a:schemeClr val="tx1">
                     <a:tint val="75000"/>
@@ -2797,23 +2776,23 @@
             <a:spLocks noGrp="1"/>
           </p:cNvSpPr>
           <p:nvPr>
-            <p:ph type="sldNum" sz="quarter" idx="4"/>
+            <p:ph idx="4" sz="quarter" type="sldNum"/>
           </p:nvPr>
         </p:nvSpPr>
         <p:spPr>
           <a:xfrm>
-            <a:off x="6553200" y="6356350"/>
-            <a:ext cx="2133600" cy="365125"/>
+            <a:off x="6553200" y="4767263"/>
+            <a:ext cx="2133600" cy="273844"/>
           </a:xfrm>
           <a:prstGeom prst="rect">
             <a:avLst/>
           </a:prstGeom>
         </p:spPr>
         <p:txBody>
-          <a:bodyPr vert="horz" lIns="91440" tIns="45720" rIns="91440" bIns="45720" rtlCol="0" anchor="ctr"/>
+          <a:bodyPr anchor="ctr" bIns="45720" lIns="91440" rIns="91440" rtlCol="0" tIns="45720" vert="horz"/>
           <a:lstStyle>
             <a:lvl1pPr algn="r">
-              <a:defRPr sz="1200">
+              <a:defRPr sz="900">
                 <a:solidFill>
                   <a:schemeClr val="tx1">
                     <a:tint val="75000"/>
@@ -2838,7 +2817,7 @@
       </p:ext>
     </p:extLst>
   </p:cSld>
-  <p:clrMap bg1="lt1" tx1="dk1" bg2="lt2" tx2="dk2" accent1="accent1" accent2="accent2" accent3="accent3" accent4="accent4" accent5="accent5" accent6="accent6" hlink="hlink" folHlink="folHlink"/>
+  <p:clrMap accent1="accent1" accent2="accent2" accent3="accent3" accent4="accent4" accent5="accent5" accent6="accent6" bg1="lt1" bg2="lt2" folHlink="folHlink" hlink="hlink" tx1="dk1" tx2="dk2"/>
   <p:sldLayoutIdLst>
     <p:sldLayoutId id="2147483649" r:id="rId1"/>
     <p:sldLayoutId id="2147483650" r:id="rId2"/>
@@ -2854,12 +2833,12 @@
   </p:sldLayoutIdLst>
   <p:txStyles>
     <p:titleStyle>
-      <a:lvl1pPr algn="ctr" defTabSz="457200" rtl="0" eaLnBrk="1" latinLnBrk="0" hangingPunct="1">
+      <a:lvl1pPr algn="ctr" defTabSz="342900" eaLnBrk="1" hangingPunct="1" latinLnBrk="0" rtl="0">
         <a:spcBef>
           <a:spcPct val="0"/>
         </a:spcBef>
         <a:buNone/>
-        <a:defRPr sz="4400" kern="1200">
+        <a:defRPr kern="1200" sz="3300">
           <a:solidFill>
             <a:schemeClr val="tx1"/>
           </a:solidFill>
@@ -2870,13 +2849,13 @@
       </a:lvl1pPr>
     </p:titleStyle>
     <p:bodyStyle>
-      <a:lvl1pPr marL="342900" indent="-342900" algn="l" defTabSz="457200" rtl="0" eaLnBrk="1" latinLnBrk="0" hangingPunct="1">
+      <a:lvl1pPr algn="l" defTabSz="342900" eaLnBrk="1" hangingPunct="1" indent="-342900" latinLnBrk="0" marL="342900" rtl="0">
         <a:spcBef>
           <a:spcPct val="20000"/>
         </a:spcBef>
         <a:buFont typeface="Arial"/>
         <a:buChar char="•"/>
-        <a:defRPr sz="3200" kern="1200">
+        <a:defRPr kern="1200" sz="2400">
           <a:solidFill>
             <a:schemeClr val="tx1"/>
           </a:solidFill>
@@ -2885,13 +2864,13 @@
           <a:cs typeface="+mn-cs"/>
         </a:defRPr>
       </a:lvl1pPr>
-      <a:lvl2pPr marL="742950" indent="-285750" algn="l" defTabSz="457200" rtl="0" eaLnBrk="1" latinLnBrk="0" hangingPunct="1">
+      <a:lvl2pPr algn="l" defTabSz="342900" eaLnBrk="1" hangingPunct="1" indent="-342900" latinLnBrk="0" marL="685800" rtl="0">
         <a:spcBef>
           <a:spcPct val="20000"/>
         </a:spcBef>
         <a:buFont typeface="Arial"/>
         <a:buChar char="–"/>
-        <a:defRPr sz="2800" kern="1200">
+        <a:defRPr kern="1200" sz="2100">
           <a:solidFill>
             <a:schemeClr val="tx1"/>
           </a:solidFill>
@@ -2900,13 +2879,13 @@
           <a:cs typeface="+mn-cs"/>
         </a:defRPr>
       </a:lvl2pPr>
-      <a:lvl3pPr marL="1143000" indent="-228600" algn="l" defTabSz="457200" rtl="0" eaLnBrk="1" latinLnBrk="0" hangingPunct="1">
+      <a:lvl3pPr algn="l" defTabSz="342900" eaLnBrk="1" hangingPunct="1" indent="-342900" latinLnBrk="0" marL="1028700" rtl="0">
         <a:spcBef>
           <a:spcPct val="20000"/>
         </a:spcBef>
         <a:buFont typeface="Arial"/>
         <a:buChar char="•"/>
-        <a:defRPr sz="2400" kern="1200">
+        <a:defRPr kern="1200" sz="1800">
           <a:solidFill>
             <a:schemeClr val="tx1"/>
           </a:solidFill>
@@ -2915,13 +2894,13 @@
           <a:cs typeface="+mn-cs"/>
         </a:defRPr>
       </a:lvl3pPr>
-      <a:lvl4pPr marL="1600200" indent="-228600" algn="l" defTabSz="457200" rtl="0" eaLnBrk="1" latinLnBrk="0" hangingPunct="1">
+      <a:lvl4pPr algn="l" defTabSz="342900" eaLnBrk="1" hangingPunct="1" indent="-342900" latinLnBrk="0" marL="1371600" rtl="0">
         <a:spcBef>
           <a:spcPct val="20000"/>
         </a:spcBef>
         <a:buFont typeface="Arial"/>
         <a:buChar char="–"/>
-        <a:defRPr sz="2000" kern="1200">
+        <a:defRPr kern="1200" sz="1500">
           <a:solidFill>
             <a:schemeClr val="tx1"/>
           </a:solidFill>
@@ -2930,13 +2909,13 @@
           <a:cs typeface="+mn-cs"/>
         </a:defRPr>
       </a:lvl4pPr>
-      <a:lvl5pPr marL="2057400" indent="-228600" algn="l" defTabSz="457200" rtl="0" eaLnBrk="1" latinLnBrk="0" hangingPunct="1">
+      <a:lvl5pPr algn="l" defTabSz="342900" eaLnBrk="1" hangingPunct="1" indent="-342900" latinLnBrk="0" marL="1714500" rtl="0">
         <a:spcBef>
           <a:spcPct val="20000"/>
         </a:spcBef>
         <a:buFont typeface="Arial"/>
         <a:buChar char="»"/>
-        <a:defRPr sz="2000" kern="1200">
+        <a:defRPr kern="1200" sz="1500">
           <a:solidFill>
             <a:schemeClr val="tx1"/>
           </a:solidFill>
@@ -2945,13 +2924,13 @@
           <a:cs typeface="+mn-cs"/>
         </a:defRPr>
       </a:lvl5pPr>
-      <a:lvl6pPr marL="2514600" indent="-228600" algn="l" defTabSz="457200" rtl="0" eaLnBrk="1" latinLnBrk="0" hangingPunct="1">
+      <a:lvl6pPr algn="l" defTabSz="342900" eaLnBrk="1" hangingPunct="1" indent="-342900" latinLnBrk="0" marL="2057400" rtl="0">
         <a:spcBef>
           <a:spcPct val="20000"/>
         </a:spcBef>
         <a:buFont typeface="Arial"/>
         <a:buChar char="•"/>
-        <a:defRPr sz="2000" kern="1200">
+        <a:defRPr kern="1200" sz="1500">
           <a:solidFill>
             <a:schemeClr val="tx1"/>
           </a:solidFill>
@@ -2960,13 +2939,13 @@
           <a:cs typeface="+mn-cs"/>
         </a:defRPr>
       </a:lvl6pPr>
-      <a:lvl7pPr marL="2971800" indent="-228600" algn="l" defTabSz="457200" rtl="0" eaLnBrk="1" latinLnBrk="0" hangingPunct="1">
+      <a:lvl7pPr algn="l" defTabSz="342900" eaLnBrk="1" hangingPunct="1" indent="-342900" latinLnBrk="0" marL="2400300" rtl="0">
         <a:spcBef>
           <a:spcPct val="20000"/>
         </a:spcBef>
         <a:buFont typeface="Arial"/>
         <a:buChar char="•"/>
-        <a:defRPr sz="2000" kern="1200">
+        <a:defRPr kern="1200" sz="1500">
           <a:solidFill>
             <a:schemeClr val="tx1"/>
           </a:solidFill>
@@ -2975,13 +2954,13 @@
           <a:cs typeface="+mn-cs"/>
         </a:defRPr>
       </a:lvl7pPr>
-      <a:lvl8pPr marL="3429000" indent="-228600" algn="l" defTabSz="457200" rtl="0" eaLnBrk="1" latinLnBrk="0" hangingPunct="1">
+      <a:lvl8pPr algn="l" defTabSz="342900" eaLnBrk="1" hangingPunct="1" indent="-342900" latinLnBrk="0" marL="2743200" rtl="0">
         <a:spcBef>
           <a:spcPct val="20000"/>
         </a:spcBef>
         <a:buFont typeface="Arial"/>
         <a:buChar char="•"/>
-        <a:defRPr sz="2000" kern="1200">
+        <a:defRPr kern="1200" sz="1500">
           <a:solidFill>
             <a:schemeClr val="tx1"/>
           </a:solidFill>
@@ -2990,13 +2969,13 @@
           <a:cs typeface="+mn-cs"/>
         </a:defRPr>
       </a:lvl8pPr>
-      <a:lvl9pPr marL="3886200" indent="-228600" algn="l" defTabSz="457200" rtl="0" eaLnBrk="1" latinLnBrk="0" hangingPunct="1">
+      <a:lvl9pPr algn="l" defTabSz="342900" eaLnBrk="1" hangingPunct="1" indent="-342900" latinLnBrk="0" marL="3086100" rtl="0">
         <a:spcBef>
           <a:spcPct val="20000"/>
         </a:spcBef>
         <a:buFont typeface="Arial"/>
         <a:buChar char="•"/>
-        <a:defRPr sz="2000" kern="1200">
+        <a:defRPr kern="1200" sz="1500">
           <a:solidFill>
             <a:schemeClr val="tx1"/>
           </a:solidFill>
@@ -3010,8 +2989,8 @@
       <a:defPPr>
         <a:defRPr lang="en-US"/>
       </a:defPPr>
-      <a:lvl1pPr marL="0" algn="l" defTabSz="457200" rtl="0" eaLnBrk="1" latinLnBrk="0" hangingPunct="1">
-        <a:defRPr sz="1800" kern="1200">
+      <a:lvl1pPr algn="l" defTabSz="342900" eaLnBrk="1" hangingPunct="1" latinLnBrk="0" marL="0" rtl="0">
+        <a:defRPr kern="1200" sz="1350">
           <a:solidFill>
             <a:schemeClr val="tx1"/>
           </a:solidFill>
@@ -3020,8 +2999,8 @@
           <a:cs typeface="+mn-cs"/>
         </a:defRPr>
       </a:lvl1pPr>
-      <a:lvl2pPr marL="457200" algn="l" defTabSz="457200" rtl="0" eaLnBrk="1" latinLnBrk="0" hangingPunct="1">
-        <a:defRPr sz="1800" kern="1200">
+      <a:lvl2pPr algn="l" defTabSz="342900" eaLnBrk="1" hangingPunct="1" latinLnBrk="0" marL="342900" rtl="0">
+        <a:defRPr kern="1200" sz="1350">
           <a:solidFill>
             <a:schemeClr val="tx1"/>
           </a:solidFill>
@@ -3030,8 +3009,8 @@
           <a:cs typeface="+mn-cs"/>
         </a:defRPr>
       </a:lvl2pPr>
-      <a:lvl3pPr marL="914400" algn="l" defTabSz="457200" rtl="0" eaLnBrk="1" latinLnBrk="0" hangingPunct="1">
-        <a:defRPr sz="1800" kern="1200">
+      <a:lvl3pPr algn="l" defTabSz="342900" eaLnBrk="1" hangingPunct="1" latinLnBrk="0" marL="685800" rtl="0">
+        <a:defRPr kern="1200" sz="1350">
           <a:solidFill>
             <a:schemeClr val="tx1"/>
           </a:solidFill>
@@ -3040,8 +3019,8 @@
           <a:cs typeface="+mn-cs"/>
         </a:defRPr>
       </a:lvl3pPr>
-      <a:lvl4pPr marL="1371600" algn="l" defTabSz="457200" rtl="0" eaLnBrk="1" latinLnBrk="0" hangingPunct="1">
-        <a:defRPr sz="1800" kern="1200">
+      <a:lvl4pPr algn="l" defTabSz="342900" eaLnBrk="1" hangingPunct="1" latinLnBrk="0" marL="1028700" rtl="0">
+        <a:defRPr kern="1200" sz="1350">
           <a:solidFill>
             <a:schemeClr val="tx1"/>
           </a:solidFill>
@@ -3050,8 +3029,8 @@
           <a:cs typeface="+mn-cs"/>
         </a:defRPr>
       </a:lvl4pPr>
-      <a:lvl5pPr marL="1828800" algn="l" defTabSz="457200" rtl="0" eaLnBrk="1" latinLnBrk="0" hangingPunct="1">
-        <a:defRPr sz="1800" kern="1200">
+      <a:lvl5pPr algn="l" defTabSz="342900" eaLnBrk="1" hangingPunct="1" latinLnBrk="0" marL="1371600" rtl="0">
+        <a:defRPr kern="1200" sz="1350">
           <a:solidFill>
             <a:schemeClr val="tx1"/>
           </a:solidFill>
@@ -3060,8 +3039,8 @@
           <a:cs typeface="+mn-cs"/>
         </a:defRPr>
       </a:lvl5pPr>
-      <a:lvl6pPr marL="2286000" algn="l" defTabSz="457200" rtl="0" eaLnBrk="1" latinLnBrk="0" hangingPunct="1">
-        <a:defRPr sz="1800" kern="1200">
+      <a:lvl6pPr algn="l" defTabSz="342900" eaLnBrk="1" hangingPunct="1" latinLnBrk="0" marL="1714500" rtl="0">
+        <a:defRPr kern="1200" sz="1350">
           <a:solidFill>
             <a:schemeClr val="tx1"/>
           </a:solidFill>
@@ -3070,8 +3049,8 @@
           <a:cs typeface="+mn-cs"/>
         </a:defRPr>
       </a:lvl6pPr>
-      <a:lvl7pPr marL="2743200" algn="l" defTabSz="457200" rtl="0" eaLnBrk="1" latinLnBrk="0" hangingPunct="1">
-        <a:defRPr sz="1800" kern="1200">
+      <a:lvl7pPr algn="l" defTabSz="342900" eaLnBrk="1" hangingPunct="1" latinLnBrk="0" marL="2057400" rtl="0">
+        <a:defRPr kern="1200" sz="1350">
           <a:solidFill>
             <a:schemeClr val="tx1"/>
           </a:solidFill>
@@ -3080,8 +3059,8 @@
           <a:cs typeface="+mn-cs"/>
         </a:defRPr>
       </a:lvl7pPr>
-      <a:lvl8pPr marL="3200400" algn="l" defTabSz="457200" rtl="0" eaLnBrk="1" latinLnBrk="0" hangingPunct="1">
-        <a:defRPr sz="1800" kern="1200">
+      <a:lvl8pPr algn="l" defTabSz="342900" eaLnBrk="1" hangingPunct="1" latinLnBrk="0" marL="2400300" rtl="0">
+        <a:defRPr kern="1200" sz="1350">
           <a:solidFill>
             <a:schemeClr val="tx1"/>
           </a:solidFill>
@@ -3090,8 +3069,8 @@
           <a:cs typeface="+mn-cs"/>
         </a:defRPr>
       </a:lvl8pPr>
-      <a:lvl9pPr marL="3657600" algn="l" defTabSz="457200" rtl="0" eaLnBrk="1" latinLnBrk="0" hangingPunct="1">
-        <a:defRPr sz="1800" kern="1200">
+      <a:lvl9pPr algn="l" defTabSz="342900" eaLnBrk="1" hangingPunct="1" latinLnBrk="0" marL="2743200" rtl="0">
+        <a:defRPr kern="1200" sz="1350">
           <a:solidFill>
             <a:schemeClr val="tx1"/>
           </a:solidFill>
@@ -3134,28 +3113,20 @@
         </p:nvSpPr>
         <p:spPr>
           <a:xfrm>
-            <a:off x="685800" y="2130425"/>
-            <a:ext cx="7772400" cy="1470025"/>
+            <a:off x="685800" y="1597819"/>
+            <a:ext cx="7772400" cy="1102519"/>
           </a:xfrm>
         </p:spPr>
         <p:txBody>
           <a:bodyPr/>
           <a:lstStyle/>
           <a:p>
-            <a:pPr lvl="0" marL="0" indent="0">
+            <a:pPr lvl="0" indent="0" marL="0">
               <a:buNone/>
             </a:pPr>
             <a:r>
               <a:rPr/>
-              <a:t>Microservice</a:t>
-            </a:r>
-            <a:r>
-              <a:rPr/>
-              <a:t> </a:t>
-            </a:r>
-            <a:r>
-              <a:rPr/>
-              <a:t>(analysis)</a:t>
+              <a:t>Microservice (analysis)</a:t>
             </a:r>
           </a:p>
         </p:txBody>
@@ -3167,20 +3138,20 @@
             <a:spLocks noGrp="1"/>
           </p:cNvSpPr>
           <p:nvPr>
-            <p:ph type="subTitle" idx="1"/>
+            <p:ph idx="1" type="subTitle"/>
           </p:nvPr>
         </p:nvSpPr>
         <p:spPr>
           <a:xfrm>
-            <a:off x="1371600" y="3886200"/>
-            <a:ext cx="6400800" cy="1752600"/>
+            <a:off x="1371600" y="2914650"/>
+            <a:ext cx="6400800" cy="1314450"/>
           </a:xfrm>
         </p:spPr>
         <p:txBody>
           <a:bodyPr/>
           <a:lstStyle/>
           <a:p>
-            <a:pPr lvl="0" marL="0" indent="0">
+            <a:pPr lvl="0" indent="0" marL="0">
               <a:buNone/>
             </a:pPr>
             <a:br/>
@@ -3225,36 +3196,12 @@
           <a:bodyPr/>
           <a:lstStyle/>
           <a:p>
-            <a:pPr lvl="0" marL="0" indent="0">
+            <a:pPr lvl="0" indent="0" marL="0">
               <a:buNone/>
             </a:pPr>
             <a:r>
               <a:rPr/>
-              <a:t>This</a:t>
-            </a:r>
-            <a:r>
-              <a:rPr/>
-              <a:t> </a:t>
-            </a:r>
-            <a:r>
-              <a:rPr/>
-              <a:t>approach</a:t>
-            </a:r>
-            <a:r>
-              <a:rPr/>
-              <a:t> </a:t>
-            </a:r>
-            <a:r>
-              <a:rPr/>
-              <a:t>is</a:t>
-            </a:r>
-            <a:r>
-              <a:rPr/>
-              <a:t> </a:t>
-            </a:r>
-            <a:r>
-              <a:rPr/>
-              <a:t>supported</a:t>
+              <a:t>This approach is supported</a:t>
             </a:r>
           </a:p>
         </p:txBody>
@@ -3274,28 +3221,28 @@
           <a:bodyPr/>
           <a:lstStyle/>
           <a:p>
-            <a:pPr lvl="1"/>
+            <a:pPr lvl="0"/>
             <a:r>
               <a:rPr/>
               <a:t>by flask or fastapi in python</a:t>
             </a:r>
           </a:p>
           <a:p>
-            <a:pPr lvl="1"/>
+            <a:pPr lvl="0"/>
             <a:r>
               <a:rPr/>
               <a:t>hono in ts/js</a:t>
             </a:r>
           </a:p>
           <a:p>
-            <a:pPr lvl="1"/>
+            <a:pPr lvl="0"/>
             <a:r>
               <a:rPr/>
               <a:t>spark framework in Java</a:t>
             </a:r>
           </a:p>
           <a:p>
-            <a:pPr lvl="1"/>
+            <a:pPr lvl="0"/>
             <a:r>
               <a:rPr/>
               <a:t>Carter in dotnet</a:t>
@@ -3340,28 +3287,12 @@
           <a:bodyPr/>
           <a:lstStyle/>
           <a:p>
-            <a:pPr lvl="0" marL="0" indent="0">
+            <a:pPr lvl="0" indent="0" marL="0">
               <a:buNone/>
             </a:pPr>
             <a:r>
               <a:rPr/>
-              <a:t>On</a:t>
-            </a:r>
-            <a:r>
-              <a:rPr/>
-              <a:t> </a:t>
-            </a:r>
-            <a:r>
-              <a:rPr/>
-              <a:t>Infrastructure</a:t>
-            </a:r>
-            <a:r>
-              <a:rPr/>
-              <a:t> </a:t>
-            </a:r>
-            <a:r>
-              <a:rPr/>
-              <a:t>like</a:t>
+              <a:t>On Infrastructure like</a:t>
             </a:r>
           </a:p>
         </p:txBody>
@@ -3381,28 +3312,28 @@
           <a:bodyPr/>
           <a:lstStyle/>
           <a:p>
-            <a:pPr lvl="1"/>
+            <a:pPr lvl="0"/>
             <a:r>
               <a:rPr/>
               <a:t>AWS Lambda</a:t>
             </a:r>
           </a:p>
           <a:p>
-            <a:pPr lvl="1"/>
+            <a:pPr lvl="0"/>
             <a:r>
               <a:rPr/>
               <a:t>knative</a:t>
             </a:r>
           </a:p>
           <a:p>
-            <a:pPr lvl="1"/>
+            <a:pPr lvl="0"/>
             <a:r>
               <a:rPr/>
               <a:t>cloudflare functions</a:t>
             </a:r>
           </a:p>
           <a:p>
-            <a:pPr lvl="1"/>
+            <a:pPr lvl="0"/>
             <a:r>
               <a:rPr/>
               <a:t>Azure functions</a:t>
@@ -3447,20 +3378,12 @@
           <a:bodyPr/>
           <a:lstStyle/>
           <a:p>
-            <a:pPr lvl="0" marL="0" indent="0">
+            <a:pPr lvl="0" indent="0" marL="0">
               <a:buNone/>
             </a:pPr>
             <a:r>
               <a:rPr/>
-              <a:t>Next</a:t>
-            </a:r>
-            <a:r>
-              <a:rPr/>
-              <a:t> </a:t>
-            </a:r>
-            <a:r>
-              <a:rPr/>
-              <a:t>week</a:t>
+              <a:t>Next week</a:t>
             </a:r>
           </a:p>
         </p:txBody>
@@ -3480,7 +3403,7 @@
           <a:bodyPr/>
           <a:lstStyle/>
           <a:p>
-            <a:pPr lvl="1"/>
+            <a:pPr lvl="0"/>
             <a:r>
               <a:rPr/>
               <a:t>We will start with Microfrontends</a:t>
@@ -3525,7 +3448,7 @@
           <a:bodyPr/>
           <a:lstStyle/>
           <a:p>
-            <a:pPr lvl="0" marL="0" indent="0">
+            <a:pPr lvl="0" indent="0" marL="0">
               <a:buNone/>
             </a:pPr>
             <a:r>
@@ -3550,21 +3473,21 @@
           <a:bodyPr/>
           <a:lstStyle/>
           <a:p>
-            <a:pPr lvl="1"/>
+            <a:pPr lvl="0"/>
             <a:r>
               <a:rPr/>
               <a:t>Introduce the Challenge/Activity</a:t>
             </a:r>
           </a:p>
           <a:p>
-            <a:pPr lvl="1"/>
+            <a:pPr lvl="0"/>
             <a:r>
               <a:rPr/>
               <a:t>Theory to support learning outcomes and the Activity</a:t>
             </a:r>
           </a:p>
           <a:p>
-            <a:pPr lvl="1"/>
+            <a:pPr lvl="0"/>
             <a:r>
               <a:rPr/>
               <a:t>Initial demo of activity</a:t>
@@ -3609,36 +3532,12 @@
           <a:bodyPr/>
           <a:lstStyle/>
           <a:p>
-            <a:pPr lvl="0" marL="0" indent="0">
+            <a:pPr lvl="0" indent="0" marL="0">
               <a:buNone/>
             </a:pPr>
             <a:r>
               <a:rPr/>
-              <a:t>Microservice</a:t>
-            </a:r>
-            <a:r>
-              <a:rPr/>
-              <a:t> </a:t>
-            </a:r>
-            <a:r>
-              <a:rPr/>
-              <a:t>white</a:t>
-            </a:r>
-            <a:r>
-              <a:rPr/>
-              <a:t> </a:t>
-            </a:r>
-            <a:r>
-              <a:rPr/>
-              <a:t>box</a:t>
-            </a:r>
-            <a:r>
-              <a:rPr/>
-              <a:t> </a:t>
-            </a:r>
-            <a:r>
-              <a:rPr/>
-              <a:t>Challenge</a:t>
+              <a:t>Microservice white box Challenge</a:t>
             </a:r>
           </a:p>
         </p:txBody>
@@ -3658,7 +3557,7 @@
           <a:bodyPr/>
           <a:lstStyle/>
           <a:p>
-            <a:pPr lvl="1"/>
+            <a:pPr lvl="0"/>
             <a:r>
               <a:rPr/>
               <a:t>Create a codespace from this </a:t>
@@ -3675,14 +3574,14 @@
             </a:r>
           </a:p>
           <a:p>
-            <a:pPr lvl="1"/>
+            <a:pPr lvl="0"/>
             <a:r>
               <a:rPr/>
               <a:t>follow the instructions in the README.md</a:t>
             </a:r>
           </a:p>
           <a:p>
-            <a:pPr lvl="1"/>
+            <a:pPr lvl="0"/>
             <a:r>
               <a:rPr/>
               <a:t>make sure to add metrics and a dashboard</a:t>
@@ -3727,28 +3626,12 @@
           <a:bodyPr/>
           <a:lstStyle/>
           <a:p>
-            <a:pPr lvl="0" marL="0" indent="0">
+            <a:pPr lvl="0" indent="0" marL="0">
               <a:buNone/>
             </a:pPr>
             <a:r>
               <a:rPr/>
-              <a:t>First</a:t>
-            </a:r>
-            <a:r>
-              <a:rPr/>
-              <a:t> </a:t>
-            </a:r>
-            <a:r>
-              <a:rPr/>
-              <a:t>things</a:t>
-            </a:r>
-            <a:r>
-              <a:rPr/>
-              <a:t> </a:t>
-            </a:r>
-            <a:r>
-              <a:rPr/>
-              <a:t>First</a:t>
+              <a:t>First things First</a:t>
             </a:r>
           </a:p>
         </p:txBody>
@@ -3768,7 +3651,7 @@
           <a:bodyPr/>
           <a:lstStyle/>
           <a:p>
-            <a:pPr lvl="0" marL="0" indent="0">
+            <a:pPr lvl="0" indent="0" marL="0">
               <a:buNone/>
             </a:pPr>
             <a:r>
@@ -3839,7 +3722,7 @@
             </a:r>
           </a:p>
           <a:p>
-            <a:pPr lvl="0" marL="0" indent="0">
+            <a:pPr lvl="0" indent="0" marL="0">
               <a:buNone/>
             </a:pPr>
             <a:r>
@@ -3896,44 +3779,12 @@
           <a:bodyPr/>
           <a:lstStyle/>
           <a:p>
-            <a:pPr lvl="0" marL="0" indent="0">
+            <a:pPr lvl="0" indent="0" marL="0">
               <a:buNone/>
             </a:pPr>
             <a:r>
               <a:rPr/>
-              <a:t>Then</a:t>
-            </a:r>
-            <a:r>
-              <a:rPr/>
-              <a:t> </a:t>
-            </a:r>
-            <a:r>
-              <a:rPr/>
-              <a:t>add</a:t>
-            </a:r>
-            <a:r>
-              <a:rPr/>
-              <a:t> </a:t>
-            </a:r>
-            <a:r>
-              <a:rPr/>
-              <a:t>the</a:t>
-            </a:r>
-            <a:r>
-              <a:rPr/>
-              <a:t> </a:t>
-            </a:r>
-            <a:r>
-              <a:rPr/>
-              <a:t>commit</a:t>
-            </a:r>
-            <a:r>
-              <a:rPr/>
-              <a:t> </a:t>
-            </a:r>
-            <a:r>
-              <a:rPr/>
-              <a:t>hash</a:t>
+              <a:t>Then add the commit hash</a:t>
             </a:r>
           </a:p>
         </p:txBody>
@@ -3953,7 +3804,7 @@
           <a:bodyPr/>
           <a:lstStyle/>
           <a:p>
-            <a:pPr lvl="1"/>
+            <a:pPr lvl="0"/>
             <a:r>
               <a:rPr/>
               <a:t>or other version information in the startup</a:t>
@@ -3971,7 +3822,7 @@
             </a:r>
           </a:p>
           <a:p>
-            <a:pPr lvl="1"/>
+            <a:pPr lvl="0"/>
             <a:r>
               <a:rPr/>
               <a:t>saves sanity when degugging</a:t>
@@ -4016,60 +3867,12 @@
           <a:bodyPr/>
           <a:lstStyle/>
           <a:p>
-            <a:pPr lvl="0" marL="0" indent="0">
+            <a:pPr lvl="0" indent="0" marL="0">
               <a:buNone/>
             </a:pPr>
             <a:r>
               <a:rPr/>
-              <a:t>Get</a:t>
-            </a:r>
-            <a:r>
-              <a:rPr/>
-              <a:t> </a:t>
-            </a:r>
-            <a:r>
-              <a:rPr/>
-              <a:t>the</a:t>
-            </a:r>
-            <a:r>
-              <a:rPr/>
-              <a:t> </a:t>
-            </a:r>
-            <a:r>
-              <a:rPr/>
-              <a:t>commit</a:t>
-            </a:r>
-            <a:r>
-              <a:rPr/>
-              <a:t> </a:t>
-            </a:r>
-            <a:r>
-              <a:rPr/>
-              <a:t>hash</a:t>
-            </a:r>
-            <a:r>
-              <a:rPr/>
-              <a:t> </a:t>
-            </a:r>
-            <a:r>
-              <a:rPr/>
-              <a:t>by</a:t>
-            </a:r>
-            <a:r>
-              <a:rPr/>
-              <a:t> </a:t>
-            </a:r>
-            <a:r>
-              <a:rPr/>
-              <a:t>right</a:t>
-            </a:r>
-            <a:r>
-              <a:rPr/>
-              <a:t> </a:t>
-            </a:r>
-            <a:r>
-              <a:rPr/>
-              <a:t>clicking</a:t>
+              <a:t>Get the commit hash by right clicking</a:t>
             </a:r>
           </a:p>
         </p:txBody>
@@ -4090,8 +3893,8 @@
         </p:blipFill>
         <p:spPr bwMode="auto">
           <a:xfrm>
-            <a:off x="3213100" y="1600200"/>
-            <a:ext cx="2705100" cy="4013200"/>
+            <a:off x="3594100" y="1193800"/>
+            <a:ext cx="1943100" cy="2882900"/>
           </a:xfrm>
           <a:prstGeom prst="rect">
             <a:avLst/>
@@ -4112,7 +3915,7 @@
         </p:nvSpPr>
         <p:spPr>
           <a:xfrm>
-            <a:off x="457200" y="5613400"/>
+            <a:off x="457200" y="4076700"/>
             <a:ext cx="8229600" cy="508000"/>
           </a:xfrm>
           <a:prstGeom prst="rect">
@@ -4124,20 +3927,12 @@
           <a:bodyPr/>
           <a:lstStyle/>
           <a:p>
-            <a:pPr lvl="0" marL="0" indent="0" algn="ctr">
+            <a:pPr lvl="0" indent="0" marL="0" algn="ctr">
               <a:buNone/>
             </a:pPr>
             <a:r>
               <a:rPr/>
-              <a:t>Commit</a:t>
-            </a:r>
-            <a:r>
-              <a:rPr/>
-              <a:t> </a:t>
-            </a:r>
-            <a:r>
-              <a:rPr/>
-              <a:t>Hash</a:t>
+              <a:t>Commit Hash</a:t>
             </a:r>
           </a:p>
         </p:txBody>
@@ -4179,68 +3974,12 @@
           <a:bodyPr/>
           <a:lstStyle/>
           <a:p>
-            <a:pPr lvl="0" marL="0" indent="0">
+            <a:pPr lvl="0" indent="0" marL="0">
               <a:buNone/>
             </a:pPr>
             <a:r>
               <a:rPr/>
-              <a:t>Please</a:t>
-            </a:r>
-            <a:r>
-              <a:rPr/>
-              <a:t> </a:t>
-            </a:r>
-            <a:r>
-              <a:rPr/>
-              <a:t>follow</a:t>
-            </a:r>
-            <a:r>
-              <a:rPr/>
-              <a:t> </a:t>
-            </a:r>
-            <a:r>
-              <a:rPr/>
-              <a:t>this</a:t>
-            </a:r>
-            <a:r>
-              <a:rPr/>
-              <a:t> </a:t>
-            </a:r>
-            <a:r>
-              <a:rPr/>
-              <a:t>article</a:t>
-            </a:r>
-            <a:r>
-              <a:rPr/>
-              <a:t> </a:t>
-            </a:r>
-            <a:r>
-              <a:rPr/>
-              <a:t>to</a:t>
-            </a:r>
-            <a:r>
-              <a:rPr/>
-              <a:t> </a:t>
-            </a:r>
-            <a:r>
-              <a:rPr/>
-              <a:t>practice</a:t>
-            </a:r>
-            <a:r>
-              <a:rPr/>
-              <a:t> </a:t>
-            </a:r>
-            <a:r>
-              <a:rPr/>
-              <a:t>with</a:t>
-            </a:r>
-            <a:r>
-              <a:rPr/>
-              <a:t> </a:t>
-            </a:r>
-            <a:r>
-              <a:rPr/>
-              <a:t>analysis</a:t>
+              <a:t>Please follow this article to practice with analysis</a:t>
             </a:r>
           </a:p>
         </p:txBody>
@@ -4263,8 +4002,8 @@
         </p:blipFill>
         <p:spPr bwMode="auto">
           <a:xfrm>
-            <a:off x="1562100" y="1600200"/>
-            <a:ext cx="6019800" cy="4013200"/>
+            <a:off x="2413000" y="1193800"/>
+            <a:ext cx="4318000" cy="2882900"/>
           </a:xfrm>
           <a:prstGeom prst="rect">
             <a:avLst/>
@@ -4285,7 +4024,7 @@
         </p:nvSpPr>
         <p:spPr>
           <a:xfrm>
-            <a:off x="457200" y="5613400"/>
+            <a:off x="457200" y="4076700"/>
             <a:ext cx="8229600" cy="508000"/>
           </a:xfrm>
           <a:prstGeom prst="rect">
@@ -4297,20 +4036,12 @@
           <a:bodyPr/>
           <a:lstStyle/>
           <a:p>
-            <a:pPr lvl="0" marL="0" indent="0" algn="ctr">
+            <a:pPr lvl="0" indent="0" marL="0" algn="ctr">
               <a:buNone/>
             </a:pPr>
             <a:r>
               <a:rPr/>
-              <a:t>Excellent</a:t>
-            </a:r>
-            <a:r>
-              <a:rPr/>
-              <a:t> </a:t>
-            </a:r>
-            <a:r>
-              <a:rPr/>
-              <a:t>article</a:t>
+              <a:t>Excellent article</a:t>
             </a:r>
           </a:p>
         </p:txBody>
@@ -4352,20 +4083,12 @@
           <a:bodyPr/>
           <a:lstStyle/>
           <a:p>
-            <a:pPr lvl="0" marL="0" indent="0">
+            <a:pPr lvl="0" indent="0" marL="0">
               <a:buNone/>
             </a:pPr>
             <a:r>
               <a:rPr/>
-              <a:t>Look</a:t>
-            </a:r>
-            <a:r>
-              <a:rPr/>
-              <a:t> </a:t>
-            </a:r>
-            <a:r>
-              <a:rPr/>
-              <a:t>for</a:t>
+              <a:t>Look for</a:t>
             </a:r>
           </a:p>
         </p:txBody>
@@ -4385,14 +4108,14 @@
           <a:bodyPr/>
           <a:lstStyle/>
           <a:p>
-            <a:pPr lvl="1"/>
+            <a:pPr lvl="0"/>
             <a:r>
               <a:rPr/>
               <a:t>Clicking on a trendline in the metric view to go to trace or log</a:t>
             </a:r>
           </a:p>
           <a:p>
-            <a:pPr lvl="1"/>
+            <a:pPr lvl="0"/>
             <a:r>
               <a:rPr/>
               <a:t>adding a metric per the last lab and creating a dashboard to see it</a:t>
@@ -4437,52 +4160,12 @@
           <a:bodyPr/>
           <a:lstStyle/>
           <a:p>
-            <a:pPr lvl="0" marL="0" indent="0">
+            <a:pPr lvl="0" indent="0" marL="0">
               <a:buNone/>
             </a:pPr>
             <a:r>
               <a:rPr/>
-              <a:t>I</a:t>
-            </a:r>
-            <a:r>
-              <a:rPr/>
-              <a:t> </a:t>
-            </a:r>
-            <a:r>
-              <a:rPr/>
-              <a:t>changed</a:t>
-            </a:r>
-            <a:r>
-              <a:rPr/>
-              <a:t> </a:t>
-            </a:r>
-            <a:r>
-              <a:rPr/>
-              <a:t>my</a:t>
-            </a:r>
-            <a:r>
-              <a:rPr/>
-              <a:t> </a:t>
-            </a:r>
-            <a:r>
-              <a:rPr/>
-              <a:t>view</a:t>
-            </a:r>
-            <a:r>
-              <a:rPr/>
-              <a:t> </a:t>
-            </a:r>
-            <a:r>
-              <a:rPr/>
-              <a:t>a</a:t>
-            </a:r>
-            <a:r>
-              <a:rPr/>
-              <a:t> </a:t>
-            </a:r>
-            <a:r>
-              <a:rPr/>
-              <a:t>bit</a:t>
+              <a:t>I changed my view a bit</a:t>
             </a:r>
           </a:p>
         </p:txBody>
@@ -4502,28 +4185,28 @@
           <a:bodyPr/>
           <a:lstStyle/>
           <a:p>
-            <a:pPr lvl="1"/>
+            <a:pPr lvl="0"/>
             <a:r>
               <a:rPr/>
               <a:t>I needed to develop a Microservice framework for another course</a:t>
             </a:r>
           </a:p>
           <a:p>
-            <a:pPr lvl="1"/>
+            <a:pPr lvl="0"/>
             <a:r>
               <a:rPr/>
               <a:t>Last week, I was thinking of a Microservice as a function</a:t>
             </a:r>
           </a:p>
           <a:p>
-            <a:pPr lvl="1"/>
+            <a:pPr lvl="0"/>
             <a:r>
               <a:rPr/>
               <a:t>this week I am thinking of a Microservice as a collection of endpoints</a:t>
             </a:r>
           </a:p>
           <a:p>
-            <a:pPr lvl="1"/>
+            <a:pPr lvl="0"/>
             <a:r>
               <a:rPr/>
               <a:t>produced by an autonomous team</a:t>
@@ -4854,4 +4537,265 @@
   </a:objectDefaults>
   <a:extraClrSchemeLst/>
 </a:theme>
+</file>
+
+<file path=ppt/theme/theme2.xml><?xml version="1.0" encoding="utf-8"?>
+<a:theme xmlns:a="http://schemas.openxmlformats.org/drawingml/2006/main" name="Office Theme">
+  <a:themeElements>
+    <a:clrScheme name="Office">
+      <a:dk1>
+        <a:sysClr val="windowText" lastClr="000000"/>
+      </a:dk1>
+      <a:lt1>
+        <a:sysClr val="window" lastClr="FFFFFF"/>
+      </a:lt1>
+      <a:dk2>
+        <a:srgbClr val="44546A"/>
+      </a:dk2>
+      <a:lt2>
+        <a:srgbClr val="E7E6E6"/>
+      </a:lt2>
+      <a:accent1>
+        <a:srgbClr val="5B9BD5"/>
+      </a:accent1>
+      <a:accent2>
+        <a:srgbClr val="ED7D31"/>
+      </a:accent2>
+      <a:accent3>
+        <a:srgbClr val="A5A5A5"/>
+      </a:accent3>
+      <a:accent4>
+        <a:srgbClr val="FFC000"/>
+      </a:accent4>
+      <a:accent5>
+        <a:srgbClr val="4472C4"/>
+      </a:accent5>
+      <a:accent6>
+        <a:srgbClr val="70AD47"/>
+      </a:accent6>
+      <a:hlink>
+        <a:srgbClr val="0563C1"/>
+      </a:hlink>
+      <a:folHlink>
+        <a:srgbClr val="954F72"/>
+      </a:folHlink>
+    </a:clrScheme>
+    <a:fontScheme name="Office">
+      <a:majorFont>
+        <a:latin typeface="Calibri Light" panose="020F0302020204030204"/>
+        <a:ea typeface=""/>
+        <a:cs typeface=""/>
+        <a:font script="Jpan" typeface="ＭＳ Ｐゴシック"/>
+        <a:font script="Hang" typeface="맑은 고딕"/>
+        <a:font script="Hans" typeface="宋体"/>
+        <a:font script="Hant" typeface="新細明體"/>
+        <a:font script="Arab" typeface="Times New Roman"/>
+        <a:font script="Hebr" typeface="Times New Roman"/>
+        <a:font script="Thai" typeface="Angsana New"/>
+        <a:font script="Ethi" typeface="Nyala"/>
+        <a:font script="Beng" typeface="Vrinda"/>
+        <a:font script="Gujr" typeface="Shruti"/>
+        <a:font script="Khmr" typeface="MoolBoran"/>
+        <a:font script="Knda" typeface="Tunga"/>
+        <a:font script="Guru" typeface="Raavi"/>
+        <a:font script="Cans" typeface="Euphemia"/>
+        <a:font script="Cher" typeface="Plantagenet Cherokee"/>
+        <a:font script="Yiii" typeface="Microsoft Yi Baiti"/>
+        <a:font script="Tibt" typeface="Microsoft Himalaya"/>
+        <a:font script="Thaa" typeface="MV Boli"/>
+        <a:font script="Deva" typeface="Mangal"/>
+        <a:font script="Telu" typeface="Gautami"/>
+        <a:font script="Taml" typeface="Latha"/>
+        <a:font script="Syrc" typeface="Estrangelo Edessa"/>
+        <a:font script="Orya" typeface="Kalinga"/>
+        <a:font script="Mlym" typeface="Kartika"/>
+        <a:font script="Laoo" typeface="DokChampa"/>
+        <a:font script="Sinh" typeface="Iskoola Pota"/>
+        <a:font script="Mong" typeface="Mongolian Baiti"/>
+        <a:font script="Viet" typeface="Times New Roman"/>
+        <a:font script="Uigh" typeface="Microsoft Uighur"/>
+        <a:font script="Geor" typeface="Sylfaen"/>
+      </a:majorFont>
+      <a:minorFont>
+        <a:latin typeface="Calibri" panose="020F0502020204030204"/>
+        <a:ea typeface=""/>
+        <a:cs typeface=""/>
+        <a:font script="Jpan" typeface="ＭＳ Ｐゴシック"/>
+        <a:font script="Hang" typeface="맑은 고딕"/>
+        <a:font script="Hans" typeface="宋体"/>
+        <a:font script="Hant" typeface="新細明體"/>
+        <a:font script="Arab" typeface="Arial"/>
+        <a:font script="Hebr" typeface="Arial"/>
+        <a:font script="Thai" typeface="Cordia New"/>
+        <a:font script="Ethi" typeface="Nyala"/>
+        <a:font script="Beng" typeface="Vrinda"/>
+        <a:font script="Gujr" typeface="Shruti"/>
+        <a:font script="Khmr" typeface="DaunPenh"/>
+        <a:font script="Knda" typeface="Tunga"/>
+        <a:font script="Guru" typeface="Raavi"/>
+        <a:font script="Cans" typeface="Euphemia"/>
+        <a:font script="Cher" typeface="Plantagenet Cherokee"/>
+        <a:font script="Yiii" typeface="Microsoft Yi Baiti"/>
+        <a:font script="Tibt" typeface="Microsoft Himalaya"/>
+        <a:font script="Thaa" typeface="MV Boli"/>
+        <a:font script="Deva" typeface="Mangal"/>
+        <a:font script="Telu" typeface="Gautami"/>
+        <a:font script="Taml" typeface="Latha"/>
+        <a:font script="Syrc" typeface="Estrangelo Edessa"/>
+        <a:font script="Orya" typeface="Kalinga"/>
+        <a:font script="Mlym" typeface="Kartika"/>
+        <a:font script="Laoo" typeface="DokChampa"/>
+        <a:font script="Sinh" typeface="Iskoola Pota"/>
+        <a:font script="Mong" typeface="Mongolian Baiti"/>
+        <a:font script="Viet" typeface="Arial"/>
+        <a:font script="Uigh" typeface="Microsoft Uighur"/>
+        <a:font script="Geor" typeface="Sylfaen"/>
+      </a:minorFont>
+    </a:fontScheme>
+    <a:fmtScheme name="Office">
+      <a:fillStyleLst>
+        <a:solidFill>
+          <a:schemeClr val="phClr"/>
+        </a:solidFill>
+        <a:gradFill rotWithShape="1">
+          <a:gsLst>
+            <a:gs pos="0">
+              <a:schemeClr val="phClr">
+                <a:lumMod val="110000"/>
+                <a:satMod val="105000"/>
+                <a:tint val="67000"/>
+              </a:schemeClr>
+            </a:gs>
+            <a:gs pos="50000">
+              <a:schemeClr val="phClr">
+                <a:lumMod val="105000"/>
+                <a:satMod val="103000"/>
+                <a:tint val="73000"/>
+              </a:schemeClr>
+            </a:gs>
+            <a:gs pos="100000">
+              <a:schemeClr val="phClr">
+                <a:lumMod val="105000"/>
+                <a:satMod val="109000"/>
+                <a:tint val="81000"/>
+              </a:schemeClr>
+            </a:gs>
+          </a:gsLst>
+          <a:lin ang="5400000" scaled="0"/>
+        </a:gradFill>
+        <a:gradFill rotWithShape="1">
+          <a:gsLst>
+            <a:gs pos="0">
+              <a:schemeClr val="phClr">
+                <a:satMod val="103000"/>
+                <a:lumMod val="102000"/>
+                <a:tint val="94000"/>
+              </a:schemeClr>
+            </a:gs>
+            <a:gs pos="50000">
+              <a:schemeClr val="phClr">
+                <a:satMod val="110000"/>
+                <a:lumMod val="100000"/>
+                <a:shade val="100000"/>
+              </a:schemeClr>
+            </a:gs>
+            <a:gs pos="100000">
+              <a:schemeClr val="phClr">
+                <a:lumMod val="99000"/>
+                <a:satMod val="120000"/>
+                <a:shade val="78000"/>
+              </a:schemeClr>
+            </a:gs>
+          </a:gsLst>
+          <a:lin ang="5400000" scaled="0"/>
+        </a:gradFill>
+      </a:fillStyleLst>
+      <a:lnStyleLst>
+        <a:ln w="6350" cap="flat" cmpd="sng" algn="ctr">
+          <a:solidFill>
+            <a:schemeClr val="phClr"/>
+          </a:solidFill>
+          <a:prstDash val="solid"/>
+          <a:miter lim="800000"/>
+        </a:ln>
+        <a:ln w="12700" cap="flat" cmpd="sng" algn="ctr">
+          <a:solidFill>
+            <a:schemeClr val="phClr"/>
+          </a:solidFill>
+          <a:prstDash val="solid"/>
+          <a:miter lim="800000"/>
+        </a:ln>
+        <a:ln w="19050" cap="flat" cmpd="sng" algn="ctr">
+          <a:solidFill>
+            <a:schemeClr val="phClr"/>
+          </a:solidFill>
+          <a:prstDash val="solid"/>
+          <a:miter lim="800000"/>
+        </a:ln>
+      </a:lnStyleLst>
+      <a:effectStyleLst>
+        <a:effectStyle>
+          <a:effectLst/>
+        </a:effectStyle>
+        <a:effectStyle>
+          <a:effectLst/>
+        </a:effectStyle>
+        <a:effectStyle>
+          <a:effectLst>
+            <a:outerShdw blurRad="57150" dist="19050" dir="5400000" algn="ctr" rotWithShape="0">
+              <a:srgbClr val="000000">
+                <a:alpha val="63000"/>
+              </a:srgbClr>
+            </a:outerShdw>
+          </a:effectLst>
+        </a:effectStyle>
+      </a:effectStyleLst>
+      <a:bgFillStyleLst>
+        <a:solidFill>
+          <a:schemeClr val="phClr"/>
+        </a:solidFill>
+        <a:solidFill>
+          <a:schemeClr val="phClr">
+            <a:tint val="95000"/>
+            <a:satMod val="170000"/>
+          </a:schemeClr>
+        </a:solidFill>
+        <a:gradFill rotWithShape="1">
+          <a:gsLst>
+            <a:gs pos="0">
+              <a:schemeClr val="phClr">
+                <a:tint val="93000"/>
+                <a:satMod val="150000"/>
+                <a:shade val="98000"/>
+                <a:lumMod val="102000"/>
+              </a:schemeClr>
+            </a:gs>
+            <a:gs pos="50000">
+              <a:schemeClr val="phClr">
+                <a:tint val="98000"/>
+                <a:satMod val="130000"/>
+                <a:shade val="90000"/>
+                <a:lumMod val="103000"/>
+              </a:schemeClr>
+            </a:gs>
+            <a:gs pos="100000">
+              <a:schemeClr val="phClr">
+                <a:shade val="63000"/>
+                <a:satMod val="120000"/>
+              </a:schemeClr>
+            </a:gs>
+          </a:gsLst>
+          <a:lin ang="5400000" scaled="0"/>
+        </a:gradFill>
+      </a:bgFillStyleLst>
+    </a:fmtScheme>
+  </a:themeElements>
+  <a:objectDefaults/>
+  <a:extraClrSchemeLst/>
+  <a:extLst>
+    <a:ext uri="{05A4C25C-085E-4340-85A3-A5531E510DB2}">
+      <thm15:themeFamily xmlns:thm15="http://schemas.microsoft.com/office/thememl/2012/main" name="Office Theme" id="{62F939B6-93AF-4DB8-9C6B-D6C7DFDC589F}" vid="{4A3C46E8-61CC-4603-A589-7422A47A8E4A}"/>
+    </a:ext>
+  </a:extLst>
+</a:theme>
 </file>